--- a/Part_1_Resources_for_computational_modellers/6_Computing_infrastructure/4_Binder.pptx
+++ b/Part_1_Resources_for_computational_modellers/6_Computing_infrastructure/4_Binder.pptx
@@ -1,26 +1,463 @@
 
 <file path=ppt/presentation.xml><?xml version="1.0" encoding="utf-8"?>
-<p:presentation xmlns:a="http://schemas.openxmlformats.org/drawingml/2006/main" xmlns:p="http://schemas.openxmlformats.org/presentationml/2006/main" xmlns:r="http://schemas.openxmlformats.org/officeDocument/2006/relationships" xmlns:p14="http://schemas.microsoft.com/office/powerpoint/2010/main" xmlns:p15="http://schemas.microsoft.com/office/powerpoint/2012/main" xmlns:mc="http://schemas.openxmlformats.org/markup-compatibility/2006">
+<p:presentation xmlns:a="http://schemas.openxmlformats.org/drawingml/2006/main" xmlns:r="http://schemas.openxmlformats.org/officeDocument/2006/relationships" xmlns:p="http://schemas.openxmlformats.org/presentationml/2006/main">
   <p:sldMasterIdLst>
-    <p:sldMasterId id="2147483648" r:id="rId2"/>
-    <p:sldMasterId id="2147483661" r:id="rId3"/>
+    <p:sldMasterId id="2147483648" r:id="rId1"/>
+    <p:sldMasterId id="2147483661" r:id="rId2"/>
   </p:sldMasterIdLst>
   <p:notesMasterIdLst>
-    <p:notesMasterId r:id="rId4"/>
+    <p:notesMasterId r:id="rId7"/>
   </p:notesMasterIdLst>
   <p:sldIdLst>
-    <p:sldId id="256" r:id="rId5"/>
-    <p:sldId id="257" r:id="rId6"/>
-    <p:sldId id="258" r:id="rId7"/>
-    <p:sldId id="259" r:id="rId8"/>
+    <p:sldId id="256" r:id="rId3"/>
+    <p:sldId id="257" r:id="rId4"/>
+    <p:sldId id="258" r:id="rId5"/>
+    <p:sldId id="259" r:id="rId6"/>
   </p:sldIdLst>
   <p:sldSz cx="10080625" cy="7559675"/>
-  <p:notesSz cx="7559675" cy="10691812"/>
+  <p:notesSz cx="7559675" cy="10691813"/>
+  <p:defaultTextStyle>
+    <a:defPPr>
+      <a:defRPr lang="en-US"/>
+    </a:defPPr>
+    <a:lvl1pPr marL="0" algn="l" defTabSz="914400" rtl="0" eaLnBrk="1" latinLnBrk="0" hangingPunct="1">
+      <a:defRPr sz="1800" kern="1200">
+        <a:solidFill>
+          <a:schemeClr val="tx1"/>
+        </a:solidFill>
+        <a:latin typeface="+mn-lt"/>
+        <a:ea typeface="+mn-ea"/>
+        <a:cs typeface="+mn-cs"/>
+      </a:defRPr>
+    </a:lvl1pPr>
+    <a:lvl2pPr marL="457200" algn="l" defTabSz="914400" rtl="0" eaLnBrk="1" latinLnBrk="0" hangingPunct="1">
+      <a:defRPr sz="1800" kern="1200">
+        <a:solidFill>
+          <a:schemeClr val="tx1"/>
+        </a:solidFill>
+        <a:latin typeface="+mn-lt"/>
+        <a:ea typeface="+mn-ea"/>
+        <a:cs typeface="+mn-cs"/>
+      </a:defRPr>
+    </a:lvl2pPr>
+    <a:lvl3pPr marL="914400" algn="l" defTabSz="914400" rtl="0" eaLnBrk="1" latinLnBrk="0" hangingPunct="1">
+      <a:defRPr sz="1800" kern="1200">
+        <a:solidFill>
+          <a:schemeClr val="tx1"/>
+        </a:solidFill>
+        <a:latin typeface="+mn-lt"/>
+        <a:ea typeface="+mn-ea"/>
+        <a:cs typeface="+mn-cs"/>
+      </a:defRPr>
+    </a:lvl3pPr>
+    <a:lvl4pPr marL="1371600" algn="l" defTabSz="914400" rtl="0" eaLnBrk="1" latinLnBrk="0" hangingPunct="1">
+      <a:defRPr sz="1800" kern="1200">
+        <a:solidFill>
+          <a:schemeClr val="tx1"/>
+        </a:solidFill>
+        <a:latin typeface="+mn-lt"/>
+        <a:ea typeface="+mn-ea"/>
+        <a:cs typeface="+mn-cs"/>
+      </a:defRPr>
+    </a:lvl4pPr>
+    <a:lvl5pPr marL="1828800" algn="l" defTabSz="914400" rtl="0" eaLnBrk="1" latinLnBrk="0" hangingPunct="1">
+      <a:defRPr sz="1800" kern="1200">
+        <a:solidFill>
+          <a:schemeClr val="tx1"/>
+        </a:solidFill>
+        <a:latin typeface="+mn-lt"/>
+        <a:ea typeface="+mn-ea"/>
+        <a:cs typeface="+mn-cs"/>
+      </a:defRPr>
+    </a:lvl5pPr>
+    <a:lvl6pPr marL="2286000" algn="l" defTabSz="914400" rtl="0" eaLnBrk="1" latinLnBrk="0" hangingPunct="1">
+      <a:defRPr sz="1800" kern="1200">
+        <a:solidFill>
+          <a:schemeClr val="tx1"/>
+        </a:solidFill>
+        <a:latin typeface="+mn-lt"/>
+        <a:ea typeface="+mn-ea"/>
+        <a:cs typeface="+mn-cs"/>
+      </a:defRPr>
+    </a:lvl6pPr>
+    <a:lvl7pPr marL="2743200" algn="l" defTabSz="914400" rtl="0" eaLnBrk="1" latinLnBrk="0" hangingPunct="1">
+      <a:defRPr sz="1800" kern="1200">
+        <a:solidFill>
+          <a:schemeClr val="tx1"/>
+        </a:solidFill>
+        <a:latin typeface="+mn-lt"/>
+        <a:ea typeface="+mn-ea"/>
+        <a:cs typeface="+mn-cs"/>
+      </a:defRPr>
+    </a:lvl7pPr>
+    <a:lvl8pPr marL="3200400" algn="l" defTabSz="914400" rtl="0" eaLnBrk="1" latinLnBrk="0" hangingPunct="1">
+      <a:defRPr sz="1800" kern="1200">
+        <a:solidFill>
+          <a:schemeClr val="tx1"/>
+        </a:solidFill>
+        <a:latin typeface="+mn-lt"/>
+        <a:ea typeface="+mn-ea"/>
+        <a:cs typeface="+mn-cs"/>
+      </a:defRPr>
+    </a:lvl8pPr>
+    <a:lvl9pPr marL="3657600" algn="l" defTabSz="914400" rtl="0" eaLnBrk="1" latinLnBrk="0" hangingPunct="1">
+      <a:defRPr sz="1800" kern="1200">
+        <a:solidFill>
+          <a:schemeClr val="tx1"/>
+        </a:solidFill>
+        <a:latin typeface="+mn-lt"/>
+        <a:ea typeface="+mn-ea"/>
+        <a:cs typeface="+mn-cs"/>
+      </a:defRPr>
+    </a:lvl9pPr>
+  </p:defaultTextStyle>
+  <p:extLst>
+    <p:ext uri="{EFAFB233-063F-42B5-8137-9DF3F51BA10A}">
+      <p15:sldGuideLst xmlns:p15="http://schemas.microsoft.com/office/powerpoint/2012/main"/>
+    </p:ext>
+  </p:extLst>
 </p:presentation>
 </file>
 
+<file path=ppt/revisionInfo.xml><?xml version="1.0" encoding="utf-8"?>
+<p1510:revInfo xmlns:a="http://schemas.openxmlformats.org/drawingml/2006/main" xmlns:r="http://schemas.openxmlformats.org/officeDocument/2006/relationships" xmlns:p1510="http://schemas.microsoft.com/office/powerpoint/2015/10/main"/>
+</file>
+
 <file path=ppt/notesMasters/notesMaster1.xml><?xml version="1.0" encoding="utf-8"?>
-<p:notesMaster xmlns:a="http://schemas.openxmlformats.org/drawingml/2006/main" xmlns:p="http://schemas.openxmlformats.org/presentationml/2006/main" xmlns:r="http://schemas.openxmlformats.org/officeDocument/2006/relationships" xmlns:p14="http://schemas.microsoft.com/office/powerpoint/2010/main" xmlns:p15="http://schemas.microsoft.com/office/powerpoint/2012/main" xmlns:mc="http://schemas.openxmlformats.org/markup-compatibility/2006">
+<p:notesMaster xmlns:a="http://schemas.openxmlformats.org/drawingml/2006/main" xmlns:r="http://schemas.openxmlformats.org/officeDocument/2006/relationships" xmlns:p="http://schemas.openxmlformats.org/presentationml/2006/main">
+  <p:cSld>
+    <p:bg>
+      <p:bgRef idx="1001">
+        <a:schemeClr val="bg1"/>
+      </p:bgRef>
+    </p:bg>
+    <p:spTree>
+      <p:nvGrpSpPr>
+        <p:cNvPr id="1" name=""/>
+        <p:cNvGrpSpPr/>
+        <p:nvPr/>
+      </p:nvGrpSpPr>
+      <p:grpSpPr>
+        <a:xfrm>
+          <a:off x="0" y="0"/>
+          <a:ext cx="0" cy="0"/>
+          <a:chOff x="0" y="0"/>
+          <a:chExt cx="0" cy="0"/>
+        </a:xfrm>
+      </p:grpSpPr>
+      <p:sp>
+        <p:nvSpPr>
+          <p:cNvPr id="72" name="PlaceHolder 1"/>
+          <p:cNvSpPr>
+            <a:spLocks noGrp="1"/>
+          </p:cNvSpPr>
+          <p:nvPr>
+            <p:ph type="body"/>
+          </p:nvPr>
+        </p:nvSpPr>
+        <p:spPr>
+          <a:xfrm>
+            <a:off x="756000" y="5078520"/>
+            <a:ext cx="6047640" cy="4811040"/>
+          </a:xfrm>
+          <a:prstGeom prst="rect">
+            <a:avLst/>
+          </a:prstGeom>
+        </p:spPr>
+        <p:txBody>
+          <a:bodyPr lIns="0" tIns="0" rIns="0" bIns="0"/>
+          <a:lstStyle/>
+          <a:p>
+            <a:r>
+              <a:rPr lang="en-GB" sz="2000" b="0" strike="noStrike" spc="-1">
+                <a:solidFill>
+                  <a:srgbClr val="000000"/>
+                </a:solidFill>
+                <a:uFill>
+                  <a:solidFill>
+                    <a:srgbClr val="FFFFFF"/>
+                  </a:solidFill>
+                </a:uFill>
+                <a:latin typeface="Arial"/>
+              </a:rPr>
+              <a:t>Click to edit the notes format</a:t>
+            </a:r>
+          </a:p>
+        </p:txBody>
+      </p:sp>
+      <p:sp>
+        <p:nvSpPr>
+          <p:cNvPr id="73" name="PlaceHolder 2"/>
+          <p:cNvSpPr>
+            <a:spLocks noGrp="1"/>
+          </p:cNvSpPr>
+          <p:nvPr>
+            <p:ph type="hdr"/>
+          </p:nvPr>
+        </p:nvSpPr>
+        <p:spPr>
+          <a:xfrm>
+            <a:off x="0" y="0"/>
+            <a:ext cx="3280680" cy="534240"/>
+          </a:xfrm>
+          <a:prstGeom prst="rect">
+            <a:avLst/>
+          </a:prstGeom>
+        </p:spPr>
+        <p:txBody>
+          <a:bodyPr lIns="0" tIns="0" rIns="0" bIns="0"/>
+          <a:lstStyle/>
+          <a:p>
+            <a:r>
+              <a:rPr lang="en-GB" sz="1400" b="0" strike="noStrike" spc="-1">
+                <a:solidFill>
+                  <a:srgbClr val="000000"/>
+                </a:solidFill>
+                <a:uFill>
+                  <a:solidFill>
+                    <a:srgbClr val="FFFFFF"/>
+                  </a:solidFill>
+                </a:uFill>
+                <a:latin typeface="Times New Roman"/>
+              </a:rPr>
+              <a:t> </a:t>
+            </a:r>
+          </a:p>
+        </p:txBody>
+      </p:sp>
+      <p:sp>
+        <p:nvSpPr>
+          <p:cNvPr id="74" name="PlaceHolder 3"/>
+          <p:cNvSpPr>
+            <a:spLocks noGrp="1"/>
+          </p:cNvSpPr>
+          <p:nvPr>
+            <p:ph type="dt"/>
+          </p:nvPr>
+        </p:nvSpPr>
+        <p:spPr>
+          <a:xfrm>
+            <a:off x="4278960" y="0"/>
+            <a:ext cx="3280680" cy="534240"/>
+          </a:xfrm>
+          <a:prstGeom prst="rect">
+            <a:avLst/>
+          </a:prstGeom>
+        </p:spPr>
+        <p:txBody>
+          <a:bodyPr lIns="0" tIns="0" rIns="0" bIns="0"/>
+          <a:lstStyle/>
+          <a:p>
+            <a:pPr algn="r"/>
+            <a:r>
+              <a:rPr lang="en-GB" sz="1400" b="0" strike="noStrike" spc="-1">
+                <a:solidFill>
+                  <a:srgbClr val="000000"/>
+                </a:solidFill>
+                <a:uFill>
+                  <a:solidFill>
+                    <a:srgbClr val="FFFFFF"/>
+                  </a:solidFill>
+                </a:uFill>
+                <a:latin typeface="Times New Roman"/>
+              </a:rPr>
+              <a:t> </a:t>
+            </a:r>
+          </a:p>
+        </p:txBody>
+      </p:sp>
+      <p:sp>
+        <p:nvSpPr>
+          <p:cNvPr id="75" name="PlaceHolder 4"/>
+          <p:cNvSpPr>
+            <a:spLocks noGrp="1"/>
+          </p:cNvSpPr>
+          <p:nvPr>
+            <p:ph type="ftr"/>
+          </p:nvPr>
+        </p:nvSpPr>
+        <p:spPr>
+          <a:xfrm>
+            <a:off x="0" y="10157400"/>
+            <a:ext cx="3280680" cy="534240"/>
+          </a:xfrm>
+          <a:prstGeom prst="rect">
+            <a:avLst/>
+          </a:prstGeom>
+        </p:spPr>
+        <p:txBody>
+          <a:bodyPr lIns="0" tIns="0" rIns="0" bIns="0" anchor="b"/>
+          <a:lstStyle/>
+          <a:p>
+            <a:r>
+              <a:rPr lang="en-GB" sz="1400" b="0" strike="noStrike" spc="-1">
+                <a:solidFill>
+                  <a:srgbClr val="000000"/>
+                </a:solidFill>
+                <a:uFill>
+                  <a:solidFill>
+                    <a:srgbClr val="FFFFFF"/>
+                  </a:solidFill>
+                </a:uFill>
+                <a:latin typeface="Times New Roman"/>
+              </a:rPr>
+              <a:t> </a:t>
+            </a:r>
+          </a:p>
+        </p:txBody>
+      </p:sp>
+      <p:sp>
+        <p:nvSpPr>
+          <p:cNvPr id="76" name="PlaceHolder 5"/>
+          <p:cNvSpPr>
+            <a:spLocks noGrp="1"/>
+          </p:cNvSpPr>
+          <p:nvPr>
+            <p:ph type="sldNum"/>
+          </p:nvPr>
+        </p:nvSpPr>
+        <p:spPr>
+          <a:xfrm>
+            <a:off x="4278960" y="10157400"/>
+            <a:ext cx="3280680" cy="534240"/>
+          </a:xfrm>
+          <a:prstGeom prst="rect">
+            <a:avLst/>
+          </a:prstGeom>
+        </p:spPr>
+        <p:txBody>
+          <a:bodyPr lIns="0" tIns="0" rIns="0" bIns="0" anchor="b"/>
+          <a:lstStyle/>
+          <a:p>
+            <a:pPr algn="r"/>
+            <a:fld id="{E2443BFE-AF0F-44AA-AF2C-78010722809B}" type="slidenum">
+              <a:rPr lang="en-GB" sz="1400" b="0" strike="noStrike" spc="-1">
+                <a:solidFill>
+                  <a:srgbClr val="000000"/>
+                </a:solidFill>
+                <a:uFill>
+                  <a:solidFill>
+                    <a:srgbClr val="FFFFFF"/>
+                  </a:solidFill>
+                </a:uFill>
+                <a:latin typeface="Times New Roman"/>
+              </a:rPr>
+              <a:t>‹#›</a:t>
+            </a:fld>
+            <a:endParaRPr lang="en-GB" sz="1400" b="0" strike="noStrike" spc="-1">
+              <a:solidFill>
+                <a:srgbClr val="000000"/>
+              </a:solidFill>
+              <a:uFill>
+                <a:solidFill>
+                  <a:srgbClr val="FFFFFF"/>
+                </a:solidFill>
+              </a:uFill>
+              <a:latin typeface="Times New Roman"/>
+            </a:endParaRPr>
+          </a:p>
+        </p:txBody>
+      </p:sp>
+    </p:spTree>
+  </p:cSld>
+  <p:clrMap bg1="lt1" tx1="dk1" bg2="lt2" tx2="dk2" accent1="accent1" accent2="accent2" accent3="accent3" accent4="accent4" accent5="accent5" accent6="accent6" hlink="hlink" folHlink="folHlink"/>
+  <p:notesStyle>
+    <a:lvl1pPr marL="0" algn="l" defTabSz="914400" rtl="0" eaLnBrk="1" latinLnBrk="0" hangingPunct="1">
+      <a:defRPr sz="1200" kern="1200">
+        <a:solidFill>
+          <a:schemeClr val="tx1"/>
+        </a:solidFill>
+        <a:latin typeface="+mn-lt"/>
+        <a:ea typeface="+mn-ea"/>
+        <a:cs typeface="+mn-cs"/>
+      </a:defRPr>
+    </a:lvl1pPr>
+    <a:lvl2pPr marL="457200" algn="l" defTabSz="914400" rtl="0" eaLnBrk="1" latinLnBrk="0" hangingPunct="1">
+      <a:defRPr sz="1200" kern="1200">
+        <a:solidFill>
+          <a:schemeClr val="tx1"/>
+        </a:solidFill>
+        <a:latin typeface="+mn-lt"/>
+        <a:ea typeface="+mn-ea"/>
+        <a:cs typeface="+mn-cs"/>
+      </a:defRPr>
+    </a:lvl2pPr>
+    <a:lvl3pPr marL="914400" algn="l" defTabSz="914400" rtl="0" eaLnBrk="1" latinLnBrk="0" hangingPunct="1">
+      <a:defRPr sz="1200" kern="1200">
+        <a:solidFill>
+          <a:schemeClr val="tx1"/>
+        </a:solidFill>
+        <a:latin typeface="+mn-lt"/>
+        <a:ea typeface="+mn-ea"/>
+        <a:cs typeface="+mn-cs"/>
+      </a:defRPr>
+    </a:lvl3pPr>
+    <a:lvl4pPr marL="1371600" algn="l" defTabSz="914400" rtl="0" eaLnBrk="1" latinLnBrk="0" hangingPunct="1">
+      <a:defRPr sz="1200" kern="1200">
+        <a:solidFill>
+          <a:schemeClr val="tx1"/>
+        </a:solidFill>
+        <a:latin typeface="+mn-lt"/>
+        <a:ea typeface="+mn-ea"/>
+        <a:cs typeface="+mn-cs"/>
+      </a:defRPr>
+    </a:lvl4pPr>
+    <a:lvl5pPr marL="1828800" algn="l" defTabSz="914400" rtl="0" eaLnBrk="1" latinLnBrk="0" hangingPunct="1">
+      <a:defRPr sz="1200" kern="1200">
+        <a:solidFill>
+          <a:schemeClr val="tx1"/>
+        </a:solidFill>
+        <a:latin typeface="+mn-lt"/>
+        <a:ea typeface="+mn-ea"/>
+        <a:cs typeface="+mn-cs"/>
+      </a:defRPr>
+    </a:lvl5pPr>
+    <a:lvl6pPr marL="2286000" algn="l" defTabSz="914400" rtl="0" eaLnBrk="1" latinLnBrk="0" hangingPunct="1">
+      <a:defRPr sz="1200" kern="1200">
+        <a:solidFill>
+          <a:schemeClr val="tx1"/>
+        </a:solidFill>
+        <a:latin typeface="+mn-lt"/>
+        <a:ea typeface="+mn-ea"/>
+        <a:cs typeface="+mn-cs"/>
+      </a:defRPr>
+    </a:lvl6pPr>
+    <a:lvl7pPr marL="2743200" algn="l" defTabSz="914400" rtl="0" eaLnBrk="1" latinLnBrk="0" hangingPunct="1">
+      <a:defRPr sz="1200" kern="1200">
+        <a:solidFill>
+          <a:schemeClr val="tx1"/>
+        </a:solidFill>
+        <a:latin typeface="+mn-lt"/>
+        <a:ea typeface="+mn-ea"/>
+        <a:cs typeface="+mn-cs"/>
+      </a:defRPr>
+    </a:lvl7pPr>
+    <a:lvl8pPr marL="3200400" algn="l" defTabSz="914400" rtl="0" eaLnBrk="1" latinLnBrk="0" hangingPunct="1">
+      <a:defRPr sz="1200" kern="1200">
+        <a:solidFill>
+          <a:schemeClr val="tx1"/>
+        </a:solidFill>
+        <a:latin typeface="+mn-lt"/>
+        <a:ea typeface="+mn-ea"/>
+        <a:cs typeface="+mn-cs"/>
+      </a:defRPr>
+    </a:lvl8pPr>
+    <a:lvl9pPr marL="3657600" algn="l" defTabSz="914400" rtl="0" eaLnBrk="1" latinLnBrk="0" hangingPunct="1">
+      <a:defRPr sz="1200" kern="1200">
+        <a:solidFill>
+          <a:schemeClr val="tx1"/>
+        </a:solidFill>
+        <a:latin typeface="+mn-lt"/>
+        <a:ea typeface="+mn-ea"/>
+        <a:cs typeface="+mn-cs"/>
+      </a:defRPr>
+    </a:lvl9pPr>
+  </p:notesStyle>
+</p:notesMaster>
+</file>
+
+<file path=ppt/notesSlides/notesSlide1.xml><?xml version="1.0" encoding="utf-8"?>
+<p:notes xmlns:a="http://schemas.openxmlformats.org/drawingml/2006/main" xmlns:r="http://schemas.openxmlformats.org/officeDocument/2006/relationships" xmlns:p="http://schemas.openxmlformats.org/presentationml/2006/main">
   <p:cSld>
     <p:spTree>
       <p:nvGrpSpPr>
@@ -38,7 +475,76 @@
       </p:grpSpPr>
       <p:sp>
         <p:nvSpPr>
-          <p:cNvPr id="72" name="PlaceHolder 1"/>
+          <p:cNvPr id="103" name="CustomShape 1"/>
+          <p:cNvSpPr/>
+          <p:nvPr/>
+        </p:nvSpPr>
+        <p:spPr>
+          <a:xfrm>
+            <a:off x="4278240" y="10156680"/>
+            <a:ext cx="3278880" cy="532800"/>
+          </a:xfrm>
+          <a:prstGeom prst="rect">
+            <a:avLst/>
+          </a:prstGeom>
+          <a:noFill/>
+          <a:ln>
+            <a:noFill/>
+          </a:ln>
+        </p:spPr>
+        <p:style>
+          <a:lnRef idx="0">
+            <a:scrgbClr r="0" g="0" b="0"/>
+          </a:lnRef>
+          <a:fillRef idx="0">
+            <a:scrgbClr r="0" g="0" b="0"/>
+          </a:fillRef>
+          <a:effectRef idx="0">
+            <a:scrgbClr r="0" g="0" b="0"/>
+          </a:effectRef>
+          <a:fontRef idx="minor"/>
+        </p:style>
+        <p:txBody>
+          <a:bodyPr lIns="0" tIns="0" rIns="0" bIns="0" anchor="b"/>
+          <a:lstStyle/>
+          <a:p>
+            <a:pPr algn="r">
+              <a:lnSpc>
+                <a:spcPct val="100000"/>
+              </a:lnSpc>
+            </a:pPr>
+            <a:fld id="{854B7A73-3C2B-4210-B162-605A22DC391C}" type="slidenum">
+              <a:rPr lang="en-GB" sz="1400" b="0" strike="noStrike" spc="-1">
+                <a:solidFill>
+                  <a:srgbClr val="000000"/>
+                </a:solidFill>
+                <a:uFill>
+                  <a:solidFill>
+                    <a:srgbClr val="FFFFFF"/>
+                  </a:solidFill>
+                </a:uFill>
+                <a:latin typeface="Times New Roman"/>
+                <a:ea typeface="DejaVu Sans"/>
+              </a:rPr>
+              <a:t>1</a:t>
+            </a:fld>
+            <a:endParaRPr lang="en-GB" sz="1800" b="0" strike="noStrike" spc="-1">
+              <a:solidFill>
+                <a:srgbClr val="000000"/>
+              </a:solidFill>
+              <a:uFill>
+                <a:solidFill>
+                  <a:srgbClr val="FFFFFF"/>
+                </a:solidFill>
+              </a:uFill>
+              <a:latin typeface="Arial"/>
+            </a:endParaRPr>
+          </a:p>
+        </p:txBody>
+      </p:sp>
+      <p:sp>
+        <p:nvSpPr>
+          <p:cNvPr id="104" name="PlaceHolder 2"/>
           <p:cNvSpPr>
             <a:spLocks noGrp="1"/>
           </p:cNvSpPr>
@@ -48,7 +554,7 @@
         </p:nvSpPr>
         <p:spPr>
           <a:xfrm>
-            <a:off x="756000" y="5078520"/>
+            <a:off x="755640" y="5078520"/>
             <a:ext cx="6047640" cy="4811040"/>
           </a:xfrm>
           <a:prstGeom prst="rect">
@@ -56,246 +562,33 @@
           </a:prstGeom>
         </p:spPr>
         <p:txBody>
-          <a:bodyPr lIns="0" rIns="0" tIns="0" bIns="0"/>
-          <a:p>
-            <a:r>
-              <a:rPr b="0" lang="en-GB" sz="2000" spc="-1" strike="noStrike">
-                <a:solidFill>
-                  <a:srgbClr val="000000"/>
-                </a:solidFill>
-                <a:uFill>
-                  <a:solidFill>
-                    <a:srgbClr val="ffffff"/>
-                  </a:solidFill>
-                </a:uFill>
-                <a:latin typeface="Arial"/>
-              </a:rPr>
-              <a:t>Click to edit the notes format</a:t>
-            </a:r>
-            <a:endParaRPr b="0" lang="en-GB" sz="2000" spc="-1" strike="noStrike">
-              <a:solidFill>
-                <a:srgbClr val="000000"/>
-              </a:solidFill>
-              <a:uFill>
-                <a:solidFill>
-                  <a:srgbClr val="ffffff"/>
-                </a:solidFill>
-              </a:uFill>
-              <a:latin typeface="Arial"/>
-            </a:endParaRPr>
-          </a:p>
-        </p:txBody>
-      </p:sp>
-      <p:sp>
-        <p:nvSpPr>
-          <p:cNvPr id="73" name="PlaceHolder 2"/>
-          <p:cNvSpPr>
-            <a:spLocks noGrp="1"/>
-          </p:cNvSpPr>
-          <p:nvPr>
-            <p:ph type="hdr"/>
-          </p:nvPr>
-        </p:nvSpPr>
-        <p:spPr>
-          <a:xfrm>
-            <a:off x="0" y="0"/>
-            <a:ext cx="3280680" cy="534240"/>
-          </a:xfrm>
-          <a:prstGeom prst="rect">
-            <a:avLst/>
-          </a:prstGeom>
-        </p:spPr>
-        <p:txBody>
-          <a:bodyPr lIns="0" rIns="0" tIns="0" bIns="0"/>
-          <a:p>
-            <a:r>
-              <a:rPr b="0" lang="en-GB" sz="1400" spc="-1" strike="noStrike">
-                <a:solidFill>
-                  <a:srgbClr val="000000"/>
-                </a:solidFill>
-                <a:uFill>
-                  <a:solidFill>
-                    <a:srgbClr val="ffffff"/>
-                  </a:solidFill>
-                </a:uFill>
-                <a:latin typeface="Times New Roman"/>
-              </a:rPr>
-              <a:t> </a:t>
-            </a:r>
-            <a:endParaRPr b="0" lang="en-GB" sz="1400" spc="-1" strike="noStrike">
-              <a:solidFill>
-                <a:srgbClr val="000000"/>
-              </a:solidFill>
-              <a:uFill>
-                <a:solidFill>
-                  <a:srgbClr val="ffffff"/>
-                </a:solidFill>
-              </a:uFill>
-              <a:latin typeface="Times New Roman"/>
-            </a:endParaRPr>
-          </a:p>
-        </p:txBody>
-      </p:sp>
-      <p:sp>
-        <p:nvSpPr>
-          <p:cNvPr id="74" name="PlaceHolder 3"/>
-          <p:cNvSpPr>
-            <a:spLocks noGrp="1"/>
-          </p:cNvSpPr>
-          <p:nvPr>
-            <p:ph type="dt"/>
-          </p:nvPr>
-        </p:nvSpPr>
-        <p:spPr>
-          <a:xfrm>
-            <a:off x="4278960" y="0"/>
-            <a:ext cx="3280680" cy="534240"/>
-          </a:xfrm>
-          <a:prstGeom prst="rect">
-            <a:avLst/>
-          </a:prstGeom>
-        </p:spPr>
-        <p:txBody>
-          <a:bodyPr lIns="0" rIns="0" tIns="0" bIns="0"/>
-          <a:p>
-            <a:pPr algn="r"/>
-            <a:r>
-              <a:rPr b="0" lang="en-GB" sz="1400" spc="-1" strike="noStrike">
-                <a:solidFill>
-                  <a:srgbClr val="000000"/>
-                </a:solidFill>
-                <a:uFill>
-                  <a:solidFill>
-                    <a:srgbClr val="ffffff"/>
-                  </a:solidFill>
-                </a:uFill>
-                <a:latin typeface="Times New Roman"/>
-              </a:rPr>
-              <a:t> </a:t>
-            </a:r>
-            <a:endParaRPr b="0" lang="en-GB" sz="1400" spc="-1" strike="noStrike">
-              <a:solidFill>
-                <a:srgbClr val="000000"/>
-              </a:solidFill>
-              <a:uFill>
-                <a:solidFill>
-                  <a:srgbClr val="ffffff"/>
-                </a:solidFill>
-              </a:uFill>
-              <a:latin typeface="Times New Roman"/>
-            </a:endParaRPr>
-          </a:p>
-        </p:txBody>
-      </p:sp>
-      <p:sp>
-        <p:nvSpPr>
-          <p:cNvPr id="75" name="PlaceHolder 4"/>
-          <p:cNvSpPr>
-            <a:spLocks noGrp="1"/>
-          </p:cNvSpPr>
-          <p:nvPr>
-            <p:ph type="ftr"/>
-          </p:nvPr>
-        </p:nvSpPr>
-        <p:spPr>
-          <a:xfrm>
-            <a:off x="0" y="10157400"/>
-            <a:ext cx="3280680" cy="534240"/>
-          </a:xfrm>
-          <a:prstGeom prst="rect">
-            <a:avLst/>
-          </a:prstGeom>
-        </p:spPr>
-        <p:txBody>
-          <a:bodyPr lIns="0" rIns="0" tIns="0" bIns="0" anchor="b"/>
-          <a:p>
-            <a:r>
-              <a:rPr b="0" lang="en-GB" sz="1400" spc="-1" strike="noStrike">
-                <a:solidFill>
-                  <a:srgbClr val="000000"/>
-                </a:solidFill>
-                <a:uFill>
-                  <a:solidFill>
-                    <a:srgbClr val="ffffff"/>
-                  </a:solidFill>
-                </a:uFill>
-                <a:latin typeface="Times New Roman"/>
-              </a:rPr>
-              <a:t> </a:t>
-            </a:r>
-            <a:endParaRPr b="0" lang="en-GB" sz="1400" spc="-1" strike="noStrike">
-              <a:solidFill>
-                <a:srgbClr val="000000"/>
-              </a:solidFill>
-              <a:uFill>
-                <a:solidFill>
-                  <a:srgbClr val="ffffff"/>
-                </a:solidFill>
-              </a:uFill>
-              <a:latin typeface="Times New Roman"/>
-            </a:endParaRPr>
-          </a:p>
-        </p:txBody>
-      </p:sp>
-      <p:sp>
-        <p:nvSpPr>
-          <p:cNvPr id="76" name="PlaceHolder 5"/>
-          <p:cNvSpPr>
-            <a:spLocks noGrp="1"/>
-          </p:cNvSpPr>
-          <p:nvPr>
-            <p:ph type="sldNum"/>
-          </p:nvPr>
-        </p:nvSpPr>
-        <p:spPr>
-          <a:xfrm>
-            <a:off x="4278960" y="10157400"/>
-            <a:ext cx="3280680" cy="534240"/>
-          </a:xfrm>
-          <a:prstGeom prst="rect">
-            <a:avLst/>
-          </a:prstGeom>
-        </p:spPr>
-        <p:txBody>
-          <a:bodyPr lIns="0" rIns="0" tIns="0" bIns="0" anchor="b"/>
-          <a:p>
-            <a:pPr algn="r"/>
-            <a:fld id="{E2443BFE-AF0F-44AA-AF2C-78010722809B}" type="slidenum">
-              <a:rPr b="0" lang="en-GB" sz="1400" spc="-1" strike="noStrike">
-                <a:solidFill>
-                  <a:srgbClr val="000000"/>
-                </a:solidFill>
-                <a:uFill>
-                  <a:solidFill>
-                    <a:srgbClr val="ffffff"/>
-                  </a:solidFill>
-                </a:uFill>
-                <a:latin typeface="Times New Roman"/>
-              </a:rPr>
-              <a:t>1</a:t>
-            </a:fld>
-            <a:endParaRPr b="0" lang="en-GB" sz="1400" spc="-1" strike="noStrike">
-              <a:solidFill>
-                <a:srgbClr val="000000"/>
-              </a:solidFill>
-              <a:uFill>
-                <a:solidFill>
-                  <a:srgbClr val="ffffff"/>
-                </a:solidFill>
-              </a:uFill>
-              <a:latin typeface="Times New Roman"/>
+          <a:bodyPr lIns="0" tIns="0" rIns="0" bIns="0" anchor="ctr"/>
+          <a:lstStyle/>
+          <a:p>
+            <a:endParaRPr lang="en-GB" sz="2000" b="0" strike="noStrike" spc="-1">
+              <a:solidFill>
+                <a:srgbClr val="000000"/>
+              </a:solidFill>
+              <a:uFill>
+                <a:solidFill>
+                  <a:srgbClr val="FFFFFF"/>
+                </a:solidFill>
+              </a:uFill>
+              <a:latin typeface="Arial"/>
             </a:endParaRPr>
           </a:p>
         </p:txBody>
       </p:sp>
     </p:spTree>
   </p:cSld>
-  <p:clrMap bg1="lt1" bg2="lt2" tx1="dk1" tx2="dk2" accent1="accent1" accent2="accent2" accent3="accent3" accent4="accent4" accent5="accent5" accent6="accent6" hlink="hlink" folHlink="folHlink"/>
-</p:notesMaster>
+  <p:clrMapOvr>
+    <a:masterClrMapping/>
+  </p:clrMapOvr>
+</p:notes>
 </file>
 
-<file path=ppt/notesSlides/notesSlide1.xml><?xml version="1.0" encoding="utf-8"?>
-<p:notes xmlns:a="http://schemas.openxmlformats.org/drawingml/2006/main" xmlns:p="http://schemas.openxmlformats.org/presentationml/2006/main" xmlns:r="http://schemas.openxmlformats.org/officeDocument/2006/relationships" xmlns:p14="http://schemas.microsoft.com/office/powerpoint/2010/main" xmlns:p15="http://schemas.microsoft.com/office/powerpoint/2012/main" xmlns:mc="http://schemas.openxmlformats.org/markup-compatibility/2006">
+<file path=ppt/notesSlides/notesSlide2.xml><?xml version="1.0" encoding="utf-8"?>
+<p:notes xmlns:a="http://schemas.openxmlformats.org/drawingml/2006/main" xmlns:r="http://schemas.openxmlformats.org/officeDocument/2006/relationships" xmlns:p="http://schemas.openxmlformats.org/presentationml/2006/main">
   <p:cSld>
     <p:spTree>
       <p:nvGrpSpPr>
@@ -313,7 +606,7 @@
       </p:grpSpPr>
       <p:sp>
         <p:nvSpPr>
-          <p:cNvPr id="103" name="CustomShape 1"/>
+          <p:cNvPr id="105" name="CustomShape 1"/>
           <p:cNvSpPr/>
           <p:nvPr/>
         </p:nvSpPr>
@@ -331,51 +624,58 @@
           </a:ln>
         </p:spPr>
         <p:style>
-          <a:lnRef idx="0"/>
-          <a:fillRef idx="0"/>
-          <a:effectRef idx="0"/>
+          <a:lnRef idx="0">
+            <a:scrgbClr r="0" g="0" b="0"/>
+          </a:lnRef>
+          <a:fillRef idx="0">
+            <a:scrgbClr r="0" g="0" b="0"/>
+          </a:fillRef>
+          <a:effectRef idx="0">
+            <a:scrgbClr r="0" g="0" b="0"/>
+          </a:effectRef>
           <a:fontRef idx="minor"/>
         </p:style>
         <p:txBody>
-          <a:bodyPr lIns="0" rIns="0" tIns="0" bIns="0" anchor="b"/>
+          <a:bodyPr lIns="0" tIns="0" rIns="0" bIns="0" anchor="b"/>
+          <a:lstStyle/>
           <a:p>
             <a:pPr algn="r">
               <a:lnSpc>
                 <a:spcPct val="100000"/>
               </a:lnSpc>
             </a:pPr>
-            <a:fld id="{854B7A73-3C2B-4210-B162-605A22DC391C}" type="slidenum">
-              <a:rPr b="0" lang="en-GB" sz="1400" spc="-1" strike="noStrike">
+            <a:fld id="{B96BE59D-3FCF-4B4B-861B-50E500107B10}" type="slidenum">
+              <a:rPr lang="en-GB" sz="1400" b="0" strike="noStrike" spc="-1">
                 <a:solidFill>
                   <a:srgbClr val="000000"/>
                 </a:solidFill>
                 <a:uFill>
                   <a:solidFill>
-                    <a:srgbClr val="ffffff"/>
+                    <a:srgbClr val="FFFFFF"/>
                   </a:solidFill>
                 </a:uFill>
                 <a:latin typeface="Times New Roman"/>
                 <a:ea typeface="DejaVu Sans"/>
               </a:rPr>
-              <a:t>1</a:t>
+              <a:t>2</a:t>
             </a:fld>
-            <a:endParaRPr b="0" lang="en-GB" sz="1800" spc="-1" strike="noStrike">
-              <a:solidFill>
-                <a:srgbClr val="000000"/>
-              </a:solidFill>
-              <a:uFill>
-                <a:solidFill>
-                  <a:srgbClr val="ffffff"/>
-                </a:solidFill>
-              </a:uFill>
-              <a:latin typeface="Arial"/>
-            </a:endParaRPr>
-          </a:p>
-        </p:txBody>
-      </p:sp>
-      <p:sp>
-        <p:nvSpPr>
-          <p:cNvPr id="104" name="PlaceHolder 2"/>
+            <a:endParaRPr lang="en-GB" sz="1800" b="0" strike="noStrike" spc="-1">
+              <a:solidFill>
+                <a:srgbClr val="000000"/>
+              </a:solidFill>
+              <a:uFill>
+                <a:solidFill>
+                  <a:srgbClr val="FFFFFF"/>
+                </a:solidFill>
+              </a:uFill>
+              <a:latin typeface="Arial"/>
+            </a:endParaRPr>
+          </a:p>
+        </p:txBody>
+      </p:sp>
+      <p:sp>
+        <p:nvSpPr>
+          <p:cNvPr id="106" name="PlaceHolder 2"/>
           <p:cNvSpPr>
             <a:spLocks noGrp="1"/>
           </p:cNvSpPr>
@@ -393,15 +693,16 @@
           </a:prstGeom>
         </p:spPr>
         <p:txBody>
-          <a:bodyPr lIns="0" rIns="0" tIns="0" bIns="0" anchor="ctr"/>
-          <a:p>
-            <a:endParaRPr b="0" lang="en-GB" sz="2000" spc="-1" strike="noStrike">
-              <a:solidFill>
-                <a:srgbClr val="000000"/>
-              </a:solidFill>
-              <a:uFill>
-                <a:solidFill>
-                  <a:srgbClr val="ffffff"/>
+          <a:bodyPr lIns="0" tIns="0" rIns="0" bIns="0" anchor="ctr"/>
+          <a:lstStyle/>
+          <a:p>
+            <a:endParaRPr lang="en-GB" sz="2000" b="0" strike="noStrike" spc="-1">
+              <a:solidFill>
+                <a:srgbClr val="000000"/>
+              </a:solidFill>
+              <a:uFill>
+                <a:solidFill>
+                  <a:srgbClr val="FFFFFF"/>
                 </a:solidFill>
               </a:uFill>
               <a:latin typeface="Arial"/>
@@ -411,11 +712,14 @@
       </p:sp>
     </p:spTree>
   </p:cSld>
+  <p:clrMapOvr>
+    <a:masterClrMapping/>
+  </p:clrMapOvr>
 </p:notes>
 </file>
 
-<file path=ppt/notesSlides/notesSlide2.xml><?xml version="1.0" encoding="utf-8"?>
-<p:notes xmlns:a="http://schemas.openxmlformats.org/drawingml/2006/main" xmlns:p="http://schemas.openxmlformats.org/presentationml/2006/main" xmlns:r="http://schemas.openxmlformats.org/officeDocument/2006/relationships" xmlns:p14="http://schemas.microsoft.com/office/powerpoint/2010/main" xmlns:p15="http://schemas.microsoft.com/office/powerpoint/2012/main" xmlns:mc="http://schemas.openxmlformats.org/markup-compatibility/2006">
+<file path=ppt/notesSlides/notesSlide3.xml><?xml version="1.0" encoding="utf-8"?>
+<p:notes xmlns:a="http://schemas.openxmlformats.org/drawingml/2006/main" xmlns:r="http://schemas.openxmlformats.org/officeDocument/2006/relationships" xmlns:p="http://schemas.openxmlformats.org/presentationml/2006/main">
   <p:cSld>
     <p:spTree>
       <p:nvGrpSpPr>
@@ -433,7 +737,7 @@
       </p:grpSpPr>
       <p:sp>
         <p:nvSpPr>
-          <p:cNvPr id="105" name="CustomShape 1"/>
+          <p:cNvPr id="107" name="CustomShape 1"/>
           <p:cNvSpPr/>
           <p:nvPr/>
         </p:nvSpPr>
@@ -451,51 +755,58 @@
           </a:ln>
         </p:spPr>
         <p:style>
-          <a:lnRef idx="0"/>
-          <a:fillRef idx="0"/>
-          <a:effectRef idx="0"/>
+          <a:lnRef idx="0">
+            <a:scrgbClr r="0" g="0" b="0"/>
+          </a:lnRef>
+          <a:fillRef idx="0">
+            <a:scrgbClr r="0" g="0" b="0"/>
+          </a:fillRef>
+          <a:effectRef idx="0">
+            <a:scrgbClr r="0" g="0" b="0"/>
+          </a:effectRef>
           <a:fontRef idx="minor"/>
         </p:style>
         <p:txBody>
-          <a:bodyPr lIns="0" rIns="0" tIns="0" bIns="0" anchor="b"/>
+          <a:bodyPr lIns="0" tIns="0" rIns="0" bIns="0" anchor="b"/>
+          <a:lstStyle/>
           <a:p>
             <a:pPr algn="r">
               <a:lnSpc>
                 <a:spcPct val="100000"/>
               </a:lnSpc>
             </a:pPr>
-            <a:fld id="{B96BE59D-3FCF-4B4B-861B-50E500107B10}" type="slidenum">
-              <a:rPr b="0" lang="en-GB" sz="1400" spc="-1" strike="noStrike">
+            <a:fld id="{354E4056-26F2-47FC-B56B-D612AC9868FC}" type="slidenum">
+              <a:rPr lang="en-GB" sz="1400" b="0" strike="noStrike" spc="-1">
                 <a:solidFill>
                   <a:srgbClr val="000000"/>
                 </a:solidFill>
                 <a:uFill>
                   <a:solidFill>
-                    <a:srgbClr val="ffffff"/>
+                    <a:srgbClr val="FFFFFF"/>
                   </a:solidFill>
                 </a:uFill>
                 <a:latin typeface="Times New Roman"/>
                 <a:ea typeface="DejaVu Sans"/>
               </a:rPr>
-              <a:t>1</a:t>
+              <a:t>3</a:t>
             </a:fld>
-            <a:endParaRPr b="0" lang="en-GB" sz="1800" spc="-1" strike="noStrike">
-              <a:solidFill>
-                <a:srgbClr val="000000"/>
-              </a:solidFill>
-              <a:uFill>
-                <a:solidFill>
-                  <a:srgbClr val="ffffff"/>
-                </a:solidFill>
-              </a:uFill>
-              <a:latin typeface="Arial"/>
-            </a:endParaRPr>
-          </a:p>
-        </p:txBody>
-      </p:sp>
-      <p:sp>
-        <p:nvSpPr>
-          <p:cNvPr id="106" name="PlaceHolder 2"/>
+            <a:endParaRPr lang="en-GB" sz="1800" b="0" strike="noStrike" spc="-1">
+              <a:solidFill>
+                <a:srgbClr val="000000"/>
+              </a:solidFill>
+              <a:uFill>
+                <a:solidFill>
+                  <a:srgbClr val="FFFFFF"/>
+                </a:solidFill>
+              </a:uFill>
+              <a:latin typeface="Arial"/>
+            </a:endParaRPr>
+          </a:p>
+        </p:txBody>
+      </p:sp>
+      <p:sp>
+        <p:nvSpPr>
+          <p:cNvPr id="108" name="PlaceHolder 2"/>
           <p:cNvSpPr>
             <a:spLocks noGrp="1"/>
           </p:cNvSpPr>
@@ -513,15 +824,16 @@
           </a:prstGeom>
         </p:spPr>
         <p:txBody>
-          <a:bodyPr lIns="0" rIns="0" tIns="0" bIns="0" anchor="ctr"/>
-          <a:p>
-            <a:endParaRPr b="0" lang="en-GB" sz="2000" spc="-1" strike="noStrike">
-              <a:solidFill>
-                <a:srgbClr val="000000"/>
-              </a:solidFill>
-              <a:uFill>
-                <a:solidFill>
-                  <a:srgbClr val="ffffff"/>
+          <a:bodyPr lIns="0" tIns="0" rIns="0" bIns="0" anchor="ctr"/>
+          <a:lstStyle/>
+          <a:p>
+            <a:endParaRPr lang="en-GB" sz="2000" b="0" strike="noStrike" spc="-1">
+              <a:solidFill>
+                <a:srgbClr val="000000"/>
+              </a:solidFill>
+              <a:uFill>
+                <a:solidFill>
+                  <a:srgbClr val="FFFFFF"/>
                 </a:solidFill>
               </a:uFill>
               <a:latin typeface="Arial"/>
@@ -531,11 +843,14 @@
       </p:sp>
     </p:spTree>
   </p:cSld>
+  <p:clrMapOvr>
+    <a:masterClrMapping/>
+  </p:clrMapOvr>
 </p:notes>
 </file>
 
-<file path=ppt/notesSlides/notesSlide3.xml><?xml version="1.0" encoding="utf-8"?>
-<p:notes xmlns:a="http://schemas.openxmlformats.org/drawingml/2006/main" xmlns:p="http://schemas.openxmlformats.org/presentationml/2006/main" xmlns:r="http://schemas.openxmlformats.org/officeDocument/2006/relationships" xmlns:p14="http://schemas.microsoft.com/office/powerpoint/2010/main" xmlns:p15="http://schemas.microsoft.com/office/powerpoint/2012/main" xmlns:mc="http://schemas.openxmlformats.org/markup-compatibility/2006">
+<file path=ppt/notesSlides/notesSlide4.xml><?xml version="1.0" encoding="utf-8"?>
+<p:notes xmlns:a="http://schemas.openxmlformats.org/drawingml/2006/main" xmlns:r="http://schemas.openxmlformats.org/officeDocument/2006/relationships" xmlns:p="http://schemas.openxmlformats.org/presentationml/2006/main">
   <p:cSld>
     <p:spTree>
       <p:nvGrpSpPr>
@@ -553,7 +868,7 @@
       </p:grpSpPr>
       <p:sp>
         <p:nvSpPr>
-          <p:cNvPr id="107" name="CustomShape 1"/>
+          <p:cNvPr id="109" name="CustomShape 1"/>
           <p:cNvSpPr/>
           <p:nvPr/>
         </p:nvSpPr>
@@ -571,133 +886,20 @@
           </a:ln>
         </p:spPr>
         <p:style>
-          <a:lnRef idx="0"/>
-          <a:fillRef idx="0"/>
-          <a:effectRef idx="0"/>
+          <a:lnRef idx="0">
+            <a:scrgbClr r="0" g="0" b="0"/>
+          </a:lnRef>
+          <a:fillRef idx="0">
+            <a:scrgbClr r="0" g="0" b="0"/>
+          </a:fillRef>
+          <a:effectRef idx="0">
+            <a:scrgbClr r="0" g="0" b="0"/>
+          </a:effectRef>
           <a:fontRef idx="minor"/>
         </p:style>
         <p:txBody>
-          <a:bodyPr lIns="0" rIns="0" tIns="0" bIns="0" anchor="b"/>
-          <a:p>
-            <a:pPr algn="r">
-              <a:lnSpc>
-                <a:spcPct val="100000"/>
-              </a:lnSpc>
-            </a:pPr>
-            <a:fld id="{354E4056-26F2-47FC-B56B-D612AC9868FC}" type="slidenum">
-              <a:rPr b="0" lang="en-GB" sz="1400" spc="-1" strike="noStrike">
-                <a:solidFill>
-                  <a:srgbClr val="000000"/>
-                </a:solidFill>
-                <a:uFill>
-                  <a:solidFill>
-                    <a:srgbClr val="ffffff"/>
-                  </a:solidFill>
-                </a:uFill>
-                <a:latin typeface="Times New Roman"/>
-                <a:ea typeface="DejaVu Sans"/>
-              </a:rPr>
-              <a:t>1</a:t>
-            </a:fld>
-            <a:endParaRPr b="0" lang="en-GB" sz="1800" spc="-1" strike="noStrike">
-              <a:solidFill>
-                <a:srgbClr val="000000"/>
-              </a:solidFill>
-              <a:uFill>
-                <a:solidFill>
-                  <a:srgbClr val="ffffff"/>
-                </a:solidFill>
-              </a:uFill>
-              <a:latin typeface="Arial"/>
-            </a:endParaRPr>
-          </a:p>
-        </p:txBody>
-      </p:sp>
-      <p:sp>
-        <p:nvSpPr>
-          <p:cNvPr id="108" name="PlaceHolder 2"/>
-          <p:cNvSpPr>
-            <a:spLocks noGrp="1"/>
-          </p:cNvSpPr>
-          <p:nvPr>
-            <p:ph type="body"/>
-          </p:nvPr>
-        </p:nvSpPr>
-        <p:spPr>
-          <a:xfrm>
-            <a:off x="755640" y="5078520"/>
-            <a:ext cx="6047640" cy="4811040"/>
-          </a:xfrm>
-          <a:prstGeom prst="rect">
-            <a:avLst/>
-          </a:prstGeom>
-        </p:spPr>
-        <p:txBody>
-          <a:bodyPr lIns="0" rIns="0" tIns="0" bIns="0" anchor="ctr"/>
-          <a:p>
-            <a:endParaRPr b="0" lang="en-GB" sz="2000" spc="-1" strike="noStrike">
-              <a:solidFill>
-                <a:srgbClr val="000000"/>
-              </a:solidFill>
-              <a:uFill>
-                <a:solidFill>
-                  <a:srgbClr val="ffffff"/>
-                </a:solidFill>
-              </a:uFill>
-              <a:latin typeface="Arial"/>
-            </a:endParaRPr>
-          </a:p>
-        </p:txBody>
-      </p:sp>
-    </p:spTree>
-  </p:cSld>
-</p:notes>
-</file>
-
-<file path=ppt/notesSlides/notesSlide4.xml><?xml version="1.0" encoding="utf-8"?>
-<p:notes xmlns:a="http://schemas.openxmlformats.org/drawingml/2006/main" xmlns:p="http://schemas.openxmlformats.org/presentationml/2006/main" xmlns:r="http://schemas.openxmlformats.org/officeDocument/2006/relationships" xmlns:p14="http://schemas.microsoft.com/office/powerpoint/2010/main" xmlns:p15="http://schemas.microsoft.com/office/powerpoint/2012/main" xmlns:mc="http://schemas.openxmlformats.org/markup-compatibility/2006">
-  <p:cSld>
-    <p:spTree>
-      <p:nvGrpSpPr>
-        <p:cNvPr id="1" name=""/>
-        <p:cNvGrpSpPr/>
-        <p:nvPr/>
-      </p:nvGrpSpPr>
-      <p:grpSpPr>
-        <a:xfrm>
-          <a:off x="0" y="0"/>
-          <a:ext cx="0" cy="0"/>
-          <a:chOff x="0" y="0"/>
-          <a:chExt cx="0" cy="0"/>
-        </a:xfrm>
-      </p:grpSpPr>
-      <p:sp>
-        <p:nvSpPr>
-          <p:cNvPr id="109" name="CustomShape 1"/>
-          <p:cNvSpPr/>
-          <p:nvPr/>
-        </p:nvSpPr>
-        <p:spPr>
-          <a:xfrm>
-            <a:off x="4278240" y="10156680"/>
-            <a:ext cx="3278880" cy="532800"/>
-          </a:xfrm>
-          <a:prstGeom prst="rect">
-            <a:avLst/>
-          </a:prstGeom>
-          <a:noFill/>
-          <a:ln>
-            <a:noFill/>
-          </a:ln>
-        </p:spPr>
-        <p:style>
-          <a:lnRef idx="0"/>
-          <a:fillRef idx="0"/>
-          <a:effectRef idx="0"/>
-          <a:fontRef idx="minor"/>
-        </p:style>
-        <p:txBody>
-          <a:bodyPr lIns="0" rIns="0" tIns="0" bIns="0" anchor="b"/>
+          <a:bodyPr lIns="0" tIns="0" rIns="0" bIns="0" anchor="b"/>
+          <a:lstStyle/>
           <a:p>
             <a:pPr algn="r">
               <a:lnSpc>
@@ -705,27 +907,27 @@
               </a:lnSpc>
             </a:pPr>
             <a:fld id="{F30A159B-A26D-4B8A-81F9-0ED578C4A3C8}" type="slidenum">
-              <a:rPr b="0" lang="en-GB" sz="1400" spc="-1" strike="noStrike">
+              <a:rPr lang="en-GB" sz="1400" b="0" strike="noStrike" spc="-1">
                 <a:solidFill>
                   <a:srgbClr val="000000"/>
                 </a:solidFill>
                 <a:uFill>
                   <a:solidFill>
-                    <a:srgbClr val="ffffff"/>
+                    <a:srgbClr val="FFFFFF"/>
                   </a:solidFill>
                 </a:uFill>
                 <a:latin typeface="Times New Roman"/>
                 <a:ea typeface="DejaVu Sans"/>
               </a:rPr>
-              <a:t>1</a:t>
+              <a:t>4</a:t>
             </a:fld>
-            <a:endParaRPr b="0" lang="en-GB" sz="1800" spc="-1" strike="noStrike">
-              <a:solidFill>
-                <a:srgbClr val="000000"/>
-              </a:solidFill>
-              <a:uFill>
-                <a:solidFill>
-                  <a:srgbClr val="ffffff"/>
+            <a:endParaRPr lang="en-GB" sz="1800" b="0" strike="noStrike" spc="-1">
+              <a:solidFill>
+                <a:srgbClr val="000000"/>
+              </a:solidFill>
+              <a:uFill>
+                <a:solidFill>
+                  <a:srgbClr val="FFFFFF"/>
                 </a:solidFill>
               </a:uFill>
               <a:latin typeface="Arial"/>
@@ -753,15 +955,16 @@
           </a:prstGeom>
         </p:spPr>
         <p:txBody>
-          <a:bodyPr lIns="0" rIns="0" tIns="0" bIns="0" anchor="ctr"/>
-          <a:p>
-            <a:endParaRPr b="0" lang="en-GB" sz="2000" spc="-1" strike="noStrike">
-              <a:solidFill>
-                <a:srgbClr val="000000"/>
-              </a:solidFill>
-              <a:uFill>
-                <a:solidFill>
-                  <a:srgbClr val="ffffff"/>
+          <a:bodyPr lIns="0" tIns="0" rIns="0" bIns="0" anchor="ctr"/>
+          <a:lstStyle/>
+          <a:p>
+            <a:endParaRPr lang="en-GB" sz="2000" b="0" strike="noStrike" spc="-1">
+              <a:solidFill>
+                <a:srgbClr val="000000"/>
+              </a:solidFill>
+              <a:uFill>
+                <a:solidFill>
+                  <a:srgbClr val="FFFFFF"/>
                 </a:solidFill>
               </a:uFill>
               <a:latin typeface="Arial"/>
@@ -771,11 +974,14 @@
       </p:sp>
     </p:spTree>
   </p:cSld>
+  <p:clrMapOvr>
+    <a:masterClrMapping/>
+  </p:clrMapOvr>
 </p:notes>
 </file>
 
 <file path=ppt/slideLayouts/slideLayout1.xml><?xml version="1.0" encoding="utf-8"?>
-<p:sldLayout xmlns:a="http://schemas.openxmlformats.org/drawingml/2006/main" xmlns:p="http://schemas.openxmlformats.org/presentationml/2006/main" xmlns:r="http://schemas.openxmlformats.org/officeDocument/2006/relationships" xmlns:p14="http://schemas.microsoft.com/office/powerpoint/2010/main" xmlns:p15="http://schemas.microsoft.com/office/powerpoint/2012/main" xmlns:mc="http://schemas.openxmlformats.org/markup-compatibility/2006" type="blank" preserve="1">
+<p:sldLayout xmlns:a="http://schemas.openxmlformats.org/drawingml/2006/main" xmlns:r="http://schemas.openxmlformats.org/officeDocument/2006/relationships" xmlns:p="http://schemas.openxmlformats.org/presentationml/2006/main" type="blank" preserve="1">
   <p:cSld name="Blank Slide">
     <p:spTree>
       <p:nvGrpSpPr>
@@ -793,11 +999,14 @@
       </p:grpSpPr>
     </p:spTree>
   </p:cSld>
+  <p:clrMapOvr>
+    <a:masterClrMapping/>
+  </p:clrMapOvr>
 </p:sldLayout>
 </file>
 
 <file path=ppt/slideLayouts/slideLayout10.xml><?xml version="1.0" encoding="utf-8"?>
-<p:sldLayout xmlns:a="http://schemas.openxmlformats.org/drawingml/2006/main" xmlns:p="http://schemas.openxmlformats.org/presentationml/2006/main" xmlns:r="http://schemas.openxmlformats.org/officeDocument/2006/relationships" xmlns:p14="http://schemas.microsoft.com/office/powerpoint/2010/main" xmlns:p15="http://schemas.microsoft.com/office/powerpoint/2012/main" xmlns:mc="http://schemas.openxmlformats.org/markup-compatibility/2006" type="objOverTx" preserve="1">
+<p:sldLayout xmlns:a="http://schemas.openxmlformats.org/drawingml/2006/main" xmlns:r="http://schemas.openxmlformats.org/officeDocument/2006/relationships" xmlns:p="http://schemas.openxmlformats.org/presentationml/2006/main" type="objOverTx" preserve="1">
   <p:cSld name="Title, Content over Content">
     <p:spTree>
       <p:nvGrpSpPr>
@@ -833,16 +1042,17 @@
           </a:prstGeom>
         </p:spPr>
         <p:txBody>
-          <a:bodyPr lIns="0" rIns="0" tIns="0" bIns="0" anchor="ctr"/>
+          <a:bodyPr lIns="0" tIns="0" rIns="0" bIns="0" anchor="ctr"/>
+          <a:lstStyle/>
           <a:p>
             <a:pPr algn="ctr"/>
-            <a:endParaRPr b="0" lang="en-GB" sz="4400" spc="-1" strike="noStrike">
-              <a:solidFill>
-                <a:srgbClr val="000000"/>
-              </a:solidFill>
-              <a:uFill>
-                <a:solidFill>
-                  <a:srgbClr val="ffffff"/>
+            <a:endParaRPr lang="en-GB" sz="4400" b="0" strike="noStrike" spc="-1">
+              <a:solidFill>
+                <a:srgbClr val="000000"/>
+              </a:solidFill>
+              <a:uFill>
+                <a:solidFill>
+                  <a:srgbClr val="FFFFFF"/>
                 </a:solidFill>
               </a:uFill>
               <a:latin typeface="Arial"/>
@@ -870,15 +1080,16 @@
           </a:prstGeom>
         </p:spPr>
         <p:txBody>
-          <a:bodyPr lIns="0" rIns="0" tIns="0" bIns="0"/>
-          <a:p>
-            <a:endParaRPr b="0" lang="en-GB" sz="3200" spc="-1" strike="noStrike">
-              <a:solidFill>
-                <a:srgbClr val="000000"/>
-              </a:solidFill>
-              <a:uFill>
-                <a:solidFill>
-                  <a:srgbClr val="ffffff"/>
+          <a:bodyPr lIns="0" tIns="0" rIns="0" bIns="0"/>
+          <a:lstStyle/>
+          <a:p>
+            <a:endParaRPr lang="en-GB" sz="3200" b="0" strike="noStrike" spc="-1">
+              <a:solidFill>
+                <a:srgbClr val="000000"/>
+              </a:solidFill>
+              <a:uFill>
+                <a:solidFill>
+                  <a:srgbClr val="FFFFFF"/>
                 </a:solidFill>
               </a:uFill>
               <a:latin typeface="Arial"/>
@@ -906,15 +1117,16 @@
           </a:prstGeom>
         </p:spPr>
         <p:txBody>
-          <a:bodyPr lIns="0" rIns="0" tIns="0" bIns="0"/>
-          <a:p>
-            <a:endParaRPr b="0" lang="en-GB" sz="3200" spc="-1" strike="noStrike">
-              <a:solidFill>
-                <a:srgbClr val="000000"/>
-              </a:solidFill>
-              <a:uFill>
-                <a:solidFill>
-                  <a:srgbClr val="ffffff"/>
+          <a:bodyPr lIns="0" tIns="0" rIns="0" bIns="0"/>
+          <a:lstStyle/>
+          <a:p>
+            <a:endParaRPr lang="en-GB" sz="3200" b="0" strike="noStrike" spc="-1">
+              <a:solidFill>
+                <a:srgbClr val="000000"/>
+              </a:solidFill>
+              <a:uFill>
+                <a:solidFill>
+                  <a:srgbClr val="FFFFFF"/>
                 </a:solidFill>
               </a:uFill>
               <a:latin typeface="Arial"/>
@@ -924,11 +1136,14 @@
       </p:sp>
     </p:spTree>
   </p:cSld>
+  <p:clrMapOvr>
+    <a:masterClrMapping/>
+  </p:clrMapOvr>
 </p:sldLayout>
 </file>
 
 <file path=ppt/slideLayouts/slideLayout11.xml><?xml version="1.0" encoding="utf-8"?>
-<p:sldLayout xmlns:a="http://schemas.openxmlformats.org/drawingml/2006/main" xmlns:p="http://schemas.openxmlformats.org/presentationml/2006/main" xmlns:r="http://schemas.openxmlformats.org/officeDocument/2006/relationships" xmlns:p14="http://schemas.microsoft.com/office/powerpoint/2010/main" xmlns:p15="http://schemas.microsoft.com/office/powerpoint/2012/main" xmlns:mc="http://schemas.openxmlformats.org/markup-compatibility/2006" type="fourObj" preserve="1">
+<p:sldLayout xmlns:a="http://schemas.openxmlformats.org/drawingml/2006/main" xmlns:r="http://schemas.openxmlformats.org/officeDocument/2006/relationships" xmlns:p="http://schemas.openxmlformats.org/presentationml/2006/main" type="fourObj" preserve="1">
   <p:cSld name="Title, 4 Content">
     <p:spTree>
       <p:nvGrpSpPr>
@@ -964,16 +1179,17 @@
           </a:prstGeom>
         </p:spPr>
         <p:txBody>
-          <a:bodyPr lIns="0" rIns="0" tIns="0" bIns="0" anchor="ctr"/>
+          <a:bodyPr lIns="0" tIns="0" rIns="0" bIns="0" anchor="ctr"/>
+          <a:lstStyle/>
           <a:p>
             <a:pPr algn="ctr"/>
-            <a:endParaRPr b="0" lang="en-GB" sz="4400" spc="-1" strike="noStrike">
-              <a:solidFill>
-                <a:srgbClr val="000000"/>
-              </a:solidFill>
-              <a:uFill>
-                <a:solidFill>
-                  <a:srgbClr val="ffffff"/>
+            <a:endParaRPr lang="en-GB" sz="4400" b="0" strike="noStrike" spc="-1">
+              <a:solidFill>
+                <a:srgbClr val="000000"/>
+              </a:solidFill>
+              <a:uFill>
+                <a:solidFill>
+                  <a:srgbClr val="FFFFFF"/>
                 </a:solidFill>
               </a:uFill>
               <a:latin typeface="Arial"/>
@@ -1001,15 +1217,16 @@
           </a:prstGeom>
         </p:spPr>
         <p:txBody>
-          <a:bodyPr lIns="0" rIns="0" tIns="0" bIns="0"/>
-          <a:p>
-            <a:endParaRPr b="0" lang="en-GB" sz="3200" spc="-1" strike="noStrike">
-              <a:solidFill>
-                <a:srgbClr val="000000"/>
-              </a:solidFill>
-              <a:uFill>
-                <a:solidFill>
-                  <a:srgbClr val="ffffff"/>
+          <a:bodyPr lIns="0" tIns="0" rIns="0" bIns="0"/>
+          <a:lstStyle/>
+          <a:p>
+            <a:endParaRPr lang="en-GB" sz="3200" b="0" strike="noStrike" spc="-1">
+              <a:solidFill>
+                <a:srgbClr val="000000"/>
+              </a:solidFill>
+              <a:uFill>
+                <a:solidFill>
+                  <a:srgbClr val="FFFFFF"/>
                 </a:solidFill>
               </a:uFill>
               <a:latin typeface="Arial"/>
@@ -1037,15 +1254,16 @@
           </a:prstGeom>
         </p:spPr>
         <p:txBody>
-          <a:bodyPr lIns="0" rIns="0" tIns="0" bIns="0"/>
-          <a:p>
-            <a:endParaRPr b="0" lang="en-GB" sz="3200" spc="-1" strike="noStrike">
-              <a:solidFill>
-                <a:srgbClr val="000000"/>
-              </a:solidFill>
-              <a:uFill>
-                <a:solidFill>
-                  <a:srgbClr val="ffffff"/>
+          <a:bodyPr lIns="0" tIns="0" rIns="0" bIns="0"/>
+          <a:lstStyle/>
+          <a:p>
+            <a:endParaRPr lang="en-GB" sz="3200" b="0" strike="noStrike" spc="-1">
+              <a:solidFill>
+                <a:srgbClr val="000000"/>
+              </a:solidFill>
+              <a:uFill>
+                <a:solidFill>
+                  <a:srgbClr val="FFFFFF"/>
                 </a:solidFill>
               </a:uFill>
               <a:latin typeface="Arial"/>
@@ -1073,15 +1291,16 @@
           </a:prstGeom>
         </p:spPr>
         <p:txBody>
-          <a:bodyPr lIns="0" rIns="0" tIns="0" bIns="0"/>
-          <a:p>
-            <a:endParaRPr b="0" lang="en-GB" sz="3200" spc="-1" strike="noStrike">
-              <a:solidFill>
-                <a:srgbClr val="000000"/>
-              </a:solidFill>
-              <a:uFill>
-                <a:solidFill>
-                  <a:srgbClr val="ffffff"/>
+          <a:bodyPr lIns="0" tIns="0" rIns="0" bIns="0"/>
+          <a:lstStyle/>
+          <a:p>
+            <a:endParaRPr lang="en-GB" sz="3200" b="0" strike="noStrike" spc="-1">
+              <a:solidFill>
+                <a:srgbClr val="000000"/>
+              </a:solidFill>
+              <a:uFill>
+                <a:solidFill>
+                  <a:srgbClr val="FFFFFF"/>
                 </a:solidFill>
               </a:uFill>
               <a:latin typeface="Arial"/>
@@ -1109,15 +1328,16 @@
           </a:prstGeom>
         </p:spPr>
         <p:txBody>
-          <a:bodyPr lIns="0" rIns="0" tIns="0" bIns="0"/>
-          <a:p>
-            <a:endParaRPr b="0" lang="en-GB" sz="3200" spc="-1" strike="noStrike">
-              <a:solidFill>
-                <a:srgbClr val="000000"/>
-              </a:solidFill>
-              <a:uFill>
-                <a:solidFill>
-                  <a:srgbClr val="ffffff"/>
+          <a:bodyPr lIns="0" tIns="0" rIns="0" bIns="0"/>
+          <a:lstStyle/>
+          <a:p>
+            <a:endParaRPr lang="en-GB" sz="3200" b="0" strike="noStrike" spc="-1">
+              <a:solidFill>
+                <a:srgbClr val="000000"/>
+              </a:solidFill>
+              <a:uFill>
+                <a:solidFill>
+                  <a:srgbClr val="FFFFFF"/>
                 </a:solidFill>
               </a:uFill>
               <a:latin typeface="Arial"/>
@@ -1127,11 +1347,14 @@
       </p:sp>
     </p:spTree>
   </p:cSld>
+  <p:clrMapOvr>
+    <a:masterClrMapping/>
+  </p:clrMapOvr>
 </p:sldLayout>
 </file>
 
 <file path=ppt/slideLayouts/slideLayout12.xml><?xml version="1.0" encoding="utf-8"?>
-<p:sldLayout xmlns:a="http://schemas.openxmlformats.org/drawingml/2006/main" xmlns:p="http://schemas.openxmlformats.org/presentationml/2006/main" xmlns:r="http://schemas.openxmlformats.org/officeDocument/2006/relationships" xmlns:p14="http://schemas.microsoft.com/office/powerpoint/2010/main" xmlns:p15="http://schemas.microsoft.com/office/powerpoint/2012/main" xmlns:mc="http://schemas.openxmlformats.org/markup-compatibility/2006" type="blank" preserve="1">
+<p:sldLayout xmlns:a="http://schemas.openxmlformats.org/drawingml/2006/main" xmlns:r="http://schemas.openxmlformats.org/officeDocument/2006/relationships" xmlns:p="http://schemas.openxmlformats.org/presentationml/2006/main" type="blank" preserve="1">
   <p:cSld name="Title, 6 Content">
     <p:spTree>
       <p:nvGrpSpPr>
@@ -1167,16 +1390,17 @@
           </a:prstGeom>
         </p:spPr>
         <p:txBody>
-          <a:bodyPr lIns="0" rIns="0" tIns="0" bIns="0" anchor="ctr"/>
+          <a:bodyPr lIns="0" tIns="0" rIns="0" bIns="0" anchor="ctr"/>
+          <a:lstStyle/>
           <a:p>
             <a:pPr algn="ctr"/>
-            <a:endParaRPr b="0" lang="en-GB" sz="4400" spc="-1" strike="noStrike">
-              <a:solidFill>
-                <a:srgbClr val="000000"/>
-              </a:solidFill>
-              <a:uFill>
-                <a:solidFill>
-                  <a:srgbClr val="ffffff"/>
+            <a:endParaRPr lang="en-GB" sz="4400" b="0" strike="noStrike" spc="-1">
+              <a:solidFill>
+                <a:srgbClr val="000000"/>
+              </a:solidFill>
+              <a:uFill>
+                <a:solidFill>
+                  <a:srgbClr val="FFFFFF"/>
                 </a:solidFill>
               </a:uFill>
               <a:latin typeface="Arial"/>
@@ -1204,15 +1428,16 @@
           </a:prstGeom>
         </p:spPr>
         <p:txBody>
-          <a:bodyPr lIns="0" rIns="0" tIns="0" bIns="0"/>
-          <a:p>
-            <a:endParaRPr b="0" lang="en-GB" sz="3200" spc="-1" strike="noStrike">
-              <a:solidFill>
-                <a:srgbClr val="000000"/>
-              </a:solidFill>
-              <a:uFill>
-                <a:solidFill>
-                  <a:srgbClr val="ffffff"/>
+          <a:bodyPr lIns="0" tIns="0" rIns="0" bIns="0"/>
+          <a:lstStyle/>
+          <a:p>
+            <a:endParaRPr lang="en-GB" sz="3200" b="0" strike="noStrike" spc="-1">
+              <a:solidFill>
+                <a:srgbClr val="000000"/>
+              </a:solidFill>
+              <a:uFill>
+                <a:solidFill>
+                  <a:srgbClr val="FFFFFF"/>
                 </a:solidFill>
               </a:uFill>
               <a:latin typeface="Arial"/>
@@ -1240,15 +1465,16 @@
           </a:prstGeom>
         </p:spPr>
         <p:txBody>
-          <a:bodyPr lIns="0" rIns="0" tIns="0" bIns="0"/>
-          <a:p>
-            <a:endParaRPr b="0" lang="en-GB" sz="3200" spc="-1" strike="noStrike">
-              <a:solidFill>
-                <a:srgbClr val="000000"/>
-              </a:solidFill>
-              <a:uFill>
-                <a:solidFill>
-                  <a:srgbClr val="ffffff"/>
+          <a:bodyPr lIns="0" tIns="0" rIns="0" bIns="0"/>
+          <a:lstStyle/>
+          <a:p>
+            <a:endParaRPr lang="en-GB" sz="3200" b="0" strike="noStrike" spc="-1">
+              <a:solidFill>
+                <a:srgbClr val="000000"/>
+              </a:solidFill>
+              <a:uFill>
+                <a:solidFill>
+                  <a:srgbClr val="FFFFFF"/>
                 </a:solidFill>
               </a:uFill>
               <a:latin typeface="Arial"/>
@@ -1258,7 +1484,7 @@
       </p:sp>
       <p:pic>
         <p:nvPicPr>
-          <p:cNvPr id="34" name="" descr=""/>
+          <p:cNvPr id="34" name="Picture 33"/>
           <p:cNvPicPr/>
           <p:nvPr/>
         </p:nvPicPr>
@@ -1281,12 +1507,12 @@
       </p:pic>
       <p:pic>
         <p:nvPicPr>
-          <p:cNvPr id="35" name="" descr=""/>
+          <p:cNvPr id="35" name="Picture 34"/>
           <p:cNvPicPr/>
           <p:nvPr/>
         </p:nvPicPr>
         <p:blipFill>
-          <a:blip r:embed="rId3"/>
+          <a:blip r:embed="rId2"/>
           <a:stretch/>
         </p:blipFill>
         <p:spPr>
@@ -1304,11 +1530,14 @@
       </p:pic>
     </p:spTree>
   </p:cSld>
+  <p:clrMapOvr>
+    <a:masterClrMapping/>
+  </p:clrMapOvr>
 </p:sldLayout>
 </file>
 
 <file path=ppt/slideLayouts/slideLayout13.xml><?xml version="1.0" encoding="utf-8"?>
-<p:sldLayout xmlns:a="http://schemas.openxmlformats.org/drawingml/2006/main" xmlns:p="http://schemas.openxmlformats.org/presentationml/2006/main" xmlns:r="http://schemas.openxmlformats.org/officeDocument/2006/relationships" xmlns:p14="http://schemas.microsoft.com/office/powerpoint/2010/main" xmlns:p15="http://schemas.microsoft.com/office/powerpoint/2012/main" xmlns:mc="http://schemas.openxmlformats.org/markup-compatibility/2006" type="blank" preserve="1">
+<p:sldLayout xmlns:a="http://schemas.openxmlformats.org/drawingml/2006/main" xmlns:r="http://schemas.openxmlformats.org/officeDocument/2006/relationships" xmlns:p="http://schemas.openxmlformats.org/presentationml/2006/main" type="blank" preserve="1">
   <p:cSld name="Blank Slide">
     <p:spTree>
       <p:nvGrpSpPr>
@@ -1326,11 +1555,14 @@
       </p:grpSpPr>
     </p:spTree>
   </p:cSld>
+  <p:clrMapOvr>
+    <a:masterClrMapping/>
+  </p:clrMapOvr>
 </p:sldLayout>
 </file>
 
 <file path=ppt/slideLayouts/slideLayout14.xml><?xml version="1.0" encoding="utf-8"?>
-<p:sldLayout xmlns:a="http://schemas.openxmlformats.org/drawingml/2006/main" xmlns:p="http://schemas.openxmlformats.org/presentationml/2006/main" xmlns:r="http://schemas.openxmlformats.org/officeDocument/2006/relationships" xmlns:p14="http://schemas.microsoft.com/office/powerpoint/2010/main" xmlns:p15="http://schemas.microsoft.com/office/powerpoint/2012/main" xmlns:mc="http://schemas.openxmlformats.org/markup-compatibility/2006" type="tx" preserve="1">
+<p:sldLayout xmlns:a="http://schemas.openxmlformats.org/drawingml/2006/main" xmlns:r="http://schemas.openxmlformats.org/officeDocument/2006/relationships" xmlns:p="http://schemas.openxmlformats.org/presentationml/2006/main" type="tx" preserve="1">
   <p:cSld name="Title Slide">
     <p:spTree>
       <p:nvGrpSpPr>
@@ -1366,16 +1598,17 @@
           </a:prstGeom>
         </p:spPr>
         <p:txBody>
-          <a:bodyPr lIns="0" rIns="0" tIns="0" bIns="0" anchor="ctr"/>
+          <a:bodyPr lIns="0" tIns="0" rIns="0" bIns="0" anchor="ctr"/>
+          <a:lstStyle/>
           <a:p>
             <a:pPr algn="ctr"/>
-            <a:endParaRPr b="0" lang="en-GB" sz="4400" spc="-1" strike="noStrike">
-              <a:solidFill>
-                <a:srgbClr val="000000"/>
-              </a:solidFill>
-              <a:uFill>
-                <a:solidFill>
-                  <a:srgbClr val="ffffff"/>
+            <a:endParaRPr lang="en-GB" sz="4400" b="0" strike="noStrike" spc="-1">
+              <a:solidFill>
+                <a:srgbClr val="000000"/>
+              </a:solidFill>
+              <a:uFill>
+                <a:solidFill>
+                  <a:srgbClr val="FFFFFF"/>
                 </a:solidFill>
               </a:uFill>
               <a:latin typeface="Arial"/>
@@ -1403,16 +1636,17 @@
           </a:prstGeom>
         </p:spPr>
         <p:txBody>
-          <a:bodyPr lIns="0" rIns="0" tIns="0" bIns="0" anchor="ctr"/>
+          <a:bodyPr lIns="0" tIns="0" rIns="0" bIns="0" anchor="ctr"/>
+          <a:lstStyle/>
           <a:p>
             <a:pPr algn="ctr"/>
-            <a:endParaRPr b="0" lang="en-GB" sz="3200" spc="-1" strike="noStrike">
-              <a:solidFill>
-                <a:srgbClr val="000000"/>
-              </a:solidFill>
-              <a:uFill>
-                <a:solidFill>
-                  <a:srgbClr val="ffffff"/>
+            <a:endParaRPr lang="en-GB" sz="3200" b="0" strike="noStrike" spc="-1">
+              <a:solidFill>
+                <a:srgbClr val="000000"/>
+              </a:solidFill>
+              <a:uFill>
+                <a:solidFill>
+                  <a:srgbClr val="FFFFFF"/>
                 </a:solidFill>
               </a:uFill>
               <a:latin typeface="Arial"/>
@@ -1422,11 +1656,14 @@
       </p:sp>
     </p:spTree>
   </p:cSld>
+  <p:clrMapOvr>
+    <a:masterClrMapping/>
+  </p:clrMapOvr>
 </p:sldLayout>
 </file>
 
 <file path=ppt/slideLayouts/slideLayout15.xml><?xml version="1.0" encoding="utf-8"?>
-<p:sldLayout xmlns:a="http://schemas.openxmlformats.org/drawingml/2006/main" xmlns:p="http://schemas.openxmlformats.org/presentationml/2006/main" xmlns:r="http://schemas.openxmlformats.org/officeDocument/2006/relationships" xmlns:p14="http://schemas.microsoft.com/office/powerpoint/2010/main" xmlns:p15="http://schemas.microsoft.com/office/powerpoint/2012/main" xmlns:mc="http://schemas.openxmlformats.org/markup-compatibility/2006" type="obj" preserve="1">
+<p:sldLayout xmlns:a="http://schemas.openxmlformats.org/drawingml/2006/main" xmlns:r="http://schemas.openxmlformats.org/officeDocument/2006/relationships" xmlns:p="http://schemas.openxmlformats.org/presentationml/2006/main" type="obj" preserve="1">
   <p:cSld name="Title, Content">
     <p:spTree>
       <p:nvGrpSpPr>
@@ -1462,16 +1699,17 @@
           </a:prstGeom>
         </p:spPr>
         <p:txBody>
-          <a:bodyPr lIns="0" rIns="0" tIns="0" bIns="0" anchor="ctr"/>
+          <a:bodyPr lIns="0" tIns="0" rIns="0" bIns="0" anchor="ctr"/>
+          <a:lstStyle/>
           <a:p>
             <a:pPr algn="ctr"/>
-            <a:endParaRPr b="0" lang="en-GB" sz="4400" spc="-1" strike="noStrike">
-              <a:solidFill>
-                <a:srgbClr val="000000"/>
-              </a:solidFill>
-              <a:uFill>
-                <a:solidFill>
-                  <a:srgbClr val="ffffff"/>
+            <a:endParaRPr lang="en-GB" sz="4400" b="0" strike="noStrike" spc="-1">
+              <a:solidFill>
+                <a:srgbClr val="000000"/>
+              </a:solidFill>
+              <a:uFill>
+                <a:solidFill>
+                  <a:srgbClr val="FFFFFF"/>
                 </a:solidFill>
               </a:uFill>
               <a:latin typeface="Arial"/>
@@ -1499,15 +1737,16 @@
           </a:prstGeom>
         </p:spPr>
         <p:txBody>
-          <a:bodyPr lIns="0" rIns="0" tIns="0" bIns="0"/>
-          <a:p>
-            <a:endParaRPr b="0" lang="en-GB" sz="3200" spc="-1" strike="noStrike">
-              <a:solidFill>
-                <a:srgbClr val="000000"/>
-              </a:solidFill>
-              <a:uFill>
-                <a:solidFill>
-                  <a:srgbClr val="ffffff"/>
+          <a:bodyPr lIns="0" tIns="0" rIns="0" bIns="0"/>
+          <a:lstStyle/>
+          <a:p>
+            <a:endParaRPr lang="en-GB" sz="3200" b="0" strike="noStrike" spc="-1">
+              <a:solidFill>
+                <a:srgbClr val="000000"/>
+              </a:solidFill>
+              <a:uFill>
+                <a:solidFill>
+                  <a:srgbClr val="FFFFFF"/>
                 </a:solidFill>
               </a:uFill>
               <a:latin typeface="Arial"/>
@@ -1517,11 +1756,14 @@
       </p:sp>
     </p:spTree>
   </p:cSld>
+  <p:clrMapOvr>
+    <a:masterClrMapping/>
+  </p:clrMapOvr>
 </p:sldLayout>
 </file>
 
 <file path=ppt/slideLayouts/slideLayout16.xml><?xml version="1.0" encoding="utf-8"?>
-<p:sldLayout xmlns:a="http://schemas.openxmlformats.org/drawingml/2006/main" xmlns:p="http://schemas.openxmlformats.org/presentationml/2006/main" xmlns:r="http://schemas.openxmlformats.org/officeDocument/2006/relationships" xmlns:p14="http://schemas.microsoft.com/office/powerpoint/2010/main" xmlns:p15="http://schemas.microsoft.com/office/powerpoint/2012/main" xmlns:mc="http://schemas.openxmlformats.org/markup-compatibility/2006" type="twoObj" preserve="1">
+<p:sldLayout xmlns:a="http://schemas.openxmlformats.org/drawingml/2006/main" xmlns:r="http://schemas.openxmlformats.org/officeDocument/2006/relationships" xmlns:p="http://schemas.openxmlformats.org/presentationml/2006/main" type="twoObj" preserve="1">
   <p:cSld name="Title, 2 Content">
     <p:spTree>
       <p:nvGrpSpPr>
@@ -1557,16 +1799,17 @@
           </a:prstGeom>
         </p:spPr>
         <p:txBody>
-          <a:bodyPr lIns="0" rIns="0" tIns="0" bIns="0" anchor="ctr"/>
+          <a:bodyPr lIns="0" tIns="0" rIns="0" bIns="0" anchor="ctr"/>
+          <a:lstStyle/>
           <a:p>
             <a:pPr algn="ctr"/>
-            <a:endParaRPr b="0" lang="en-GB" sz="4400" spc="-1" strike="noStrike">
-              <a:solidFill>
-                <a:srgbClr val="000000"/>
-              </a:solidFill>
-              <a:uFill>
-                <a:solidFill>
-                  <a:srgbClr val="ffffff"/>
+            <a:endParaRPr lang="en-GB" sz="4400" b="0" strike="noStrike" spc="-1">
+              <a:solidFill>
+                <a:srgbClr val="000000"/>
+              </a:solidFill>
+              <a:uFill>
+                <a:solidFill>
+                  <a:srgbClr val="FFFFFF"/>
                 </a:solidFill>
               </a:uFill>
               <a:latin typeface="Arial"/>
@@ -1594,15 +1837,16 @@
           </a:prstGeom>
         </p:spPr>
         <p:txBody>
-          <a:bodyPr lIns="0" rIns="0" tIns="0" bIns="0"/>
-          <a:p>
-            <a:endParaRPr b="0" lang="en-GB" sz="3200" spc="-1" strike="noStrike">
-              <a:solidFill>
-                <a:srgbClr val="000000"/>
-              </a:solidFill>
-              <a:uFill>
-                <a:solidFill>
-                  <a:srgbClr val="ffffff"/>
+          <a:bodyPr lIns="0" tIns="0" rIns="0" bIns="0"/>
+          <a:lstStyle/>
+          <a:p>
+            <a:endParaRPr lang="en-GB" sz="3200" b="0" strike="noStrike" spc="-1">
+              <a:solidFill>
+                <a:srgbClr val="000000"/>
+              </a:solidFill>
+              <a:uFill>
+                <a:solidFill>
+                  <a:srgbClr val="FFFFFF"/>
                 </a:solidFill>
               </a:uFill>
               <a:latin typeface="Arial"/>
@@ -1630,15 +1874,16 @@
           </a:prstGeom>
         </p:spPr>
         <p:txBody>
-          <a:bodyPr lIns="0" rIns="0" tIns="0" bIns="0"/>
-          <a:p>
-            <a:endParaRPr b="0" lang="en-GB" sz="3200" spc="-1" strike="noStrike">
-              <a:solidFill>
-                <a:srgbClr val="000000"/>
-              </a:solidFill>
-              <a:uFill>
-                <a:solidFill>
-                  <a:srgbClr val="ffffff"/>
+          <a:bodyPr lIns="0" tIns="0" rIns="0" bIns="0"/>
+          <a:lstStyle/>
+          <a:p>
+            <a:endParaRPr lang="en-GB" sz="3200" b="0" strike="noStrike" spc="-1">
+              <a:solidFill>
+                <a:srgbClr val="000000"/>
+              </a:solidFill>
+              <a:uFill>
+                <a:solidFill>
+                  <a:srgbClr val="FFFFFF"/>
                 </a:solidFill>
               </a:uFill>
               <a:latin typeface="Arial"/>
@@ -1648,11 +1893,14 @@
       </p:sp>
     </p:spTree>
   </p:cSld>
+  <p:clrMapOvr>
+    <a:masterClrMapping/>
+  </p:clrMapOvr>
 </p:sldLayout>
 </file>
 
 <file path=ppt/slideLayouts/slideLayout17.xml><?xml version="1.0" encoding="utf-8"?>
-<p:sldLayout xmlns:a="http://schemas.openxmlformats.org/drawingml/2006/main" xmlns:p="http://schemas.openxmlformats.org/presentationml/2006/main" xmlns:r="http://schemas.openxmlformats.org/officeDocument/2006/relationships" xmlns:p14="http://schemas.microsoft.com/office/powerpoint/2010/main" xmlns:p15="http://schemas.microsoft.com/office/powerpoint/2012/main" xmlns:mc="http://schemas.openxmlformats.org/markup-compatibility/2006" type="titleOnly" preserve="1">
+<p:sldLayout xmlns:a="http://schemas.openxmlformats.org/drawingml/2006/main" xmlns:r="http://schemas.openxmlformats.org/officeDocument/2006/relationships" xmlns:p="http://schemas.openxmlformats.org/presentationml/2006/main" type="titleOnly" preserve="1">
   <p:cSld name="Title Only">
     <p:spTree>
       <p:nvGrpSpPr>
@@ -1688,16 +1936,17 @@
           </a:prstGeom>
         </p:spPr>
         <p:txBody>
-          <a:bodyPr lIns="0" rIns="0" tIns="0" bIns="0" anchor="ctr"/>
+          <a:bodyPr lIns="0" tIns="0" rIns="0" bIns="0" anchor="ctr"/>
+          <a:lstStyle/>
           <a:p>
             <a:pPr algn="ctr"/>
-            <a:endParaRPr b="0" lang="en-GB" sz="4400" spc="-1" strike="noStrike">
-              <a:solidFill>
-                <a:srgbClr val="000000"/>
-              </a:solidFill>
-              <a:uFill>
-                <a:solidFill>
-                  <a:srgbClr val="ffffff"/>
+            <a:endParaRPr lang="en-GB" sz="4400" b="0" strike="noStrike" spc="-1">
+              <a:solidFill>
+                <a:srgbClr val="000000"/>
+              </a:solidFill>
+              <a:uFill>
+                <a:solidFill>
+                  <a:srgbClr val="FFFFFF"/>
                 </a:solidFill>
               </a:uFill>
               <a:latin typeface="Arial"/>
@@ -1707,11 +1956,14 @@
       </p:sp>
     </p:spTree>
   </p:cSld>
+  <p:clrMapOvr>
+    <a:masterClrMapping/>
+  </p:clrMapOvr>
 </p:sldLayout>
 </file>
 
 <file path=ppt/slideLayouts/slideLayout18.xml><?xml version="1.0" encoding="utf-8"?>
-<p:sldLayout xmlns:a="http://schemas.openxmlformats.org/drawingml/2006/main" xmlns:p="http://schemas.openxmlformats.org/presentationml/2006/main" xmlns:r="http://schemas.openxmlformats.org/officeDocument/2006/relationships" xmlns:p14="http://schemas.microsoft.com/office/powerpoint/2010/main" xmlns:p15="http://schemas.microsoft.com/office/powerpoint/2012/main" xmlns:mc="http://schemas.openxmlformats.org/markup-compatibility/2006" type="objOnly" preserve="1">
+<p:sldLayout xmlns:a="http://schemas.openxmlformats.org/drawingml/2006/main" xmlns:r="http://schemas.openxmlformats.org/officeDocument/2006/relationships" xmlns:p="http://schemas.openxmlformats.org/presentationml/2006/main" type="objOnly" preserve="1">
   <p:cSld name="Centered Text">
     <p:spTree>
       <p:nvGrpSpPr>
@@ -1747,16 +1999,17 @@
           </a:prstGeom>
         </p:spPr>
         <p:txBody>
-          <a:bodyPr lIns="0" rIns="0" tIns="0" bIns="0" anchor="ctr"/>
+          <a:bodyPr lIns="0" tIns="0" rIns="0" bIns="0" anchor="ctr"/>
+          <a:lstStyle/>
           <a:p>
             <a:pPr algn="ctr"/>
-            <a:endParaRPr b="0" lang="en-GB" sz="3200" spc="-1" strike="noStrike">
-              <a:solidFill>
-                <a:srgbClr val="000000"/>
-              </a:solidFill>
-              <a:uFill>
-                <a:solidFill>
-                  <a:srgbClr val="ffffff"/>
+            <a:endParaRPr lang="en-GB" sz="3200" b="0" strike="noStrike" spc="-1">
+              <a:solidFill>
+                <a:srgbClr val="000000"/>
+              </a:solidFill>
+              <a:uFill>
+                <a:solidFill>
+                  <a:srgbClr val="FFFFFF"/>
                 </a:solidFill>
               </a:uFill>
               <a:latin typeface="Arial"/>
@@ -1766,11 +2019,14 @@
       </p:sp>
     </p:spTree>
   </p:cSld>
+  <p:clrMapOvr>
+    <a:masterClrMapping/>
+  </p:clrMapOvr>
 </p:sldLayout>
 </file>
 
 <file path=ppt/slideLayouts/slideLayout19.xml><?xml version="1.0" encoding="utf-8"?>
-<p:sldLayout xmlns:a="http://schemas.openxmlformats.org/drawingml/2006/main" xmlns:p="http://schemas.openxmlformats.org/presentationml/2006/main" xmlns:r="http://schemas.openxmlformats.org/officeDocument/2006/relationships" xmlns:p14="http://schemas.microsoft.com/office/powerpoint/2010/main" xmlns:p15="http://schemas.microsoft.com/office/powerpoint/2012/main" xmlns:mc="http://schemas.openxmlformats.org/markup-compatibility/2006" type="twoObjAndObj" preserve="1">
+<p:sldLayout xmlns:a="http://schemas.openxmlformats.org/drawingml/2006/main" xmlns:r="http://schemas.openxmlformats.org/officeDocument/2006/relationships" xmlns:p="http://schemas.openxmlformats.org/presentationml/2006/main" type="twoObjAndObj" preserve="1">
   <p:cSld name="Title, 2 Content and Content">
     <p:spTree>
       <p:nvGrpSpPr>
@@ -1806,16 +2062,17 @@
           </a:prstGeom>
         </p:spPr>
         <p:txBody>
-          <a:bodyPr lIns="0" rIns="0" tIns="0" bIns="0" anchor="ctr"/>
+          <a:bodyPr lIns="0" tIns="0" rIns="0" bIns="0" anchor="ctr"/>
+          <a:lstStyle/>
           <a:p>
             <a:pPr algn="ctr"/>
-            <a:endParaRPr b="0" lang="en-GB" sz="4400" spc="-1" strike="noStrike">
-              <a:solidFill>
-                <a:srgbClr val="000000"/>
-              </a:solidFill>
-              <a:uFill>
-                <a:solidFill>
-                  <a:srgbClr val="ffffff"/>
+            <a:endParaRPr lang="en-GB" sz="4400" b="0" strike="noStrike" spc="-1">
+              <a:solidFill>
+                <a:srgbClr val="000000"/>
+              </a:solidFill>
+              <a:uFill>
+                <a:solidFill>
+                  <a:srgbClr val="FFFFFF"/>
                 </a:solidFill>
               </a:uFill>
               <a:latin typeface="Arial"/>
@@ -1843,15 +2100,16 @@
           </a:prstGeom>
         </p:spPr>
         <p:txBody>
-          <a:bodyPr lIns="0" rIns="0" tIns="0" bIns="0"/>
-          <a:p>
-            <a:endParaRPr b="0" lang="en-GB" sz="3200" spc="-1" strike="noStrike">
-              <a:solidFill>
-                <a:srgbClr val="000000"/>
-              </a:solidFill>
-              <a:uFill>
-                <a:solidFill>
-                  <a:srgbClr val="ffffff"/>
+          <a:bodyPr lIns="0" tIns="0" rIns="0" bIns="0"/>
+          <a:lstStyle/>
+          <a:p>
+            <a:endParaRPr lang="en-GB" sz="3200" b="0" strike="noStrike" spc="-1">
+              <a:solidFill>
+                <a:srgbClr val="000000"/>
+              </a:solidFill>
+              <a:uFill>
+                <a:solidFill>
+                  <a:srgbClr val="FFFFFF"/>
                 </a:solidFill>
               </a:uFill>
               <a:latin typeface="Arial"/>
@@ -1879,15 +2137,16 @@
           </a:prstGeom>
         </p:spPr>
         <p:txBody>
-          <a:bodyPr lIns="0" rIns="0" tIns="0" bIns="0"/>
-          <a:p>
-            <a:endParaRPr b="0" lang="en-GB" sz="3200" spc="-1" strike="noStrike">
-              <a:solidFill>
-                <a:srgbClr val="000000"/>
-              </a:solidFill>
-              <a:uFill>
-                <a:solidFill>
-                  <a:srgbClr val="ffffff"/>
+          <a:bodyPr lIns="0" tIns="0" rIns="0" bIns="0"/>
+          <a:lstStyle/>
+          <a:p>
+            <a:endParaRPr lang="en-GB" sz="3200" b="0" strike="noStrike" spc="-1">
+              <a:solidFill>
+                <a:srgbClr val="000000"/>
+              </a:solidFill>
+              <a:uFill>
+                <a:solidFill>
+                  <a:srgbClr val="FFFFFF"/>
                 </a:solidFill>
               </a:uFill>
               <a:latin typeface="Arial"/>
@@ -1915,15 +2174,16 @@
           </a:prstGeom>
         </p:spPr>
         <p:txBody>
-          <a:bodyPr lIns="0" rIns="0" tIns="0" bIns="0"/>
-          <a:p>
-            <a:endParaRPr b="0" lang="en-GB" sz="3200" spc="-1" strike="noStrike">
-              <a:solidFill>
-                <a:srgbClr val="000000"/>
-              </a:solidFill>
-              <a:uFill>
-                <a:solidFill>
-                  <a:srgbClr val="ffffff"/>
+          <a:bodyPr lIns="0" tIns="0" rIns="0" bIns="0"/>
+          <a:lstStyle/>
+          <a:p>
+            <a:endParaRPr lang="en-GB" sz="3200" b="0" strike="noStrike" spc="-1">
+              <a:solidFill>
+                <a:srgbClr val="000000"/>
+              </a:solidFill>
+              <a:uFill>
+                <a:solidFill>
+                  <a:srgbClr val="FFFFFF"/>
                 </a:solidFill>
               </a:uFill>
               <a:latin typeface="Arial"/>
@@ -1933,11 +2193,14 @@
       </p:sp>
     </p:spTree>
   </p:cSld>
+  <p:clrMapOvr>
+    <a:masterClrMapping/>
+  </p:clrMapOvr>
 </p:sldLayout>
 </file>
 
 <file path=ppt/slideLayouts/slideLayout2.xml><?xml version="1.0" encoding="utf-8"?>
-<p:sldLayout xmlns:a="http://schemas.openxmlformats.org/drawingml/2006/main" xmlns:p="http://schemas.openxmlformats.org/presentationml/2006/main" xmlns:r="http://schemas.openxmlformats.org/officeDocument/2006/relationships" xmlns:p14="http://schemas.microsoft.com/office/powerpoint/2010/main" xmlns:p15="http://schemas.microsoft.com/office/powerpoint/2012/main" xmlns:mc="http://schemas.openxmlformats.org/markup-compatibility/2006" type="tx" preserve="1">
+<p:sldLayout xmlns:a="http://schemas.openxmlformats.org/drawingml/2006/main" xmlns:r="http://schemas.openxmlformats.org/officeDocument/2006/relationships" xmlns:p="http://schemas.openxmlformats.org/presentationml/2006/main" type="tx" preserve="1">
   <p:cSld name="Title Slide">
     <p:spTree>
       <p:nvGrpSpPr>
@@ -1973,16 +2236,17 @@
           </a:prstGeom>
         </p:spPr>
         <p:txBody>
-          <a:bodyPr lIns="0" rIns="0" tIns="0" bIns="0" anchor="ctr"/>
+          <a:bodyPr lIns="0" tIns="0" rIns="0" bIns="0" anchor="ctr"/>
+          <a:lstStyle/>
           <a:p>
             <a:pPr algn="ctr"/>
-            <a:endParaRPr b="0" lang="en-GB" sz="4400" spc="-1" strike="noStrike">
-              <a:solidFill>
-                <a:srgbClr val="000000"/>
-              </a:solidFill>
-              <a:uFill>
-                <a:solidFill>
-                  <a:srgbClr val="ffffff"/>
+            <a:endParaRPr lang="en-GB" sz="4400" b="0" strike="noStrike" spc="-1">
+              <a:solidFill>
+                <a:srgbClr val="000000"/>
+              </a:solidFill>
+              <a:uFill>
+                <a:solidFill>
+                  <a:srgbClr val="FFFFFF"/>
                 </a:solidFill>
               </a:uFill>
               <a:latin typeface="Arial"/>
@@ -2010,16 +2274,17 @@
           </a:prstGeom>
         </p:spPr>
         <p:txBody>
-          <a:bodyPr lIns="0" rIns="0" tIns="0" bIns="0" anchor="ctr"/>
+          <a:bodyPr lIns="0" tIns="0" rIns="0" bIns="0" anchor="ctr"/>
+          <a:lstStyle/>
           <a:p>
             <a:pPr algn="ctr"/>
-            <a:endParaRPr b="0" lang="en-GB" sz="3200" spc="-1" strike="noStrike">
-              <a:solidFill>
-                <a:srgbClr val="000000"/>
-              </a:solidFill>
-              <a:uFill>
-                <a:solidFill>
-                  <a:srgbClr val="ffffff"/>
+            <a:endParaRPr lang="en-GB" sz="3200" b="0" strike="noStrike" spc="-1">
+              <a:solidFill>
+                <a:srgbClr val="000000"/>
+              </a:solidFill>
+              <a:uFill>
+                <a:solidFill>
+                  <a:srgbClr val="FFFFFF"/>
                 </a:solidFill>
               </a:uFill>
               <a:latin typeface="Arial"/>
@@ -2029,11 +2294,14 @@
       </p:sp>
     </p:spTree>
   </p:cSld>
+  <p:clrMapOvr>
+    <a:masterClrMapping/>
+  </p:clrMapOvr>
 </p:sldLayout>
 </file>
 
 <file path=ppt/slideLayouts/slideLayout20.xml><?xml version="1.0" encoding="utf-8"?>
-<p:sldLayout xmlns:a="http://schemas.openxmlformats.org/drawingml/2006/main" xmlns:p="http://schemas.openxmlformats.org/presentationml/2006/main" xmlns:r="http://schemas.openxmlformats.org/officeDocument/2006/relationships" xmlns:p14="http://schemas.microsoft.com/office/powerpoint/2010/main" xmlns:p15="http://schemas.microsoft.com/office/powerpoint/2012/main" xmlns:mc="http://schemas.openxmlformats.org/markup-compatibility/2006" type="objAndTwoObj" preserve="1">
+<p:sldLayout xmlns:a="http://schemas.openxmlformats.org/drawingml/2006/main" xmlns:r="http://schemas.openxmlformats.org/officeDocument/2006/relationships" xmlns:p="http://schemas.openxmlformats.org/presentationml/2006/main" type="objAndTwoObj" preserve="1">
   <p:cSld name="Title Content and 2 Content">
     <p:spTree>
       <p:nvGrpSpPr>
@@ -2069,16 +2337,17 @@
           </a:prstGeom>
         </p:spPr>
         <p:txBody>
-          <a:bodyPr lIns="0" rIns="0" tIns="0" bIns="0" anchor="ctr"/>
+          <a:bodyPr lIns="0" tIns="0" rIns="0" bIns="0" anchor="ctr"/>
+          <a:lstStyle/>
           <a:p>
             <a:pPr algn="ctr"/>
-            <a:endParaRPr b="0" lang="en-GB" sz="4400" spc="-1" strike="noStrike">
-              <a:solidFill>
-                <a:srgbClr val="000000"/>
-              </a:solidFill>
-              <a:uFill>
-                <a:solidFill>
-                  <a:srgbClr val="ffffff"/>
+            <a:endParaRPr lang="en-GB" sz="4400" b="0" strike="noStrike" spc="-1">
+              <a:solidFill>
+                <a:srgbClr val="000000"/>
+              </a:solidFill>
+              <a:uFill>
+                <a:solidFill>
+                  <a:srgbClr val="FFFFFF"/>
                 </a:solidFill>
               </a:uFill>
               <a:latin typeface="Arial"/>
@@ -2106,15 +2375,16 @@
           </a:prstGeom>
         </p:spPr>
         <p:txBody>
-          <a:bodyPr lIns="0" rIns="0" tIns="0" bIns="0"/>
-          <a:p>
-            <a:endParaRPr b="0" lang="en-GB" sz="3200" spc="-1" strike="noStrike">
-              <a:solidFill>
-                <a:srgbClr val="000000"/>
-              </a:solidFill>
-              <a:uFill>
-                <a:solidFill>
-                  <a:srgbClr val="ffffff"/>
+          <a:bodyPr lIns="0" tIns="0" rIns="0" bIns="0"/>
+          <a:lstStyle/>
+          <a:p>
+            <a:endParaRPr lang="en-GB" sz="3200" b="0" strike="noStrike" spc="-1">
+              <a:solidFill>
+                <a:srgbClr val="000000"/>
+              </a:solidFill>
+              <a:uFill>
+                <a:solidFill>
+                  <a:srgbClr val="FFFFFF"/>
                 </a:solidFill>
               </a:uFill>
               <a:latin typeface="Arial"/>
@@ -2142,15 +2412,16 @@
           </a:prstGeom>
         </p:spPr>
         <p:txBody>
-          <a:bodyPr lIns="0" rIns="0" tIns="0" bIns="0"/>
-          <a:p>
-            <a:endParaRPr b="0" lang="en-GB" sz="3200" spc="-1" strike="noStrike">
-              <a:solidFill>
-                <a:srgbClr val="000000"/>
-              </a:solidFill>
-              <a:uFill>
-                <a:solidFill>
-                  <a:srgbClr val="ffffff"/>
+          <a:bodyPr lIns="0" tIns="0" rIns="0" bIns="0"/>
+          <a:lstStyle/>
+          <a:p>
+            <a:endParaRPr lang="en-GB" sz="3200" b="0" strike="noStrike" spc="-1">
+              <a:solidFill>
+                <a:srgbClr val="000000"/>
+              </a:solidFill>
+              <a:uFill>
+                <a:solidFill>
+                  <a:srgbClr val="FFFFFF"/>
                 </a:solidFill>
               </a:uFill>
               <a:latin typeface="Arial"/>
@@ -2178,15 +2449,16 @@
           </a:prstGeom>
         </p:spPr>
         <p:txBody>
-          <a:bodyPr lIns="0" rIns="0" tIns="0" bIns="0"/>
-          <a:p>
-            <a:endParaRPr b="0" lang="en-GB" sz="3200" spc="-1" strike="noStrike">
-              <a:solidFill>
-                <a:srgbClr val="000000"/>
-              </a:solidFill>
-              <a:uFill>
-                <a:solidFill>
-                  <a:srgbClr val="ffffff"/>
+          <a:bodyPr lIns="0" tIns="0" rIns="0" bIns="0"/>
+          <a:lstStyle/>
+          <a:p>
+            <a:endParaRPr lang="en-GB" sz="3200" b="0" strike="noStrike" spc="-1">
+              <a:solidFill>
+                <a:srgbClr val="000000"/>
+              </a:solidFill>
+              <a:uFill>
+                <a:solidFill>
+                  <a:srgbClr val="FFFFFF"/>
                 </a:solidFill>
               </a:uFill>
               <a:latin typeface="Arial"/>
@@ -2196,11 +2468,14 @@
       </p:sp>
     </p:spTree>
   </p:cSld>
+  <p:clrMapOvr>
+    <a:masterClrMapping/>
+  </p:clrMapOvr>
 </p:sldLayout>
 </file>
 
 <file path=ppt/slideLayouts/slideLayout21.xml><?xml version="1.0" encoding="utf-8"?>
-<p:sldLayout xmlns:a="http://schemas.openxmlformats.org/drawingml/2006/main" xmlns:p="http://schemas.openxmlformats.org/presentationml/2006/main" xmlns:r="http://schemas.openxmlformats.org/officeDocument/2006/relationships" xmlns:p14="http://schemas.microsoft.com/office/powerpoint/2010/main" xmlns:p15="http://schemas.microsoft.com/office/powerpoint/2012/main" xmlns:mc="http://schemas.openxmlformats.org/markup-compatibility/2006" type="twoObjOverTx" preserve="1">
+<p:sldLayout xmlns:a="http://schemas.openxmlformats.org/drawingml/2006/main" xmlns:r="http://schemas.openxmlformats.org/officeDocument/2006/relationships" xmlns:p="http://schemas.openxmlformats.org/presentationml/2006/main" type="twoObjOverTx" preserve="1">
   <p:cSld name="Title, 2 Content over Content">
     <p:spTree>
       <p:nvGrpSpPr>
@@ -2236,16 +2511,17 @@
           </a:prstGeom>
         </p:spPr>
         <p:txBody>
-          <a:bodyPr lIns="0" rIns="0" tIns="0" bIns="0" anchor="ctr"/>
+          <a:bodyPr lIns="0" tIns="0" rIns="0" bIns="0" anchor="ctr"/>
+          <a:lstStyle/>
           <a:p>
             <a:pPr algn="ctr"/>
-            <a:endParaRPr b="0" lang="en-GB" sz="4400" spc="-1" strike="noStrike">
-              <a:solidFill>
-                <a:srgbClr val="000000"/>
-              </a:solidFill>
-              <a:uFill>
-                <a:solidFill>
-                  <a:srgbClr val="ffffff"/>
+            <a:endParaRPr lang="en-GB" sz="4400" b="0" strike="noStrike" spc="-1">
+              <a:solidFill>
+                <a:srgbClr val="000000"/>
+              </a:solidFill>
+              <a:uFill>
+                <a:solidFill>
+                  <a:srgbClr val="FFFFFF"/>
                 </a:solidFill>
               </a:uFill>
               <a:latin typeface="Arial"/>
@@ -2273,15 +2549,16 @@
           </a:prstGeom>
         </p:spPr>
         <p:txBody>
-          <a:bodyPr lIns="0" rIns="0" tIns="0" bIns="0"/>
-          <a:p>
-            <a:endParaRPr b="0" lang="en-GB" sz="3200" spc="-1" strike="noStrike">
-              <a:solidFill>
-                <a:srgbClr val="000000"/>
-              </a:solidFill>
-              <a:uFill>
-                <a:solidFill>
-                  <a:srgbClr val="ffffff"/>
+          <a:bodyPr lIns="0" tIns="0" rIns="0" bIns="0"/>
+          <a:lstStyle/>
+          <a:p>
+            <a:endParaRPr lang="en-GB" sz="3200" b="0" strike="noStrike" spc="-1">
+              <a:solidFill>
+                <a:srgbClr val="000000"/>
+              </a:solidFill>
+              <a:uFill>
+                <a:solidFill>
+                  <a:srgbClr val="FFFFFF"/>
                 </a:solidFill>
               </a:uFill>
               <a:latin typeface="Arial"/>
@@ -2309,15 +2586,16 @@
           </a:prstGeom>
         </p:spPr>
         <p:txBody>
-          <a:bodyPr lIns="0" rIns="0" tIns="0" bIns="0"/>
-          <a:p>
-            <a:endParaRPr b="0" lang="en-GB" sz="3200" spc="-1" strike="noStrike">
-              <a:solidFill>
-                <a:srgbClr val="000000"/>
-              </a:solidFill>
-              <a:uFill>
-                <a:solidFill>
-                  <a:srgbClr val="ffffff"/>
+          <a:bodyPr lIns="0" tIns="0" rIns="0" bIns="0"/>
+          <a:lstStyle/>
+          <a:p>
+            <a:endParaRPr lang="en-GB" sz="3200" b="0" strike="noStrike" spc="-1">
+              <a:solidFill>
+                <a:srgbClr val="000000"/>
+              </a:solidFill>
+              <a:uFill>
+                <a:solidFill>
+                  <a:srgbClr val="FFFFFF"/>
                 </a:solidFill>
               </a:uFill>
               <a:latin typeface="Arial"/>
@@ -2345,15 +2623,16 @@
           </a:prstGeom>
         </p:spPr>
         <p:txBody>
-          <a:bodyPr lIns="0" rIns="0" tIns="0" bIns="0"/>
-          <a:p>
-            <a:endParaRPr b="0" lang="en-GB" sz="3200" spc="-1" strike="noStrike">
-              <a:solidFill>
-                <a:srgbClr val="000000"/>
-              </a:solidFill>
-              <a:uFill>
-                <a:solidFill>
-                  <a:srgbClr val="ffffff"/>
+          <a:bodyPr lIns="0" tIns="0" rIns="0" bIns="0"/>
+          <a:lstStyle/>
+          <a:p>
+            <a:endParaRPr lang="en-GB" sz="3200" b="0" strike="noStrike" spc="-1">
+              <a:solidFill>
+                <a:srgbClr val="000000"/>
+              </a:solidFill>
+              <a:uFill>
+                <a:solidFill>
+                  <a:srgbClr val="FFFFFF"/>
                 </a:solidFill>
               </a:uFill>
               <a:latin typeface="Arial"/>
@@ -2363,11 +2642,14 @@
       </p:sp>
     </p:spTree>
   </p:cSld>
+  <p:clrMapOvr>
+    <a:masterClrMapping/>
+  </p:clrMapOvr>
 </p:sldLayout>
 </file>
 
 <file path=ppt/slideLayouts/slideLayout22.xml><?xml version="1.0" encoding="utf-8"?>
-<p:sldLayout xmlns:a="http://schemas.openxmlformats.org/drawingml/2006/main" xmlns:p="http://schemas.openxmlformats.org/presentationml/2006/main" xmlns:r="http://schemas.openxmlformats.org/officeDocument/2006/relationships" xmlns:p14="http://schemas.microsoft.com/office/powerpoint/2010/main" xmlns:p15="http://schemas.microsoft.com/office/powerpoint/2012/main" xmlns:mc="http://schemas.openxmlformats.org/markup-compatibility/2006" type="objOverTx" preserve="1">
+<p:sldLayout xmlns:a="http://schemas.openxmlformats.org/drawingml/2006/main" xmlns:r="http://schemas.openxmlformats.org/officeDocument/2006/relationships" xmlns:p="http://schemas.openxmlformats.org/presentationml/2006/main" type="objOverTx" preserve="1">
   <p:cSld name="Title, Content over Content">
     <p:spTree>
       <p:nvGrpSpPr>
@@ -2403,16 +2685,17 @@
           </a:prstGeom>
         </p:spPr>
         <p:txBody>
-          <a:bodyPr lIns="0" rIns="0" tIns="0" bIns="0" anchor="ctr"/>
+          <a:bodyPr lIns="0" tIns="0" rIns="0" bIns="0" anchor="ctr"/>
+          <a:lstStyle/>
           <a:p>
             <a:pPr algn="ctr"/>
-            <a:endParaRPr b="0" lang="en-GB" sz="4400" spc="-1" strike="noStrike">
-              <a:solidFill>
-                <a:srgbClr val="000000"/>
-              </a:solidFill>
-              <a:uFill>
-                <a:solidFill>
-                  <a:srgbClr val="ffffff"/>
+            <a:endParaRPr lang="en-GB" sz="4400" b="0" strike="noStrike" spc="-1">
+              <a:solidFill>
+                <a:srgbClr val="000000"/>
+              </a:solidFill>
+              <a:uFill>
+                <a:solidFill>
+                  <a:srgbClr val="FFFFFF"/>
                 </a:solidFill>
               </a:uFill>
               <a:latin typeface="Arial"/>
@@ -2440,15 +2723,16 @@
           </a:prstGeom>
         </p:spPr>
         <p:txBody>
-          <a:bodyPr lIns="0" rIns="0" tIns="0" bIns="0"/>
-          <a:p>
-            <a:endParaRPr b="0" lang="en-GB" sz="3200" spc="-1" strike="noStrike">
-              <a:solidFill>
-                <a:srgbClr val="000000"/>
-              </a:solidFill>
-              <a:uFill>
-                <a:solidFill>
-                  <a:srgbClr val="ffffff"/>
+          <a:bodyPr lIns="0" tIns="0" rIns="0" bIns="0"/>
+          <a:lstStyle/>
+          <a:p>
+            <a:endParaRPr lang="en-GB" sz="3200" b="0" strike="noStrike" spc="-1">
+              <a:solidFill>
+                <a:srgbClr val="000000"/>
+              </a:solidFill>
+              <a:uFill>
+                <a:solidFill>
+                  <a:srgbClr val="FFFFFF"/>
                 </a:solidFill>
               </a:uFill>
               <a:latin typeface="Arial"/>
@@ -2476,15 +2760,16 @@
           </a:prstGeom>
         </p:spPr>
         <p:txBody>
-          <a:bodyPr lIns="0" rIns="0" tIns="0" bIns="0"/>
-          <a:p>
-            <a:endParaRPr b="0" lang="en-GB" sz="3200" spc="-1" strike="noStrike">
-              <a:solidFill>
-                <a:srgbClr val="000000"/>
-              </a:solidFill>
-              <a:uFill>
-                <a:solidFill>
-                  <a:srgbClr val="ffffff"/>
+          <a:bodyPr lIns="0" tIns="0" rIns="0" bIns="0"/>
+          <a:lstStyle/>
+          <a:p>
+            <a:endParaRPr lang="en-GB" sz="3200" b="0" strike="noStrike" spc="-1">
+              <a:solidFill>
+                <a:srgbClr val="000000"/>
+              </a:solidFill>
+              <a:uFill>
+                <a:solidFill>
+                  <a:srgbClr val="FFFFFF"/>
                 </a:solidFill>
               </a:uFill>
               <a:latin typeface="Arial"/>
@@ -2494,11 +2779,14 @@
       </p:sp>
     </p:spTree>
   </p:cSld>
+  <p:clrMapOvr>
+    <a:masterClrMapping/>
+  </p:clrMapOvr>
 </p:sldLayout>
 </file>
 
 <file path=ppt/slideLayouts/slideLayout23.xml><?xml version="1.0" encoding="utf-8"?>
-<p:sldLayout xmlns:a="http://schemas.openxmlformats.org/drawingml/2006/main" xmlns:p="http://schemas.openxmlformats.org/presentationml/2006/main" xmlns:r="http://schemas.openxmlformats.org/officeDocument/2006/relationships" xmlns:p14="http://schemas.microsoft.com/office/powerpoint/2010/main" xmlns:p15="http://schemas.microsoft.com/office/powerpoint/2012/main" xmlns:mc="http://schemas.openxmlformats.org/markup-compatibility/2006" type="fourObj" preserve="1">
+<p:sldLayout xmlns:a="http://schemas.openxmlformats.org/drawingml/2006/main" xmlns:r="http://schemas.openxmlformats.org/officeDocument/2006/relationships" xmlns:p="http://schemas.openxmlformats.org/presentationml/2006/main" type="fourObj" preserve="1">
   <p:cSld name="Title, 4 Content">
     <p:spTree>
       <p:nvGrpSpPr>
@@ -2534,16 +2822,17 @@
           </a:prstGeom>
         </p:spPr>
         <p:txBody>
-          <a:bodyPr lIns="0" rIns="0" tIns="0" bIns="0" anchor="ctr"/>
+          <a:bodyPr lIns="0" tIns="0" rIns="0" bIns="0" anchor="ctr"/>
+          <a:lstStyle/>
           <a:p>
             <a:pPr algn="ctr"/>
-            <a:endParaRPr b="0" lang="en-GB" sz="4400" spc="-1" strike="noStrike">
-              <a:solidFill>
-                <a:srgbClr val="000000"/>
-              </a:solidFill>
-              <a:uFill>
-                <a:solidFill>
-                  <a:srgbClr val="ffffff"/>
+            <a:endParaRPr lang="en-GB" sz="4400" b="0" strike="noStrike" spc="-1">
+              <a:solidFill>
+                <a:srgbClr val="000000"/>
+              </a:solidFill>
+              <a:uFill>
+                <a:solidFill>
+                  <a:srgbClr val="FFFFFF"/>
                 </a:solidFill>
               </a:uFill>
               <a:latin typeface="Arial"/>
@@ -2571,15 +2860,16 @@
           </a:prstGeom>
         </p:spPr>
         <p:txBody>
-          <a:bodyPr lIns="0" rIns="0" tIns="0" bIns="0"/>
-          <a:p>
-            <a:endParaRPr b="0" lang="en-GB" sz="3200" spc="-1" strike="noStrike">
-              <a:solidFill>
-                <a:srgbClr val="000000"/>
-              </a:solidFill>
-              <a:uFill>
-                <a:solidFill>
-                  <a:srgbClr val="ffffff"/>
+          <a:bodyPr lIns="0" tIns="0" rIns="0" bIns="0"/>
+          <a:lstStyle/>
+          <a:p>
+            <a:endParaRPr lang="en-GB" sz="3200" b="0" strike="noStrike" spc="-1">
+              <a:solidFill>
+                <a:srgbClr val="000000"/>
+              </a:solidFill>
+              <a:uFill>
+                <a:solidFill>
+                  <a:srgbClr val="FFFFFF"/>
                 </a:solidFill>
               </a:uFill>
               <a:latin typeface="Arial"/>
@@ -2607,15 +2897,16 @@
           </a:prstGeom>
         </p:spPr>
         <p:txBody>
-          <a:bodyPr lIns="0" rIns="0" tIns="0" bIns="0"/>
-          <a:p>
-            <a:endParaRPr b="0" lang="en-GB" sz="3200" spc="-1" strike="noStrike">
-              <a:solidFill>
-                <a:srgbClr val="000000"/>
-              </a:solidFill>
-              <a:uFill>
-                <a:solidFill>
-                  <a:srgbClr val="ffffff"/>
+          <a:bodyPr lIns="0" tIns="0" rIns="0" bIns="0"/>
+          <a:lstStyle/>
+          <a:p>
+            <a:endParaRPr lang="en-GB" sz="3200" b="0" strike="noStrike" spc="-1">
+              <a:solidFill>
+                <a:srgbClr val="000000"/>
+              </a:solidFill>
+              <a:uFill>
+                <a:solidFill>
+                  <a:srgbClr val="FFFFFF"/>
                 </a:solidFill>
               </a:uFill>
               <a:latin typeface="Arial"/>
@@ -2643,15 +2934,16 @@
           </a:prstGeom>
         </p:spPr>
         <p:txBody>
-          <a:bodyPr lIns="0" rIns="0" tIns="0" bIns="0"/>
-          <a:p>
-            <a:endParaRPr b="0" lang="en-GB" sz="3200" spc="-1" strike="noStrike">
-              <a:solidFill>
-                <a:srgbClr val="000000"/>
-              </a:solidFill>
-              <a:uFill>
-                <a:solidFill>
-                  <a:srgbClr val="ffffff"/>
+          <a:bodyPr lIns="0" tIns="0" rIns="0" bIns="0"/>
+          <a:lstStyle/>
+          <a:p>
+            <a:endParaRPr lang="en-GB" sz="3200" b="0" strike="noStrike" spc="-1">
+              <a:solidFill>
+                <a:srgbClr val="000000"/>
+              </a:solidFill>
+              <a:uFill>
+                <a:solidFill>
+                  <a:srgbClr val="FFFFFF"/>
                 </a:solidFill>
               </a:uFill>
               <a:latin typeface="Arial"/>
@@ -2679,15 +2971,16 @@
           </a:prstGeom>
         </p:spPr>
         <p:txBody>
-          <a:bodyPr lIns="0" rIns="0" tIns="0" bIns="0"/>
-          <a:p>
-            <a:endParaRPr b="0" lang="en-GB" sz="3200" spc="-1" strike="noStrike">
-              <a:solidFill>
-                <a:srgbClr val="000000"/>
-              </a:solidFill>
-              <a:uFill>
-                <a:solidFill>
-                  <a:srgbClr val="ffffff"/>
+          <a:bodyPr lIns="0" tIns="0" rIns="0" bIns="0"/>
+          <a:lstStyle/>
+          <a:p>
+            <a:endParaRPr lang="en-GB" sz="3200" b="0" strike="noStrike" spc="-1">
+              <a:solidFill>
+                <a:srgbClr val="000000"/>
+              </a:solidFill>
+              <a:uFill>
+                <a:solidFill>
+                  <a:srgbClr val="FFFFFF"/>
                 </a:solidFill>
               </a:uFill>
               <a:latin typeface="Arial"/>
@@ -2697,11 +2990,14 @@
       </p:sp>
     </p:spTree>
   </p:cSld>
+  <p:clrMapOvr>
+    <a:masterClrMapping/>
+  </p:clrMapOvr>
 </p:sldLayout>
 </file>
 
 <file path=ppt/slideLayouts/slideLayout24.xml><?xml version="1.0" encoding="utf-8"?>
-<p:sldLayout xmlns:a="http://schemas.openxmlformats.org/drawingml/2006/main" xmlns:p="http://schemas.openxmlformats.org/presentationml/2006/main" xmlns:r="http://schemas.openxmlformats.org/officeDocument/2006/relationships" xmlns:p14="http://schemas.microsoft.com/office/powerpoint/2010/main" xmlns:p15="http://schemas.microsoft.com/office/powerpoint/2012/main" xmlns:mc="http://schemas.openxmlformats.org/markup-compatibility/2006" type="blank" preserve="1">
+<p:sldLayout xmlns:a="http://schemas.openxmlformats.org/drawingml/2006/main" xmlns:r="http://schemas.openxmlformats.org/officeDocument/2006/relationships" xmlns:p="http://schemas.openxmlformats.org/presentationml/2006/main" type="blank" preserve="1">
   <p:cSld name="Title, 6 Content">
     <p:spTree>
       <p:nvGrpSpPr>
@@ -2737,16 +3033,17 @@
           </a:prstGeom>
         </p:spPr>
         <p:txBody>
-          <a:bodyPr lIns="0" rIns="0" tIns="0" bIns="0" anchor="ctr"/>
+          <a:bodyPr lIns="0" tIns="0" rIns="0" bIns="0" anchor="ctr"/>
+          <a:lstStyle/>
           <a:p>
             <a:pPr algn="ctr"/>
-            <a:endParaRPr b="0" lang="en-GB" sz="4400" spc="-1" strike="noStrike">
-              <a:solidFill>
-                <a:srgbClr val="000000"/>
-              </a:solidFill>
-              <a:uFill>
-                <a:solidFill>
-                  <a:srgbClr val="ffffff"/>
+            <a:endParaRPr lang="en-GB" sz="4400" b="0" strike="noStrike" spc="-1">
+              <a:solidFill>
+                <a:srgbClr val="000000"/>
+              </a:solidFill>
+              <a:uFill>
+                <a:solidFill>
+                  <a:srgbClr val="FFFFFF"/>
                 </a:solidFill>
               </a:uFill>
               <a:latin typeface="Arial"/>
@@ -2774,15 +3071,16 @@
           </a:prstGeom>
         </p:spPr>
         <p:txBody>
-          <a:bodyPr lIns="0" rIns="0" tIns="0" bIns="0"/>
-          <a:p>
-            <a:endParaRPr b="0" lang="en-GB" sz="3200" spc="-1" strike="noStrike">
-              <a:solidFill>
-                <a:srgbClr val="000000"/>
-              </a:solidFill>
-              <a:uFill>
-                <a:solidFill>
-                  <a:srgbClr val="ffffff"/>
+          <a:bodyPr lIns="0" tIns="0" rIns="0" bIns="0"/>
+          <a:lstStyle/>
+          <a:p>
+            <a:endParaRPr lang="en-GB" sz="3200" b="0" strike="noStrike" spc="-1">
+              <a:solidFill>
+                <a:srgbClr val="000000"/>
+              </a:solidFill>
+              <a:uFill>
+                <a:solidFill>
+                  <a:srgbClr val="FFFFFF"/>
                 </a:solidFill>
               </a:uFill>
               <a:latin typeface="Arial"/>
@@ -2810,15 +3108,16 @@
           </a:prstGeom>
         </p:spPr>
         <p:txBody>
-          <a:bodyPr lIns="0" rIns="0" tIns="0" bIns="0"/>
-          <a:p>
-            <a:endParaRPr b="0" lang="en-GB" sz="3200" spc="-1" strike="noStrike">
-              <a:solidFill>
-                <a:srgbClr val="000000"/>
-              </a:solidFill>
-              <a:uFill>
-                <a:solidFill>
-                  <a:srgbClr val="ffffff"/>
+          <a:bodyPr lIns="0" tIns="0" rIns="0" bIns="0"/>
+          <a:lstStyle/>
+          <a:p>
+            <a:endParaRPr lang="en-GB" sz="3200" b="0" strike="noStrike" spc="-1">
+              <a:solidFill>
+                <a:srgbClr val="000000"/>
+              </a:solidFill>
+              <a:uFill>
+                <a:solidFill>
+                  <a:srgbClr val="FFFFFF"/>
                 </a:solidFill>
               </a:uFill>
               <a:latin typeface="Arial"/>
@@ -2828,7 +3127,7 @@
       </p:sp>
       <p:pic>
         <p:nvPicPr>
-          <p:cNvPr id="70" name="" descr=""/>
+          <p:cNvPr id="70" name="Picture 69"/>
           <p:cNvPicPr/>
           <p:nvPr/>
         </p:nvPicPr>
@@ -2851,12 +3150,12 @@
       </p:pic>
       <p:pic>
         <p:nvPicPr>
-          <p:cNvPr id="71" name="" descr=""/>
+          <p:cNvPr id="71" name="Picture 70"/>
           <p:cNvPicPr/>
           <p:nvPr/>
         </p:nvPicPr>
         <p:blipFill>
-          <a:blip r:embed="rId3"/>
+          <a:blip r:embed="rId2"/>
           <a:stretch/>
         </p:blipFill>
         <p:spPr>
@@ -2874,11 +3173,14 @@
       </p:pic>
     </p:spTree>
   </p:cSld>
+  <p:clrMapOvr>
+    <a:masterClrMapping/>
+  </p:clrMapOvr>
 </p:sldLayout>
 </file>
 
 <file path=ppt/slideLayouts/slideLayout3.xml><?xml version="1.0" encoding="utf-8"?>
-<p:sldLayout xmlns:a="http://schemas.openxmlformats.org/drawingml/2006/main" xmlns:p="http://schemas.openxmlformats.org/presentationml/2006/main" xmlns:r="http://schemas.openxmlformats.org/officeDocument/2006/relationships" xmlns:p14="http://schemas.microsoft.com/office/powerpoint/2010/main" xmlns:p15="http://schemas.microsoft.com/office/powerpoint/2012/main" xmlns:mc="http://schemas.openxmlformats.org/markup-compatibility/2006" type="obj" preserve="1">
+<p:sldLayout xmlns:a="http://schemas.openxmlformats.org/drawingml/2006/main" xmlns:r="http://schemas.openxmlformats.org/officeDocument/2006/relationships" xmlns:p="http://schemas.openxmlformats.org/presentationml/2006/main" type="obj" preserve="1">
   <p:cSld name="Title, Content">
     <p:spTree>
       <p:nvGrpSpPr>
@@ -2914,16 +3216,17 @@
           </a:prstGeom>
         </p:spPr>
         <p:txBody>
-          <a:bodyPr lIns="0" rIns="0" tIns="0" bIns="0" anchor="ctr"/>
+          <a:bodyPr lIns="0" tIns="0" rIns="0" bIns="0" anchor="ctr"/>
+          <a:lstStyle/>
           <a:p>
             <a:pPr algn="ctr"/>
-            <a:endParaRPr b="0" lang="en-GB" sz="4400" spc="-1" strike="noStrike">
-              <a:solidFill>
-                <a:srgbClr val="000000"/>
-              </a:solidFill>
-              <a:uFill>
-                <a:solidFill>
-                  <a:srgbClr val="ffffff"/>
+            <a:endParaRPr lang="en-GB" sz="4400" b="0" strike="noStrike" spc="-1">
+              <a:solidFill>
+                <a:srgbClr val="000000"/>
+              </a:solidFill>
+              <a:uFill>
+                <a:solidFill>
+                  <a:srgbClr val="FFFFFF"/>
                 </a:solidFill>
               </a:uFill>
               <a:latin typeface="Arial"/>
@@ -2951,15 +3254,16 @@
           </a:prstGeom>
         </p:spPr>
         <p:txBody>
-          <a:bodyPr lIns="0" rIns="0" tIns="0" bIns="0"/>
-          <a:p>
-            <a:endParaRPr b="0" lang="en-GB" sz="3200" spc="-1" strike="noStrike">
-              <a:solidFill>
-                <a:srgbClr val="000000"/>
-              </a:solidFill>
-              <a:uFill>
-                <a:solidFill>
-                  <a:srgbClr val="ffffff"/>
+          <a:bodyPr lIns="0" tIns="0" rIns="0" bIns="0"/>
+          <a:lstStyle/>
+          <a:p>
+            <a:endParaRPr lang="en-GB" sz="3200" b="0" strike="noStrike" spc="-1">
+              <a:solidFill>
+                <a:srgbClr val="000000"/>
+              </a:solidFill>
+              <a:uFill>
+                <a:solidFill>
+                  <a:srgbClr val="FFFFFF"/>
                 </a:solidFill>
               </a:uFill>
               <a:latin typeface="Arial"/>
@@ -2969,11 +3273,14 @@
       </p:sp>
     </p:spTree>
   </p:cSld>
+  <p:clrMapOvr>
+    <a:masterClrMapping/>
+  </p:clrMapOvr>
 </p:sldLayout>
 </file>
 
 <file path=ppt/slideLayouts/slideLayout4.xml><?xml version="1.0" encoding="utf-8"?>
-<p:sldLayout xmlns:a="http://schemas.openxmlformats.org/drawingml/2006/main" xmlns:p="http://schemas.openxmlformats.org/presentationml/2006/main" xmlns:r="http://schemas.openxmlformats.org/officeDocument/2006/relationships" xmlns:p14="http://schemas.microsoft.com/office/powerpoint/2010/main" xmlns:p15="http://schemas.microsoft.com/office/powerpoint/2012/main" xmlns:mc="http://schemas.openxmlformats.org/markup-compatibility/2006" type="twoObj" preserve="1">
+<p:sldLayout xmlns:a="http://schemas.openxmlformats.org/drawingml/2006/main" xmlns:r="http://schemas.openxmlformats.org/officeDocument/2006/relationships" xmlns:p="http://schemas.openxmlformats.org/presentationml/2006/main" type="twoObj" preserve="1">
   <p:cSld name="Title, 2 Content">
     <p:spTree>
       <p:nvGrpSpPr>
@@ -3009,16 +3316,17 @@
           </a:prstGeom>
         </p:spPr>
         <p:txBody>
-          <a:bodyPr lIns="0" rIns="0" tIns="0" bIns="0" anchor="ctr"/>
+          <a:bodyPr lIns="0" tIns="0" rIns="0" bIns="0" anchor="ctr"/>
+          <a:lstStyle/>
           <a:p>
             <a:pPr algn="ctr"/>
-            <a:endParaRPr b="0" lang="en-GB" sz="4400" spc="-1" strike="noStrike">
-              <a:solidFill>
-                <a:srgbClr val="000000"/>
-              </a:solidFill>
-              <a:uFill>
-                <a:solidFill>
-                  <a:srgbClr val="ffffff"/>
+            <a:endParaRPr lang="en-GB" sz="4400" b="0" strike="noStrike" spc="-1">
+              <a:solidFill>
+                <a:srgbClr val="000000"/>
+              </a:solidFill>
+              <a:uFill>
+                <a:solidFill>
+                  <a:srgbClr val="FFFFFF"/>
                 </a:solidFill>
               </a:uFill>
               <a:latin typeface="Arial"/>
@@ -3046,15 +3354,16 @@
           </a:prstGeom>
         </p:spPr>
         <p:txBody>
-          <a:bodyPr lIns="0" rIns="0" tIns="0" bIns="0"/>
-          <a:p>
-            <a:endParaRPr b="0" lang="en-GB" sz="3200" spc="-1" strike="noStrike">
-              <a:solidFill>
-                <a:srgbClr val="000000"/>
-              </a:solidFill>
-              <a:uFill>
-                <a:solidFill>
-                  <a:srgbClr val="ffffff"/>
+          <a:bodyPr lIns="0" tIns="0" rIns="0" bIns="0"/>
+          <a:lstStyle/>
+          <a:p>
+            <a:endParaRPr lang="en-GB" sz="3200" b="0" strike="noStrike" spc="-1">
+              <a:solidFill>
+                <a:srgbClr val="000000"/>
+              </a:solidFill>
+              <a:uFill>
+                <a:solidFill>
+                  <a:srgbClr val="FFFFFF"/>
                 </a:solidFill>
               </a:uFill>
               <a:latin typeface="Arial"/>
@@ -3082,15 +3391,16 @@
           </a:prstGeom>
         </p:spPr>
         <p:txBody>
-          <a:bodyPr lIns="0" rIns="0" tIns="0" bIns="0"/>
-          <a:p>
-            <a:endParaRPr b="0" lang="en-GB" sz="3200" spc="-1" strike="noStrike">
-              <a:solidFill>
-                <a:srgbClr val="000000"/>
-              </a:solidFill>
-              <a:uFill>
-                <a:solidFill>
-                  <a:srgbClr val="ffffff"/>
+          <a:bodyPr lIns="0" tIns="0" rIns="0" bIns="0"/>
+          <a:lstStyle/>
+          <a:p>
+            <a:endParaRPr lang="en-GB" sz="3200" b="0" strike="noStrike" spc="-1">
+              <a:solidFill>
+                <a:srgbClr val="000000"/>
+              </a:solidFill>
+              <a:uFill>
+                <a:solidFill>
+                  <a:srgbClr val="FFFFFF"/>
                 </a:solidFill>
               </a:uFill>
               <a:latin typeface="Arial"/>
@@ -3100,11 +3410,14 @@
       </p:sp>
     </p:spTree>
   </p:cSld>
+  <p:clrMapOvr>
+    <a:masterClrMapping/>
+  </p:clrMapOvr>
 </p:sldLayout>
 </file>
 
 <file path=ppt/slideLayouts/slideLayout5.xml><?xml version="1.0" encoding="utf-8"?>
-<p:sldLayout xmlns:a="http://schemas.openxmlformats.org/drawingml/2006/main" xmlns:p="http://schemas.openxmlformats.org/presentationml/2006/main" xmlns:r="http://schemas.openxmlformats.org/officeDocument/2006/relationships" xmlns:p14="http://schemas.microsoft.com/office/powerpoint/2010/main" xmlns:p15="http://schemas.microsoft.com/office/powerpoint/2012/main" xmlns:mc="http://schemas.openxmlformats.org/markup-compatibility/2006" type="titleOnly" preserve="1">
+<p:sldLayout xmlns:a="http://schemas.openxmlformats.org/drawingml/2006/main" xmlns:r="http://schemas.openxmlformats.org/officeDocument/2006/relationships" xmlns:p="http://schemas.openxmlformats.org/presentationml/2006/main" type="titleOnly" preserve="1">
   <p:cSld name="Title Only">
     <p:spTree>
       <p:nvGrpSpPr>
@@ -3140,16 +3453,17 @@
           </a:prstGeom>
         </p:spPr>
         <p:txBody>
-          <a:bodyPr lIns="0" rIns="0" tIns="0" bIns="0" anchor="ctr"/>
+          <a:bodyPr lIns="0" tIns="0" rIns="0" bIns="0" anchor="ctr"/>
+          <a:lstStyle/>
           <a:p>
             <a:pPr algn="ctr"/>
-            <a:endParaRPr b="0" lang="en-GB" sz="4400" spc="-1" strike="noStrike">
-              <a:solidFill>
-                <a:srgbClr val="000000"/>
-              </a:solidFill>
-              <a:uFill>
-                <a:solidFill>
-                  <a:srgbClr val="ffffff"/>
+            <a:endParaRPr lang="en-GB" sz="4400" b="0" strike="noStrike" spc="-1">
+              <a:solidFill>
+                <a:srgbClr val="000000"/>
+              </a:solidFill>
+              <a:uFill>
+                <a:solidFill>
+                  <a:srgbClr val="FFFFFF"/>
                 </a:solidFill>
               </a:uFill>
               <a:latin typeface="Arial"/>
@@ -3159,11 +3473,14 @@
       </p:sp>
     </p:spTree>
   </p:cSld>
+  <p:clrMapOvr>
+    <a:masterClrMapping/>
+  </p:clrMapOvr>
 </p:sldLayout>
 </file>
 
 <file path=ppt/slideLayouts/slideLayout6.xml><?xml version="1.0" encoding="utf-8"?>
-<p:sldLayout xmlns:a="http://schemas.openxmlformats.org/drawingml/2006/main" xmlns:p="http://schemas.openxmlformats.org/presentationml/2006/main" xmlns:r="http://schemas.openxmlformats.org/officeDocument/2006/relationships" xmlns:p14="http://schemas.microsoft.com/office/powerpoint/2010/main" xmlns:p15="http://schemas.microsoft.com/office/powerpoint/2012/main" xmlns:mc="http://schemas.openxmlformats.org/markup-compatibility/2006" type="objOnly" preserve="1">
+<p:sldLayout xmlns:a="http://schemas.openxmlformats.org/drawingml/2006/main" xmlns:r="http://schemas.openxmlformats.org/officeDocument/2006/relationships" xmlns:p="http://schemas.openxmlformats.org/presentationml/2006/main" type="objOnly" preserve="1">
   <p:cSld name="Centered Text">
     <p:spTree>
       <p:nvGrpSpPr>
@@ -3199,16 +3516,17 @@
           </a:prstGeom>
         </p:spPr>
         <p:txBody>
-          <a:bodyPr lIns="0" rIns="0" tIns="0" bIns="0" anchor="ctr"/>
+          <a:bodyPr lIns="0" tIns="0" rIns="0" bIns="0" anchor="ctr"/>
+          <a:lstStyle/>
           <a:p>
             <a:pPr algn="ctr"/>
-            <a:endParaRPr b="0" lang="en-GB" sz="3200" spc="-1" strike="noStrike">
-              <a:solidFill>
-                <a:srgbClr val="000000"/>
-              </a:solidFill>
-              <a:uFill>
-                <a:solidFill>
-                  <a:srgbClr val="ffffff"/>
+            <a:endParaRPr lang="en-GB" sz="3200" b="0" strike="noStrike" spc="-1">
+              <a:solidFill>
+                <a:srgbClr val="000000"/>
+              </a:solidFill>
+              <a:uFill>
+                <a:solidFill>
+                  <a:srgbClr val="FFFFFF"/>
                 </a:solidFill>
               </a:uFill>
               <a:latin typeface="Arial"/>
@@ -3218,11 +3536,14 @@
       </p:sp>
     </p:spTree>
   </p:cSld>
+  <p:clrMapOvr>
+    <a:masterClrMapping/>
+  </p:clrMapOvr>
 </p:sldLayout>
 </file>
 
 <file path=ppt/slideLayouts/slideLayout7.xml><?xml version="1.0" encoding="utf-8"?>
-<p:sldLayout xmlns:a="http://schemas.openxmlformats.org/drawingml/2006/main" xmlns:p="http://schemas.openxmlformats.org/presentationml/2006/main" xmlns:r="http://schemas.openxmlformats.org/officeDocument/2006/relationships" xmlns:p14="http://schemas.microsoft.com/office/powerpoint/2010/main" xmlns:p15="http://schemas.microsoft.com/office/powerpoint/2012/main" xmlns:mc="http://schemas.openxmlformats.org/markup-compatibility/2006" type="twoObjAndObj" preserve="1">
+<p:sldLayout xmlns:a="http://schemas.openxmlformats.org/drawingml/2006/main" xmlns:r="http://schemas.openxmlformats.org/officeDocument/2006/relationships" xmlns:p="http://schemas.openxmlformats.org/presentationml/2006/main" type="twoObjAndObj" preserve="1">
   <p:cSld name="Title, 2 Content and Content">
     <p:spTree>
       <p:nvGrpSpPr>
@@ -3258,16 +3579,17 @@
           </a:prstGeom>
         </p:spPr>
         <p:txBody>
-          <a:bodyPr lIns="0" rIns="0" tIns="0" bIns="0" anchor="ctr"/>
+          <a:bodyPr lIns="0" tIns="0" rIns="0" bIns="0" anchor="ctr"/>
+          <a:lstStyle/>
           <a:p>
             <a:pPr algn="ctr"/>
-            <a:endParaRPr b="0" lang="en-GB" sz="4400" spc="-1" strike="noStrike">
-              <a:solidFill>
-                <a:srgbClr val="000000"/>
-              </a:solidFill>
-              <a:uFill>
-                <a:solidFill>
-                  <a:srgbClr val="ffffff"/>
+            <a:endParaRPr lang="en-GB" sz="4400" b="0" strike="noStrike" spc="-1">
+              <a:solidFill>
+                <a:srgbClr val="000000"/>
+              </a:solidFill>
+              <a:uFill>
+                <a:solidFill>
+                  <a:srgbClr val="FFFFFF"/>
                 </a:solidFill>
               </a:uFill>
               <a:latin typeface="Arial"/>
@@ -3295,15 +3617,16 @@
           </a:prstGeom>
         </p:spPr>
         <p:txBody>
-          <a:bodyPr lIns="0" rIns="0" tIns="0" bIns="0"/>
-          <a:p>
-            <a:endParaRPr b="0" lang="en-GB" sz="3200" spc="-1" strike="noStrike">
-              <a:solidFill>
-                <a:srgbClr val="000000"/>
-              </a:solidFill>
-              <a:uFill>
-                <a:solidFill>
-                  <a:srgbClr val="ffffff"/>
+          <a:bodyPr lIns="0" tIns="0" rIns="0" bIns="0"/>
+          <a:lstStyle/>
+          <a:p>
+            <a:endParaRPr lang="en-GB" sz="3200" b="0" strike="noStrike" spc="-1">
+              <a:solidFill>
+                <a:srgbClr val="000000"/>
+              </a:solidFill>
+              <a:uFill>
+                <a:solidFill>
+                  <a:srgbClr val="FFFFFF"/>
                 </a:solidFill>
               </a:uFill>
               <a:latin typeface="Arial"/>
@@ -3331,15 +3654,16 @@
           </a:prstGeom>
         </p:spPr>
         <p:txBody>
-          <a:bodyPr lIns="0" rIns="0" tIns="0" bIns="0"/>
-          <a:p>
-            <a:endParaRPr b="0" lang="en-GB" sz="3200" spc="-1" strike="noStrike">
-              <a:solidFill>
-                <a:srgbClr val="000000"/>
-              </a:solidFill>
-              <a:uFill>
-                <a:solidFill>
-                  <a:srgbClr val="ffffff"/>
+          <a:bodyPr lIns="0" tIns="0" rIns="0" bIns="0"/>
+          <a:lstStyle/>
+          <a:p>
+            <a:endParaRPr lang="en-GB" sz="3200" b="0" strike="noStrike" spc="-1">
+              <a:solidFill>
+                <a:srgbClr val="000000"/>
+              </a:solidFill>
+              <a:uFill>
+                <a:solidFill>
+                  <a:srgbClr val="FFFFFF"/>
                 </a:solidFill>
               </a:uFill>
               <a:latin typeface="Arial"/>
@@ -3367,15 +3691,16 @@
           </a:prstGeom>
         </p:spPr>
         <p:txBody>
-          <a:bodyPr lIns="0" rIns="0" tIns="0" bIns="0"/>
-          <a:p>
-            <a:endParaRPr b="0" lang="en-GB" sz="3200" spc="-1" strike="noStrike">
-              <a:solidFill>
-                <a:srgbClr val="000000"/>
-              </a:solidFill>
-              <a:uFill>
-                <a:solidFill>
-                  <a:srgbClr val="ffffff"/>
+          <a:bodyPr lIns="0" tIns="0" rIns="0" bIns="0"/>
+          <a:lstStyle/>
+          <a:p>
+            <a:endParaRPr lang="en-GB" sz="3200" b="0" strike="noStrike" spc="-1">
+              <a:solidFill>
+                <a:srgbClr val="000000"/>
+              </a:solidFill>
+              <a:uFill>
+                <a:solidFill>
+                  <a:srgbClr val="FFFFFF"/>
                 </a:solidFill>
               </a:uFill>
               <a:latin typeface="Arial"/>
@@ -3385,11 +3710,14 @@
       </p:sp>
     </p:spTree>
   </p:cSld>
+  <p:clrMapOvr>
+    <a:masterClrMapping/>
+  </p:clrMapOvr>
 </p:sldLayout>
 </file>
 
 <file path=ppt/slideLayouts/slideLayout8.xml><?xml version="1.0" encoding="utf-8"?>
-<p:sldLayout xmlns:a="http://schemas.openxmlformats.org/drawingml/2006/main" xmlns:p="http://schemas.openxmlformats.org/presentationml/2006/main" xmlns:r="http://schemas.openxmlformats.org/officeDocument/2006/relationships" xmlns:p14="http://schemas.microsoft.com/office/powerpoint/2010/main" xmlns:p15="http://schemas.microsoft.com/office/powerpoint/2012/main" xmlns:mc="http://schemas.openxmlformats.org/markup-compatibility/2006" type="objAndTwoObj" preserve="1">
+<p:sldLayout xmlns:a="http://schemas.openxmlformats.org/drawingml/2006/main" xmlns:r="http://schemas.openxmlformats.org/officeDocument/2006/relationships" xmlns:p="http://schemas.openxmlformats.org/presentationml/2006/main" type="objAndTwoObj" preserve="1">
   <p:cSld name="Title Content and 2 Content">
     <p:spTree>
       <p:nvGrpSpPr>
@@ -3425,16 +3753,17 @@
           </a:prstGeom>
         </p:spPr>
         <p:txBody>
-          <a:bodyPr lIns="0" rIns="0" tIns="0" bIns="0" anchor="ctr"/>
+          <a:bodyPr lIns="0" tIns="0" rIns="0" bIns="0" anchor="ctr"/>
+          <a:lstStyle/>
           <a:p>
             <a:pPr algn="ctr"/>
-            <a:endParaRPr b="0" lang="en-GB" sz="4400" spc="-1" strike="noStrike">
-              <a:solidFill>
-                <a:srgbClr val="000000"/>
-              </a:solidFill>
-              <a:uFill>
-                <a:solidFill>
-                  <a:srgbClr val="ffffff"/>
+            <a:endParaRPr lang="en-GB" sz="4400" b="0" strike="noStrike" spc="-1">
+              <a:solidFill>
+                <a:srgbClr val="000000"/>
+              </a:solidFill>
+              <a:uFill>
+                <a:solidFill>
+                  <a:srgbClr val="FFFFFF"/>
                 </a:solidFill>
               </a:uFill>
               <a:latin typeface="Arial"/>
@@ -3462,15 +3791,16 @@
           </a:prstGeom>
         </p:spPr>
         <p:txBody>
-          <a:bodyPr lIns="0" rIns="0" tIns="0" bIns="0"/>
-          <a:p>
-            <a:endParaRPr b="0" lang="en-GB" sz="3200" spc="-1" strike="noStrike">
-              <a:solidFill>
-                <a:srgbClr val="000000"/>
-              </a:solidFill>
-              <a:uFill>
-                <a:solidFill>
-                  <a:srgbClr val="ffffff"/>
+          <a:bodyPr lIns="0" tIns="0" rIns="0" bIns="0"/>
+          <a:lstStyle/>
+          <a:p>
+            <a:endParaRPr lang="en-GB" sz="3200" b="0" strike="noStrike" spc="-1">
+              <a:solidFill>
+                <a:srgbClr val="000000"/>
+              </a:solidFill>
+              <a:uFill>
+                <a:solidFill>
+                  <a:srgbClr val="FFFFFF"/>
                 </a:solidFill>
               </a:uFill>
               <a:latin typeface="Arial"/>
@@ -3498,15 +3828,16 @@
           </a:prstGeom>
         </p:spPr>
         <p:txBody>
-          <a:bodyPr lIns="0" rIns="0" tIns="0" bIns="0"/>
-          <a:p>
-            <a:endParaRPr b="0" lang="en-GB" sz="3200" spc="-1" strike="noStrike">
-              <a:solidFill>
-                <a:srgbClr val="000000"/>
-              </a:solidFill>
-              <a:uFill>
-                <a:solidFill>
-                  <a:srgbClr val="ffffff"/>
+          <a:bodyPr lIns="0" tIns="0" rIns="0" bIns="0"/>
+          <a:lstStyle/>
+          <a:p>
+            <a:endParaRPr lang="en-GB" sz="3200" b="0" strike="noStrike" spc="-1">
+              <a:solidFill>
+                <a:srgbClr val="000000"/>
+              </a:solidFill>
+              <a:uFill>
+                <a:solidFill>
+                  <a:srgbClr val="FFFFFF"/>
                 </a:solidFill>
               </a:uFill>
               <a:latin typeface="Arial"/>
@@ -3534,15 +3865,16 @@
           </a:prstGeom>
         </p:spPr>
         <p:txBody>
-          <a:bodyPr lIns="0" rIns="0" tIns="0" bIns="0"/>
-          <a:p>
-            <a:endParaRPr b="0" lang="en-GB" sz="3200" spc="-1" strike="noStrike">
-              <a:solidFill>
-                <a:srgbClr val="000000"/>
-              </a:solidFill>
-              <a:uFill>
-                <a:solidFill>
-                  <a:srgbClr val="ffffff"/>
+          <a:bodyPr lIns="0" tIns="0" rIns="0" bIns="0"/>
+          <a:lstStyle/>
+          <a:p>
+            <a:endParaRPr lang="en-GB" sz="3200" b="0" strike="noStrike" spc="-1">
+              <a:solidFill>
+                <a:srgbClr val="000000"/>
+              </a:solidFill>
+              <a:uFill>
+                <a:solidFill>
+                  <a:srgbClr val="FFFFFF"/>
                 </a:solidFill>
               </a:uFill>
               <a:latin typeface="Arial"/>
@@ -3552,11 +3884,14 @@
       </p:sp>
     </p:spTree>
   </p:cSld>
+  <p:clrMapOvr>
+    <a:masterClrMapping/>
+  </p:clrMapOvr>
 </p:sldLayout>
 </file>
 
 <file path=ppt/slideLayouts/slideLayout9.xml><?xml version="1.0" encoding="utf-8"?>
-<p:sldLayout xmlns:a="http://schemas.openxmlformats.org/drawingml/2006/main" xmlns:p="http://schemas.openxmlformats.org/presentationml/2006/main" xmlns:r="http://schemas.openxmlformats.org/officeDocument/2006/relationships" xmlns:p14="http://schemas.microsoft.com/office/powerpoint/2010/main" xmlns:p15="http://schemas.microsoft.com/office/powerpoint/2012/main" xmlns:mc="http://schemas.openxmlformats.org/markup-compatibility/2006" type="twoObjOverTx" preserve="1">
+<p:sldLayout xmlns:a="http://schemas.openxmlformats.org/drawingml/2006/main" xmlns:r="http://schemas.openxmlformats.org/officeDocument/2006/relationships" xmlns:p="http://schemas.openxmlformats.org/presentationml/2006/main" type="twoObjOverTx" preserve="1">
   <p:cSld name="Title, 2 Content over Content">
     <p:spTree>
       <p:nvGrpSpPr>
@@ -3592,16 +3927,17 @@
           </a:prstGeom>
         </p:spPr>
         <p:txBody>
-          <a:bodyPr lIns="0" rIns="0" tIns="0" bIns="0" anchor="ctr"/>
+          <a:bodyPr lIns="0" tIns="0" rIns="0" bIns="0" anchor="ctr"/>
+          <a:lstStyle/>
           <a:p>
             <a:pPr algn="ctr"/>
-            <a:endParaRPr b="0" lang="en-GB" sz="4400" spc="-1" strike="noStrike">
-              <a:solidFill>
-                <a:srgbClr val="000000"/>
-              </a:solidFill>
-              <a:uFill>
-                <a:solidFill>
-                  <a:srgbClr val="ffffff"/>
+            <a:endParaRPr lang="en-GB" sz="4400" b="0" strike="noStrike" spc="-1">
+              <a:solidFill>
+                <a:srgbClr val="000000"/>
+              </a:solidFill>
+              <a:uFill>
+                <a:solidFill>
+                  <a:srgbClr val="FFFFFF"/>
                 </a:solidFill>
               </a:uFill>
               <a:latin typeface="Arial"/>
@@ -3629,15 +3965,16 @@
           </a:prstGeom>
         </p:spPr>
         <p:txBody>
-          <a:bodyPr lIns="0" rIns="0" tIns="0" bIns="0"/>
-          <a:p>
-            <a:endParaRPr b="0" lang="en-GB" sz="3200" spc="-1" strike="noStrike">
-              <a:solidFill>
-                <a:srgbClr val="000000"/>
-              </a:solidFill>
-              <a:uFill>
-                <a:solidFill>
-                  <a:srgbClr val="ffffff"/>
+          <a:bodyPr lIns="0" tIns="0" rIns="0" bIns="0"/>
+          <a:lstStyle/>
+          <a:p>
+            <a:endParaRPr lang="en-GB" sz="3200" b="0" strike="noStrike" spc="-1">
+              <a:solidFill>
+                <a:srgbClr val="000000"/>
+              </a:solidFill>
+              <a:uFill>
+                <a:solidFill>
+                  <a:srgbClr val="FFFFFF"/>
                 </a:solidFill>
               </a:uFill>
               <a:latin typeface="Arial"/>
@@ -3665,15 +4002,16 @@
           </a:prstGeom>
         </p:spPr>
         <p:txBody>
-          <a:bodyPr lIns="0" rIns="0" tIns="0" bIns="0"/>
-          <a:p>
-            <a:endParaRPr b="0" lang="en-GB" sz="3200" spc="-1" strike="noStrike">
-              <a:solidFill>
-                <a:srgbClr val="000000"/>
-              </a:solidFill>
-              <a:uFill>
-                <a:solidFill>
-                  <a:srgbClr val="ffffff"/>
+          <a:bodyPr lIns="0" tIns="0" rIns="0" bIns="0"/>
+          <a:lstStyle/>
+          <a:p>
+            <a:endParaRPr lang="en-GB" sz="3200" b="0" strike="noStrike" spc="-1">
+              <a:solidFill>
+                <a:srgbClr val="000000"/>
+              </a:solidFill>
+              <a:uFill>
+                <a:solidFill>
+                  <a:srgbClr val="FFFFFF"/>
                 </a:solidFill>
               </a:uFill>
               <a:latin typeface="Arial"/>
@@ -3701,15 +4039,16 @@
           </a:prstGeom>
         </p:spPr>
         <p:txBody>
-          <a:bodyPr lIns="0" rIns="0" tIns="0" bIns="0"/>
-          <a:p>
-            <a:endParaRPr b="0" lang="en-GB" sz="3200" spc="-1" strike="noStrike">
-              <a:solidFill>
-                <a:srgbClr val="000000"/>
-              </a:solidFill>
-              <a:uFill>
-                <a:solidFill>
-                  <a:srgbClr val="ffffff"/>
+          <a:bodyPr lIns="0" tIns="0" rIns="0" bIns="0"/>
+          <a:lstStyle/>
+          <a:p>
+            <a:endParaRPr lang="en-GB" sz="3200" b="0" strike="noStrike" spc="-1">
+              <a:solidFill>
+                <a:srgbClr val="000000"/>
+              </a:solidFill>
+              <a:uFill>
+                <a:solidFill>
+                  <a:srgbClr val="FFFFFF"/>
                 </a:solidFill>
               </a:uFill>
               <a:latin typeface="Arial"/>
@@ -3719,17 +4058,21 @@
       </p:sp>
     </p:spTree>
   </p:cSld>
+  <p:clrMapOvr>
+    <a:masterClrMapping/>
+  </p:clrMapOvr>
 </p:sldLayout>
 </file>
 
 <file path=ppt/slideMasters/slideMaster1.xml><?xml version="1.0" encoding="utf-8"?>
-<p:sldMaster xmlns:a="http://schemas.openxmlformats.org/drawingml/2006/main" xmlns:p="http://schemas.openxmlformats.org/presentationml/2006/main" xmlns:r="http://schemas.openxmlformats.org/officeDocument/2006/relationships" xmlns:p14="http://schemas.microsoft.com/office/powerpoint/2010/main" xmlns:p15="http://schemas.microsoft.com/office/powerpoint/2012/main" xmlns:mc="http://schemas.openxmlformats.org/markup-compatibility/2006">
+<p:sldMaster xmlns:a="http://schemas.openxmlformats.org/drawingml/2006/main" xmlns:r="http://schemas.openxmlformats.org/officeDocument/2006/relationships" xmlns:p="http://schemas.openxmlformats.org/presentationml/2006/main">
   <p:cSld>
     <p:bg>
       <p:bgPr>
         <a:solidFill>
-          <a:srgbClr val="ffffff"/>
+          <a:srgbClr val="FFFFFF"/>
         </a:solidFill>
+        <a:effectLst/>
       </p:bgPr>
     </p:bg>
     <p:spTree>
@@ -3748,7 +4091,7 @@
       </p:grpSpPr>
       <p:sp>
         <p:nvSpPr>
-          <p:cNvPr id="0" name="PlaceHolder 1"/>
+          <p:cNvPr id="2" name="PlaceHolder 1"/>
           <p:cNvSpPr>
             <a:spLocks noGrp="1"/>
           </p:cNvSpPr>
@@ -3766,40 +4109,30 @@
           </a:prstGeom>
         </p:spPr>
         <p:txBody>
-          <a:bodyPr lIns="0" rIns="0" tIns="0" bIns="0" anchor="ctr"/>
+          <a:bodyPr lIns="0" tIns="0" rIns="0" bIns="0" anchor="ctr"/>
+          <a:lstStyle/>
           <a:p>
             <a:pPr algn="ctr"/>
             <a:r>
-              <a:rPr b="0" lang="en-GB" sz="4400" spc="-1" strike="noStrike">
+              <a:rPr lang="en-GB" sz="4400" b="0" strike="noStrike" spc="-1">
                 <a:solidFill>
                   <a:srgbClr val="000000"/>
                 </a:solidFill>
                 <a:uFill>
                   <a:solidFill>
-                    <a:srgbClr val="ffffff"/>
+                    <a:srgbClr val="FFFFFF"/>
                   </a:solidFill>
                 </a:uFill>
                 <a:latin typeface="Arial"/>
               </a:rPr>
               <a:t>Click to edit the title text format</a:t>
             </a:r>
-            <a:endParaRPr b="0" lang="en-GB" sz="4400" spc="-1" strike="noStrike">
-              <a:solidFill>
-                <a:srgbClr val="000000"/>
-              </a:solidFill>
-              <a:uFill>
-                <a:solidFill>
-                  <a:srgbClr val="ffffff"/>
-                </a:solidFill>
-              </a:uFill>
-              <a:latin typeface="Arial"/>
-            </a:endParaRPr>
-          </a:p>
-        </p:txBody>
-      </p:sp>
-      <p:sp>
-        <p:nvSpPr>
-          <p:cNvPr id="1" name="PlaceHolder 2"/>
+          </a:p>
+        </p:txBody>
+      </p:sp>
+      <p:sp>
+        <p:nvSpPr>
+          <p:cNvPr id="3" name="PlaceHolder 2"/>
           <p:cNvSpPr>
             <a:spLocks noGrp="1"/>
           </p:cNvSpPr>
@@ -3817,7 +4150,8 @@
           </a:prstGeom>
         </p:spPr>
         <p:txBody>
-          <a:bodyPr lIns="0" rIns="0" tIns="0" bIns="0"/>
+          <a:bodyPr lIns="0" tIns="0" rIns="0" bIns="0"/>
+          <a:lstStyle/>
           <a:p>
             <a:pPr marL="432000" indent="-324000">
               <a:buClr>
@@ -3828,33 +4162,22 @@
               <a:buChar char=""/>
             </a:pPr>
             <a:r>
-              <a:rPr b="0" lang="en-GB" sz="3200" spc="-1" strike="noStrike">
+              <a:rPr lang="en-GB" sz="3200" b="0" strike="noStrike" spc="-1">
                 <a:solidFill>
                   <a:srgbClr val="000000"/>
                 </a:solidFill>
                 <a:uFill>
                   <a:solidFill>
-                    <a:srgbClr val="ffffff"/>
+                    <a:srgbClr val="FFFFFF"/>
                   </a:solidFill>
                 </a:uFill>
                 <a:latin typeface="Arial"/>
               </a:rPr>
               <a:t>Click to edit the outline text format</a:t>
             </a:r>
-            <a:endParaRPr b="0" lang="en-GB" sz="3200" spc="-1" strike="noStrike">
-              <a:solidFill>
-                <a:srgbClr val="000000"/>
-              </a:solidFill>
-              <a:uFill>
-                <a:solidFill>
-                  <a:srgbClr val="ffffff"/>
-                </a:solidFill>
-              </a:uFill>
-              <a:latin typeface="Arial"/>
-            </a:endParaRPr>
-          </a:p>
-          <a:p>
-            <a:pPr lvl="1" marL="864000" indent="-324000">
+          </a:p>
+          <a:p>
+            <a:pPr marL="864000" lvl="1" indent="-324000">
               <a:buClr>
                 <a:srgbClr val="000000"/>
               </a:buClr>
@@ -3863,33 +4186,22 @@
               <a:buChar char=""/>
             </a:pPr>
             <a:r>
-              <a:rPr b="0" lang="en-GB" sz="2800" spc="-1" strike="noStrike">
+              <a:rPr lang="en-GB" sz="2800" b="0" strike="noStrike" spc="-1">
                 <a:solidFill>
                   <a:srgbClr val="000000"/>
                 </a:solidFill>
                 <a:uFill>
                   <a:solidFill>
-                    <a:srgbClr val="ffffff"/>
+                    <a:srgbClr val="FFFFFF"/>
                   </a:solidFill>
                 </a:uFill>
                 <a:latin typeface="Arial"/>
               </a:rPr>
               <a:t>Second Outline Level</a:t>
             </a:r>
-            <a:endParaRPr b="0" lang="en-GB" sz="2800" spc="-1" strike="noStrike">
-              <a:solidFill>
-                <a:srgbClr val="000000"/>
-              </a:solidFill>
-              <a:uFill>
-                <a:solidFill>
-                  <a:srgbClr val="ffffff"/>
-                </a:solidFill>
-              </a:uFill>
-              <a:latin typeface="Arial"/>
-            </a:endParaRPr>
-          </a:p>
-          <a:p>
-            <a:pPr lvl="2" marL="1296000" indent="-288000">
+          </a:p>
+          <a:p>
+            <a:pPr marL="1296000" lvl="2" indent="-288000">
               <a:buClr>
                 <a:srgbClr val="000000"/>
               </a:buClr>
@@ -3898,33 +4210,22 @@
               <a:buChar char=""/>
             </a:pPr>
             <a:r>
-              <a:rPr b="0" lang="en-GB" sz="2400" spc="-1" strike="noStrike">
+              <a:rPr lang="en-GB" sz="2400" b="0" strike="noStrike" spc="-1">
                 <a:solidFill>
                   <a:srgbClr val="000000"/>
                 </a:solidFill>
                 <a:uFill>
                   <a:solidFill>
-                    <a:srgbClr val="ffffff"/>
+                    <a:srgbClr val="FFFFFF"/>
                   </a:solidFill>
                 </a:uFill>
                 <a:latin typeface="Arial"/>
               </a:rPr>
               <a:t>Third Outline Level</a:t>
             </a:r>
-            <a:endParaRPr b="0" lang="en-GB" sz="2400" spc="-1" strike="noStrike">
-              <a:solidFill>
-                <a:srgbClr val="000000"/>
-              </a:solidFill>
-              <a:uFill>
-                <a:solidFill>
-                  <a:srgbClr val="ffffff"/>
-                </a:solidFill>
-              </a:uFill>
-              <a:latin typeface="Arial"/>
-            </a:endParaRPr>
-          </a:p>
-          <a:p>
-            <a:pPr lvl="3" marL="1728000" indent="-216000">
+          </a:p>
+          <a:p>
+            <a:pPr marL="1728000" lvl="3" indent="-216000">
               <a:buClr>
                 <a:srgbClr val="000000"/>
               </a:buClr>
@@ -3933,33 +4234,22 @@
               <a:buChar char=""/>
             </a:pPr>
             <a:r>
-              <a:rPr b="0" lang="en-GB" sz="2000" spc="-1" strike="noStrike">
+              <a:rPr lang="en-GB" sz="2000" b="0" strike="noStrike" spc="-1">
                 <a:solidFill>
                   <a:srgbClr val="000000"/>
                 </a:solidFill>
                 <a:uFill>
                   <a:solidFill>
-                    <a:srgbClr val="ffffff"/>
+                    <a:srgbClr val="FFFFFF"/>
                   </a:solidFill>
                 </a:uFill>
                 <a:latin typeface="Arial"/>
               </a:rPr>
               <a:t>Fourth Outline Level</a:t>
             </a:r>
-            <a:endParaRPr b="0" lang="en-GB" sz="2000" spc="-1" strike="noStrike">
-              <a:solidFill>
-                <a:srgbClr val="000000"/>
-              </a:solidFill>
-              <a:uFill>
-                <a:solidFill>
-                  <a:srgbClr val="ffffff"/>
-                </a:solidFill>
-              </a:uFill>
-              <a:latin typeface="Arial"/>
-            </a:endParaRPr>
-          </a:p>
-          <a:p>
-            <a:pPr lvl="4" marL="2160000" indent="-216000">
+          </a:p>
+          <a:p>
+            <a:pPr marL="2160000" lvl="4" indent="-216000">
               <a:buClr>
                 <a:srgbClr val="000000"/>
               </a:buClr>
@@ -3968,33 +4258,22 @@
               <a:buChar char=""/>
             </a:pPr>
             <a:r>
-              <a:rPr b="0" lang="en-GB" sz="2000" spc="-1" strike="noStrike">
+              <a:rPr lang="en-GB" sz="2000" b="0" strike="noStrike" spc="-1">
                 <a:solidFill>
                   <a:srgbClr val="000000"/>
                 </a:solidFill>
                 <a:uFill>
                   <a:solidFill>
-                    <a:srgbClr val="ffffff"/>
+                    <a:srgbClr val="FFFFFF"/>
                   </a:solidFill>
                 </a:uFill>
                 <a:latin typeface="Arial"/>
               </a:rPr>
               <a:t>Fifth Outline Level</a:t>
             </a:r>
-            <a:endParaRPr b="0" lang="en-GB" sz="2000" spc="-1" strike="noStrike">
-              <a:solidFill>
-                <a:srgbClr val="000000"/>
-              </a:solidFill>
-              <a:uFill>
-                <a:solidFill>
-                  <a:srgbClr val="ffffff"/>
-                </a:solidFill>
-              </a:uFill>
-              <a:latin typeface="Arial"/>
-            </a:endParaRPr>
-          </a:p>
-          <a:p>
-            <a:pPr lvl="5" marL="2592000" indent="-216000">
+          </a:p>
+          <a:p>
+            <a:pPr marL="2592000" lvl="5" indent="-216000">
               <a:buClr>
                 <a:srgbClr val="000000"/>
               </a:buClr>
@@ -4003,33 +4282,22 @@
               <a:buChar char=""/>
             </a:pPr>
             <a:r>
-              <a:rPr b="0" lang="en-GB" sz="2000" spc="-1" strike="noStrike">
+              <a:rPr lang="en-GB" sz="2000" b="0" strike="noStrike" spc="-1">
                 <a:solidFill>
                   <a:srgbClr val="000000"/>
                 </a:solidFill>
                 <a:uFill>
                   <a:solidFill>
-                    <a:srgbClr val="ffffff"/>
+                    <a:srgbClr val="FFFFFF"/>
                   </a:solidFill>
                 </a:uFill>
                 <a:latin typeface="Arial"/>
               </a:rPr>
               <a:t>Sixth Outline Level</a:t>
             </a:r>
-            <a:endParaRPr b="0" lang="en-GB" sz="2000" spc="-1" strike="noStrike">
-              <a:solidFill>
-                <a:srgbClr val="000000"/>
-              </a:solidFill>
-              <a:uFill>
-                <a:solidFill>
-                  <a:srgbClr val="ffffff"/>
-                </a:solidFill>
-              </a:uFill>
-              <a:latin typeface="Arial"/>
-            </a:endParaRPr>
-          </a:p>
-          <a:p>
-            <a:pPr lvl="6" marL="3024000" indent="-216000">
+          </a:p>
+          <a:p>
+            <a:pPr marL="3024000" lvl="6" indent="-216000">
               <a:buClr>
                 <a:srgbClr val="000000"/>
               </a:buClr>
@@ -4038,61 +4306,331 @@
               <a:buChar char=""/>
             </a:pPr>
             <a:r>
-              <a:rPr b="0" lang="en-GB" sz="2000" spc="-1" strike="noStrike">
+              <a:rPr lang="en-GB" sz="2000" b="0" strike="noStrike" spc="-1">
                 <a:solidFill>
                   <a:srgbClr val="000000"/>
                 </a:solidFill>
                 <a:uFill>
                   <a:solidFill>
-                    <a:srgbClr val="ffffff"/>
+                    <a:srgbClr val="FFFFFF"/>
                   </a:solidFill>
                 </a:uFill>
                 <a:latin typeface="Arial"/>
               </a:rPr>
               <a:t>Seventh Outline Level</a:t>
             </a:r>
-            <a:endParaRPr b="0" lang="en-GB" sz="2000" spc="-1" strike="noStrike">
-              <a:solidFill>
-                <a:srgbClr val="000000"/>
-              </a:solidFill>
-              <a:uFill>
-                <a:solidFill>
-                  <a:srgbClr val="ffffff"/>
-                </a:solidFill>
-              </a:uFill>
-              <a:latin typeface="Arial"/>
-            </a:endParaRPr>
           </a:p>
         </p:txBody>
       </p:sp>
     </p:spTree>
   </p:cSld>
-  <p:clrMap bg1="lt1" bg2="lt2" tx1="dk1" tx2="dk2" accent1="accent1" accent2="accent2" accent3="accent3" accent4="accent4" accent5="accent5" accent6="accent6" hlink="hlink" folHlink="folHlink"/>
+  <p:clrMap bg1="lt1" tx1="dk1" bg2="lt2" tx2="dk2" accent1="accent1" accent2="accent2" accent3="accent3" accent4="accent4" accent5="accent5" accent6="accent6" hlink="hlink" folHlink="folHlink"/>
   <p:sldLayoutIdLst>
-    <p:sldLayoutId id="2147483649" r:id="rId2"/>
-    <p:sldLayoutId id="2147483650" r:id="rId3"/>
-    <p:sldLayoutId id="2147483651" r:id="rId4"/>
-    <p:sldLayoutId id="2147483652" r:id="rId5"/>
-    <p:sldLayoutId id="2147483653" r:id="rId6"/>
-    <p:sldLayoutId id="2147483654" r:id="rId7"/>
-    <p:sldLayoutId id="2147483655" r:id="rId8"/>
-    <p:sldLayoutId id="2147483656" r:id="rId9"/>
-    <p:sldLayoutId id="2147483657" r:id="rId10"/>
-    <p:sldLayoutId id="2147483658" r:id="rId11"/>
-    <p:sldLayoutId id="2147483659" r:id="rId12"/>
-    <p:sldLayoutId id="2147483660" r:id="rId13"/>
+    <p:sldLayoutId id="2147483649" r:id="rId1"/>
+    <p:sldLayoutId id="2147483650" r:id="rId2"/>
+    <p:sldLayoutId id="2147483651" r:id="rId3"/>
+    <p:sldLayoutId id="2147483652" r:id="rId4"/>
+    <p:sldLayoutId id="2147483653" r:id="rId5"/>
+    <p:sldLayoutId id="2147483654" r:id="rId6"/>
+    <p:sldLayoutId id="2147483655" r:id="rId7"/>
+    <p:sldLayoutId id="2147483656" r:id="rId8"/>
+    <p:sldLayoutId id="2147483657" r:id="rId9"/>
+    <p:sldLayoutId id="2147483658" r:id="rId10"/>
+    <p:sldLayoutId id="2147483659" r:id="rId11"/>
+    <p:sldLayoutId id="2147483660" r:id="rId12"/>
   </p:sldLayoutIdLst>
+  <p:txStyles>
+    <p:titleStyle>
+      <a:lvl1pPr algn="l" defTabSz="914400" rtl="0" eaLnBrk="1" latinLnBrk="0" hangingPunct="1">
+        <a:lnSpc>
+          <a:spcPct val="90000"/>
+        </a:lnSpc>
+        <a:spcBef>
+          <a:spcPct val="0"/>
+        </a:spcBef>
+        <a:buNone/>
+        <a:defRPr sz="4400" kern="1200">
+          <a:solidFill>
+            <a:schemeClr val="tx1"/>
+          </a:solidFill>
+          <a:latin typeface="+mj-lt"/>
+          <a:ea typeface="+mj-ea"/>
+          <a:cs typeface="+mj-cs"/>
+        </a:defRPr>
+      </a:lvl1pPr>
+    </p:titleStyle>
+    <p:bodyStyle>
+      <a:lvl1pPr marL="228600" indent="-228600" algn="l" defTabSz="914400" rtl="0" eaLnBrk="1" latinLnBrk="0" hangingPunct="1">
+        <a:lnSpc>
+          <a:spcPct val="90000"/>
+        </a:lnSpc>
+        <a:spcBef>
+          <a:spcPts val="1000"/>
+        </a:spcBef>
+        <a:buFont typeface="Arial" panose="020B0604020202020204" pitchFamily="34" charset="0"/>
+        <a:buChar char="•"/>
+        <a:defRPr sz="2800" kern="1200">
+          <a:solidFill>
+            <a:schemeClr val="tx1"/>
+          </a:solidFill>
+          <a:latin typeface="+mn-lt"/>
+          <a:ea typeface="+mn-ea"/>
+          <a:cs typeface="+mn-cs"/>
+        </a:defRPr>
+      </a:lvl1pPr>
+      <a:lvl2pPr marL="685800" indent="-228600" algn="l" defTabSz="914400" rtl="0" eaLnBrk="1" latinLnBrk="0" hangingPunct="1">
+        <a:lnSpc>
+          <a:spcPct val="90000"/>
+        </a:lnSpc>
+        <a:spcBef>
+          <a:spcPts val="500"/>
+        </a:spcBef>
+        <a:buFont typeface="Arial" panose="020B0604020202020204" pitchFamily="34" charset="0"/>
+        <a:buChar char="•"/>
+        <a:defRPr sz="2400" kern="1200">
+          <a:solidFill>
+            <a:schemeClr val="tx1"/>
+          </a:solidFill>
+          <a:latin typeface="+mn-lt"/>
+          <a:ea typeface="+mn-ea"/>
+          <a:cs typeface="+mn-cs"/>
+        </a:defRPr>
+      </a:lvl2pPr>
+      <a:lvl3pPr marL="1143000" indent="-228600" algn="l" defTabSz="914400" rtl="0" eaLnBrk="1" latinLnBrk="0" hangingPunct="1">
+        <a:lnSpc>
+          <a:spcPct val="90000"/>
+        </a:lnSpc>
+        <a:spcBef>
+          <a:spcPts val="500"/>
+        </a:spcBef>
+        <a:buFont typeface="Arial" panose="020B0604020202020204" pitchFamily="34" charset="0"/>
+        <a:buChar char="•"/>
+        <a:defRPr sz="2000" kern="1200">
+          <a:solidFill>
+            <a:schemeClr val="tx1"/>
+          </a:solidFill>
+          <a:latin typeface="+mn-lt"/>
+          <a:ea typeface="+mn-ea"/>
+          <a:cs typeface="+mn-cs"/>
+        </a:defRPr>
+      </a:lvl3pPr>
+      <a:lvl4pPr marL="1600200" indent="-228600" algn="l" defTabSz="914400" rtl="0" eaLnBrk="1" latinLnBrk="0" hangingPunct="1">
+        <a:lnSpc>
+          <a:spcPct val="90000"/>
+        </a:lnSpc>
+        <a:spcBef>
+          <a:spcPts val="500"/>
+        </a:spcBef>
+        <a:buFont typeface="Arial" panose="020B0604020202020204" pitchFamily="34" charset="0"/>
+        <a:buChar char="•"/>
+        <a:defRPr sz="1800" kern="1200">
+          <a:solidFill>
+            <a:schemeClr val="tx1"/>
+          </a:solidFill>
+          <a:latin typeface="+mn-lt"/>
+          <a:ea typeface="+mn-ea"/>
+          <a:cs typeface="+mn-cs"/>
+        </a:defRPr>
+      </a:lvl4pPr>
+      <a:lvl5pPr marL="2057400" indent="-228600" algn="l" defTabSz="914400" rtl="0" eaLnBrk="1" latinLnBrk="0" hangingPunct="1">
+        <a:lnSpc>
+          <a:spcPct val="90000"/>
+        </a:lnSpc>
+        <a:spcBef>
+          <a:spcPts val="500"/>
+        </a:spcBef>
+        <a:buFont typeface="Arial" panose="020B0604020202020204" pitchFamily="34" charset="0"/>
+        <a:buChar char="•"/>
+        <a:defRPr sz="1800" kern="1200">
+          <a:solidFill>
+            <a:schemeClr val="tx1"/>
+          </a:solidFill>
+          <a:latin typeface="+mn-lt"/>
+          <a:ea typeface="+mn-ea"/>
+          <a:cs typeface="+mn-cs"/>
+        </a:defRPr>
+      </a:lvl5pPr>
+      <a:lvl6pPr marL="2514600" indent="-228600" algn="l" defTabSz="914400" rtl="0" eaLnBrk="1" latinLnBrk="0" hangingPunct="1">
+        <a:lnSpc>
+          <a:spcPct val="90000"/>
+        </a:lnSpc>
+        <a:spcBef>
+          <a:spcPts val="500"/>
+        </a:spcBef>
+        <a:buFont typeface="Arial" panose="020B0604020202020204" pitchFamily="34" charset="0"/>
+        <a:buChar char="•"/>
+        <a:defRPr sz="1800" kern="1200">
+          <a:solidFill>
+            <a:schemeClr val="tx1"/>
+          </a:solidFill>
+          <a:latin typeface="+mn-lt"/>
+          <a:ea typeface="+mn-ea"/>
+          <a:cs typeface="+mn-cs"/>
+        </a:defRPr>
+      </a:lvl6pPr>
+      <a:lvl7pPr marL="2971800" indent="-228600" algn="l" defTabSz="914400" rtl="0" eaLnBrk="1" latinLnBrk="0" hangingPunct="1">
+        <a:lnSpc>
+          <a:spcPct val="90000"/>
+        </a:lnSpc>
+        <a:spcBef>
+          <a:spcPts val="500"/>
+        </a:spcBef>
+        <a:buFont typeface="Arial" panose="020B0604020202020204" pitchFamily="34" charset="0"/>
+        <a:buChar char="•"/>
+        <a:defRPr sz="1800" kern="1200">
+          <a:solidFill>
+            <a:schemeClr val="tx1"/>
+          </a:solidFill>
+          <a:latin typeface="+mn-lt"/>
+          <a:ea typeface="+mn-ea"/>
+          <a:cs typeface="+mn-cs"/>
+        </a:defRPr>
+      </a:lvl7pPr>
+      <a:lvl8pPr marL="3429000" indent="-228600" algn="l" defTabSz="914400" rtl="0" eaLnBrk="1" latinLnBrk="0" hangingPunct="1">
+        <a:lnSpc>
+          <a:spcPct val="90000"/>
+        </a:lnSpc>
+        <a:spcBef>
+          <a:spcPts val="500"/>
+        </a:spcBef>
+        <a:buFont typeface="Arial" panose="020B0604020202020204" pitchFamily="34" charset="0"/>
+        <a:buChar char="•"/>
+        <a:defRPr sz="1800" kern="1200">
+          <a:solidFill>
+            <a:schemeClr val="tx1"/>
+          </a:solidFill>
+          <a:latin typeface="+mn-lt"/>
+          <a:ea typeface="+mn-ea"/>
+          <a:cs typeface="+mn-cs"/>
+        </a:defRPr>
+      </a:lvl8pPr>
+      <a:lvl9pPr marL="3886200" indent="-228600" algn="l" defTabSz="914400" rtl="0" eaLnBrk="1" latinLnBrk="0" hangingPunct="1">
+        <a:lnSpc>
+          <a:spcPct val="90000"/>
+        </a:lnSpc>
+        <a:spcBef>
+          <a:spcPts val="500"/>
+        </a:spcBef>
+        <a:buFont typeface="Arial" panose="020B0604020202020204" pitchFamily="34" charset="0"/>
+        <a:buChar char="•"/>
+        <a:defRPr sz="1800" kern="1200">
+          <a:solidFill>
+            <a:schemeClr val="tx1"/>
+          </a:solidFill>
+          <a:latin typeface="+mn-lt"/>
+          <a:ea typeface="+mn-ea"/>
+          <a:cs typeface="+mn-cs"/>
+        </a:defRPr>
+      </a:lvl9pPr>
+    </p:bodyStyle>
+    <p:otherStyle>
+      <a:defPPr>
+        <a:defRPr lang="en-US"/>
+      </a:defPPr>
+      <a:lvl1pPr marL="0" algn="l" defTabSz="914400" rtl="0" eaLnBrk="1" latinLnBrk="0" hangingPunct="1">
+        <a:defRPr sz="1800" kern="1200">
+          <a:solidFill>
+            <a:schemeClr val="tx1"/>
+          </a:solidFill>
+          <a:latin typeface="+mn-lt"/>
+          <a:ea typeface="+mn-ea"/>
+          <a:cs typeface="+mn-cs"/>
+        </a:defRPr>
+      </a:lvl1pPr>
+      <a:lvl2pPr marL="457200" algn="l" defTabSz="914400" rtl="0" eaLnBrk="1" latinLnBrk="0" hangingPunct="1">
+        <a:defRPr sz="1800" kern="1200">
+          <a:solidFill>
+            <a:schemeClr val="tx1"/>
+          </a:solidFill>
+          <a:latin typeface="+mn-lt"/>
+          <a:ea typeface="+mn-ea"/>
+          <a:cs typeface="+mn-cs"/>
+        </a:defRPr>
+      </a:lvl2pPr>
+      <a:lvl3pPr marL="914400" algn="l" defTabSz="914400" rtl="0" eaLnBrk="1" latinLnBrk="0" hangingPunct="1">
+        <a:defRPr sz="1800" kern="1200">
+          <a:solidFill>
+            <a:schemeClr val="tx1"/>
+          </a:solidFill>
+          <a:latin typeface="+mn-lt"/>
+          <a:ea typeface="+mn-ea"/>
+          <a:cs typeface="+mn-cs"/>
+        </a:defRPr>
+      </a:lvl3pPr>
+      <a:lvl4pPr marL="1371600" algn="l" defTabSz="914400" rtl="0" eaLnBrk="1" latinLnBrk="0" hangingPunct="1">
+        <a:defRPr sz="1800" kern="1200">
+          <a:solidFill>
+            <a:schemeClr val="tx1"/>
+          </a:solidFill>
+          <a:latin typeface="+mn-lt"/>
+          <a:ea typeface="+mn-ea"/>
+          <a:cs typeface="+mn-cs"/>
+        </a:defRPr>
+      </a:lvl4pPr>
+      <a:lvl5pPr marL="1828800" algn="l" defTabSz="914400" rtl="0" eaLnBrk="1" latinLnBrk="0" hangingPunct="1">
+        <a:defRPr sz="1800" kern="1200">
+          <a:solidFill>
+            <a:schemeClr val="tx1"/>
+          </a:solidFill>
+          <a:latin typeface="+mn-lt"/>
+          <a:ea typeface="+mn-ea"/>
+          <a:cs typeface="+mn-cs"/>
+        </a:defRPr>
+      </a:lvl5pPr>
+      <a:lvl6pPr marL="2286000" algn="l" defTabSz="914400" rtl="0" eaLnBrk="1" latinLnBrk="0" hangingPunct="1">
+        <a:defRPr sz="1800" kern="1200">
+          <a:solidFill>
+            <a:schemeClr val="tx1"/>
+          </a:solidFill>
+          <a:latin typeface="+mn-lt"/>
+          <a:ea typeface="+mn-ea"/>
+          <a:cs typeface="+mn-cs"/>
+        </a:defRPr>
+      </a:lvl6pPr>
+      <a:lvl7pPr marL="2743200" algn="l" defTabSz="914400" rtl="0" eaLnBrk="1" latinLnBrk="0" hangingPunct="1">
+        <a:defRPr sz="1800" kern="1200">
+          <a:solidFill>
+            <a:schemeClr val="tx1"/>
+          </a:solidFill>
+          <a:latin typeface="+mn-lt"/>
+          <a:ea typeface="+mn-ea"/>
+          <a:cs typeface="+mn-cs"/>
+        </a:defRPr>
+      </a:lvl7pPr>
+      <a:lvl8pPr marL="3200400" algn="l" defTabSz="914400" rtl="0" eaLnBrk="1" latinLnBrk="0" hangingPunct="1">
+        <a:defRPr sz="1800" kern="1200">
+          <a:solidFill>
+            <a:schemeClr val="tx1"/>
+          </a:solidFill>
+          <a:latin typeface="+mn-lt"/>
+          <a:ea typeface="+mn-ea"/>
+          <a:cs typeface="+mn-cs"/>
+        </a:defRPr>
+      </a:lvl8pPr>
+      <a:lvl9pPr marL="3657600" algn="l" defTabSz="914400" rtl="0" eaLnBrk="1" latinLnBrk="0" hangingPunct="1">
+        <a:defRPr sz="1800" kern="1200">
+          <a:solidFill>
+            <a:schemeClr val="tx1"/>
+          </a:solidFill>
+          <a:latin typeface="+mn-lt"/>
+          <a:ea typeface="+mn-ea"/>
+          <a:cs typeface="+mn-cs"/>
+        </a:defRPr>
+      </a:lvl9pPr>
+    </p:otherStyle>
+  </p:txStyles>
 </p:sldMaster>
 </file>
 
 <file path=ppt/slideMasters/slideMaster2.xml><?xml version="1.0" encoding="utf-8"?>
-<p:sldMaster xmlns:a="http://schemas.openxmlformats.org/drawingml/2006/main" xmlns:p="http://schemas.openxmlformats.org/presentationml/2006/main" xmlns:r="http://schemas.openxmlformats.org/officeDocument/2006/relationships" xmlns:p14="http://schemas.microsoft.com/office/powerpoint/2010/main" xmlns:p15="http://schemas.microsoft.com/office/powerpoint/2012/main" xmlns:mc="http://schemas.openxmlformats.org/markup-compatibility/2006">
+<p:sldMaster xmlns:a="http://schemas.openxmlformats.org/drawingml/2006/main" xmlns:r="http://schemas.openxmlformats.org/officeDocument/2006/relationships" xmlns:p="http://schemas.openxmlformats.org/presentationml/2006/main">
   <p:cSld>
     <p:bg>
       <p:bgPr>
         <a:solidFill>
-          <a:srgbClr val="ffffff"/>
+          <a:srgbClr val="FFFFFF"/>
         </a:solidFill>
+        <a:effectLst/>
       </p:bgPr>
     </p:bg>
     <p:spTree>
@@ -4129,34 +4667,24 @@
           </a:prstGeom>
         </p:spPr>
         <p:txBody>
-          <a:bodyPr lIns="0" rIns="0" tIns="0" bIns="0" anchor="ctr"/>
+          <a:bodyPr lIns="0" tIns="0" rIns="0" bIns="0" anchor="ctr"/>
+          <a:lstStyle/>
           <a:p>
             <a:pPr algn="ctr"/>
             <a:r>
-              <a:rPr b="0" lang="en-GB" sz="4400" spc="-1" strike="noStrike">
+              <a:rPr lang="en-GB" sz="4400" b="0" strike="noStrike" spc="-1">
                 <a:solidFill>
                   <a:srgbClr val="000000"/>
                 </a:solidFill>
                 <a:uFill>
                   <a:solidFill>
-                    <a:srgbClr val="ffffff"/>
+                    <a:srgbClr val="FFFFFF"/>
                   </a:solidFill>
                 </a:uFill>
                 <a:latin typeface="Arial"/>
               </a:rPr>
               <a:t>Click to edit the title text format</a:t>
             </a:r>
-            <a:endParaRPr b="0" lang="en-GB" sz="4400" spc="-1" strike="noStrike">
-              <a:solidFill>
-                <a:srgbClr val="000000"/>
-              </a:solidFill>
-              <a:uFill>
-                <a:solidFill>
-                  <a:srgbClr val="ffffff"/>
-                </a:solidFill>
-              </a:uFill>
-              <a:latin typeface="Arial"/>
-            </a:endParaRPr>
           </a:p>
         </p:txBody>
       </p:sp>
@@ -4180,7 +4708,8 @@
           </a:prstGeom>
         </p:spPr>
         <p:txBody>
-          <a:bodyPr lIns="0" rIns="0" tIns="0" bIns="0"/>
+          <a:bodyPr lIns="0" tIns="0" rIns="0" bIns="0"/>
+          <a:lstStyle/>
           <a:p>
             <a:pPr marL="432000" indent="-324000">
               <a:buClr>
@@ -4191,33 +4720,22 @@
               <a:buChar char=""/>
             </a:pPr>
             <a:r>
-              <a:rPr b="0" lang="en-GB" sz="3200" spc="-1" strike="noStrike">
+              <a:rPr lang="en-GB" sz="3200" b="0" strike="noStrike" spc="-1">
                 <a:solidFill>
                   <a:srgbClr val="000000"/>
                 </a:solidFill>
                 <a:uFill>
                   <a:solidFill>
-                    <a:srgbClr val="ffffff"/>
+                    <a:srgbClr val="FFFFFF"/>
                   </a:solidFill>
                 </a:uFill>
                 <a:latin typeface="Arial"/>
               </a:rPr>
               <a:t>Click to edit the outline text format</a:t>
             </a:r>
-            <a:endParaRPr b="0" lang="en-GB" sz="3200" spc="-1" strike="noStrike">
-              <a:solidFill>
-                <a:srgbClr val="000000"/>
-              </a:solidFill>
-              <a:uFill>
-                <a:solidFill>
-                  <a:srgbClr val="ffffff"/>
-                </a:solidFill>
-              </a:uFill>
-              <a:latin typeface="Arial"/>
-            </a:endParaRPr>
-          </a:p>
-          <a:p>
-            <a:pPr lvl="1" marL="864000" indent="-324000">
+          </a:p>
+          <a:p>
+            <a:pPr marL="864000" lvl="1" indent="-324000">
               <a:buClr>
                 <a:srgbClr val="000000"/>
               </a:buClr>
@@ -4226,33 +4744,22 @@
               <a:buChar char=""/>
             </a:pPr>
             <a:r>
-              <a:rPr b="0" lang="en-GB" sz="2800" spc="-1" strike="noStrike">
+              <a:rPr lang="en-GB" sz="2800" b="0" strike="noStrike" spc="-1">
                 <a:solidFill>
                   <a:srgbClr val="000000"/>
                 </a:solidFill>
                 <a:uFill>
                   <a:solidFill>
-                    <a:srgbClr val="ffffff"/>
+                    <a:srgbClr val="FFFFFF"/>
                   </a:solidFill>
                 </a:uFill>
                 <a:latin typeface="Arial"/>
               </a:rPr>
               <a:t>Second Outline Level</a:t>
             </a:r>
-            <a:endParaRPr b="0" lang="en-GB" sz="2800" spc="-1" strike="noStrike">
-              <a:solidFill>
-                <a:srgbClr val="000000"/>
-              </a:solidFill>
-              <a:uFill>
-                <a:solidFill>
-                  <a:srgbClr val="ffffff"/>
-                </a:solidFill>
-              </a:uFill>
-              <a:latin typeface="Arial"/>
-            </a:endParaRPr>
-          </a:p>
-          <a:p>
-            <a:pPr lvl="2" marL="1296000" indent="-288000">
+          </a:p>
+          <a:p>
+            <a:pPr marL="1296000" lvl="2" indent="-288000">
               <a:buClr>
                 <a:srgbClr val="000000"/>
               </a:buClr>
@@ -4261,33 +4768,22 @@
               <a:buChar char=""/>
             </a:pPr>
             <a:r>
-              <a:rPr b="0" lang="en-GB" sz="2400" spc="-1" strike="noStrike">
+              <a:rPr lang="en-GB" sz="2400" b="0" strike="noStrike" spc="-1">
                 <a:solidFill>
                   <a:srgbClr val="000000"/>
                 </a:solidFill>
                 <a:uFill>
                   <a:solidFill>
-                    <a:srgbClr val="ffffff"/>
+                    <a:srgbClr val="FFFFFF"/>
                   </a:solidFill>
                 </a:uFill>
                 <a:latin typeface="Arial"/>
               </a:rPr>
               <a:t>Third Outline Level</a:t>
             </a:r>
-            <a:endParaRPr b="0" lang="en-GB" sz="2400" spc="-1" strike="noStrike">
-              <a:solidFill>
-                <a:srgbClr val="000000"/>
-              </a:solidFill>
-              <a:uFill>
-                <a:solidFill>
-                  <a:srgbClr val="ffffff"/>
-                </a:solidFill>
-              </a:uFill>
-              <a:latin typeface="Arial"/>
-            </a:endParaRPr>
-          </a:p>
-          <a:p>
-            <a:pPr lvl="3" marL="1728000" indent="-216000">
+          </a:p>
+          <a:p>
+            <a:pPr marL="1728000" lvl="3" indent="-216000">
               <a:buClr>
                 <a:srgbClr val="000000"/>
               </a:buClr>
@@ -4296,33 +4792,22 @@
               <a:buChar char=""/>
             </a:pPr>
             <a:r>
-              <a:rPr b="0" lang="en-GB" sz="2000" spc="-1" strike="noStrike">
+              <a:rPr lang="en-GB" sz="2000" b="0" strike="noStrike" spc="-1">
                 <a:solidFill>
                   <a:srgbClr val="000000"/>
                 </a:solidFill>
                 <a:uFill>
                   <a:solidFill>
-                    <a:srgbClr val="ffffff"/>
+                    <a:srgbClr val="FFFFFF"/>
                   </a:solidFill>
                 </a:uFill>
                 <a:latin typeface="Arial"/>
               </a:rPr>
               <a:t>Fourth Outline Level</a:t>
             </a:r>
-            <a:endParaRPr b="0" lang="en-GB" sz="2000" spc="-1" strike="noStrike">
-              <a:solidFill>
-                <a:srgbClr val="000000"/>
-              </a:solidFill>
-              <a:uFill>
-                <a:solidFill>
-                  <a:srgbClr val="ffffff"/>
-                </a:solidFill>
-              </a:uFill>
-              <a:latin typeface="Arial"/>
-            </a:endParaRPr>
-          </a:p>
-          <a:p>
-            <a:pPr lvl="4" marL="2160000" indent="-216000">
+          </a:p>
+          <a:p>
+            <a:pPr marL="2160000" lvl="4" indent="-216000">
               <a:buClr>
                 <a:srgbClr val="000000"/>
               </a:buClr>
@@ -4331,33 +4816,22 @@
               <a:buChar char=""/>
             </a:pPr>
             <a:r>
-              <a:rPr b="0" lang="en-GB" sz="2000" spc="-1" strike="noStrike">
+              <a:rPr lang="en-GB" sz="2000" b="0" strike="noStrike" spc="-1">
                 <a:solidFill>
                   <a:srgbClr val="000000"/>
                 </a:solidFill>
                 <a:uFill>
                   <a:solidFill>
-                    <a:srgbClr val="ffffff"/>
+                    <a:srgbClr val="FFFFFF"/>
                   </a:solidFill>
                 </a:uFill>
                 <a:latin typeface="Arial"/>
               </a:rPr>
               <a:t>Fifth Outline Level</a:t>
             </a:r>
-            <a:endParaRPr b="0" lang="en-GB" sz="2000" spc="-1" strike="noStrike">
-              <a:solidFill>
-                <a:srgbClr val="000000"/>
-              </a:solidFill>
-              <a:uFill>
-                <a:solidFill>
-                  <a:srgbClr val="ffffff"/>
-                </a:solidFill>
-              </a:uFill>
-              <a:latin typeface="Arial"/>
-            </a:endParaRPr>
-          </a:p>
-          <a:p>
-            <a:pPr lvl="5" marL="2592000" indent="-216000">
+          </a:p>
+          <a:p>
+            <a:pPr marL="2592000" lvl="5" indent="-216000">
               <a:buClr>
                 <a:srgbClr val="000000"/>
               </a:buClr>
@@ -4366,33 +4840,22 @@
               <a:buChar char=""/>
             </a:pPr>
             <a:r>
-              <a:rPr b="0" lang="en-GB" sz="2000" spc="-1" strike="noStrike">
+              <a:rPr lang="en-GB" sz="2000" b="0" strike="noStrike" spc="-1">
                 <a:solidFill>
                   <a:srgbClr val="000000"/>
                 </a:solidFill>
                 <a:uFill>
                   <a:solidFill>
-                    <a:srgbClr val="ffffff"/>
+                    <a:srgbClr val="FFFFFF"/>
                   </a:solidFill>
                 </a:uFill>
                 <a:latin typeface="Arial"/>
               </a:rPr>
               <a:t>Sixth Outline Level</a:t>
             </a:r>
-            <a:endParaRPr b="0" lang="en-GB" sz="2000" spc="-1" strike="noStrike">
-              <a:solidFill>
-                <a:srgbClr val="000000"/>
-              </a:solidFill>
-              <a:uFill>
-                <a:solidFill>
-                  <a:srgbClr val="ffffff"/>
-                </a:solidFill>
-              </a:uFill>
-              <a:latin typeface="Arial"/>
-            </a:endParaRPr>
-          </a:p>
-          <a:p>
-            <a:pPr lvl="6" marL="3024000" indent="-216000">
+          </a:p>
+          <a:p>
+            <a:pPr marL="3024000" lvl="6" indent="-216000">
               <a:buClr>
                 <a:srgbClr val="000000"/>
               </a:buClr>
@@ -4401,55 +4864,324 @@
               <a:buChar char=""/>
             </a:pPr>
             <a:r>
-              <a:rPr b="0" lang="en-GB" sz="2000" spc="-1" strike="noStrike">
+              <a:rPr lang="en-GB" sz="2000" b="0" strike="noStrike" spc="-1">
                 <a:solidFill>
                   <a:srgbClr val="000000"/>
                 </a:solidFill>
                 <a:uFill>
                   <a:solidFill>
-                    <a:srgbClr val="ffffff"/>
+                    <a:srgbClr val="FFFFFF"/>
                   </a:solidFill>
                 </a:uFill>
                 <a:latin typeface="Arial"/>
               </a:rPr>
               <a:t>Seventh Outline Level</a:t>
             </a:r>
-            <a:endParaRPr b="0" lang="en-GB" sz="2000" spc="-1" strike="noStrike">
-              <a:solidFill>
-                <a:srgbClr val="000000"/>
-              </a:solidFill>
-              <a:uFill>
-                <a:solidFill>
-                  <a:srgbClr val="ffffff"/>
-                </a:solidFill>
-              </a:uFill>
-              <a:latin typeface="Arial"/>
-            </a:endParaRPr>
           </a:p>
         </p:txBody>
       </p:sp>
     </p:spTree>
   </p:cSld>
-  <p:clrMap bg1="lt1" bg2="lt2" tx1="dk1" tx2="dk2" accent1="accent1" accent2="accent2" accent3="accent3" accent4="accent4" accent5="accent5" accent6="accent6" hlink="hlink" folHlink="folHlink"/>
+  <p:clrMap bg1="lt1" tx1="dk1" bg2="lt2" tx2="dk2" accent1="accent1" accent2="accent2" accent3="accent3" accent4="accent4" accent5="accent5" accent6="accent6" hlink="hlink" folHlink="folHlink"/>
   <p:sldLayoutIdLst>
-    <p:sldLayoutId id="2147483662" r:id="rId2"/>
-    <p:sldLayoutId id="2147483663" r:id="rId3"/>
-    <p:sldLayoutId id="2147483664" r:id="rId4"/>
-    <p:sldLayoutId id="2147483665" r:id="rId5"/>
-    <p:sldLayoutId id="2147483666" r:id="rId6"/>
-    <p:sldLayoutId id="2147483667" r:id="rId7"/>
-    <p:sldLayoutId id="2147483668" r:id="rId8"/>
-    <p:sldLayoutId id="2147483669" r:id="rId9"/>
-    <p:sldLayoutId id="2147483670" r:id="rId10"/>
-    <p:sldLayoutId id="2147483671" r:id="rId11"/>
-    <p:sldLayoutId id="2147483672" r:id="rId12"/>
-    <p:sldLayoutId id="2147483673" r:id="rId13"/>
+    <p:sldLayoutId id="2147483662" r:id="rId1"/>
+    <p:sldLayoutId id="2147483663" r:id="rId2"/>
+    <p:sldLayoutId id="2147483664" r:id="rId3"/>
+    <p:sldLayoutId id="2147483665" r:id="rId4"/>
+    <p:sldLayoutId id="2147483666" r:id="rId5"/>
+    <p:sldLayoutId id="2147483667" r:id="rId6"/>
+    <p:sldLayoutId id="2147483668" r:id="rId7"/>
+    <p:sldLayoutId id="2147483669" r:id="rId8"/>
+    <p:sldLayoutId id="2147483670" r:id="rId9"/>
+    <p:sldLayoutId id="2147483671" r:id="rId10"/>
+    <p:sldLayoutId id="2147483672" r:id="rId11"/>
+    <p:sldLayoutId id="2147483673" r:id="rId12"/>
   </p:sldLayoutIdLst>
+  <p:txStyles>
+    <p:titleStyle>
+      <a:lvl1pPr algn="l" defTabSz="914400" rtl="0" eaLnBrk="1" latinLnBrk="0" hangingPunct="1">
+        <a:lnSpc>
+          <a:spcPct val="90000"/>
+        </a:lnSpc>
+        <a:spcBef>
+          <a:spcPct val="0"/>
+        </a:spcBef>
+        <a:buNone/>
+        <a:defRPr sz="4400" kern="1200">
+          <a:solidFill>
+            <a:schemeClr val="tx1"/>
+          </a:solidFill>
+          <a:latin typeface="+mj-lt"/>
+          <a:ea typeface="+mj-ea"/>
+          <a:cs typeface="+mj-cs"/>
+        </a:defRPr>
+      </a:lvl1pPr>
+    </p:titleStyle>
+    <p:bodyStyle>
+      <a:lvl1pPr marL="228600" indent="-228600" algn="l" defTabSz="914400" rtl="0" eaLnBrk="1" latinLnBrk="0" hangingPunct="1">
+        <a:lnSpc>
+          <a:spcPct val="90000"/>
+        </a:lnSpc>
+        <a:spcBef>
+          <a:spcPts val="1000"/>
+        </a:spcBef>
+        <a:buFont typeface="Arial" panose="020B0604020202020204" pitchFamily="34" charset="0"/>
+        <a:buChar char="•"/>
+        <a:defRPr sz="2800" kern="1200">
+          <a:solidFill>
+            <a:schemeClr val="tx1"/>
+          </a:solidFill>
+          <a:latin typeface="+mn-lt"/>
+          <a:ea typeface="+mn-ea"/>
+          <a:cs typeface="+mn-cs"/>
+        </a:defRPr>
+      </a:lvl1pPr>
+      <a:lvl2pPr marL="685800" indent="-228600" algn="l" defTabSz="914400" rtl="0" eaLnBrk="1" latinLnBrk="0" hangingPunct="1">
+        <a:lnSpc>
+          <a:spcPct val="90000"/>
+        </a:lnSpc>
+        <a:spcBef>
+          <a:spcPts val="500"/>
+        </a:spcBef>
+        <a:buFont typeface="Arial" panose="020B0604020202020204" pitchFamily="34" charset="0"/>
+        <a:buChar char="•"/>
+        <a:defRPr sz="2400" kern="1200">
+          <a:solidFill>
+            <a:schemeClr val="tx1"/>
+          </a:solidFill>
+          <a:latin typeface="+mn-lt"/>
+          <a:ea typeface="+mn-ea"/>
+          <a:cs typeface="+mn-cs"/>
+        </a:defRPr>
+      </a:lvl2pPr>
+      <a:lvl3pPr marL="1143000" indent="-228600" algn="l" defTabSz="914400" rtl="0" eaLnBrk="1" latinLnBrk="0" hangingPunct="1">
+        <a:lnSpc>
+          <a:spcPct val="90000"/>
+        </a:lnSpc>
+        <a:spcBef>
+          <a:spcPts val="500"/>
+        </a:spcBef>
+        <a:buFont typeface="Arial" panose="020B0604020202020204" pitchFamily="34" charset="0"/>
+        <a:buChar char="•"/>
+        <a:defRPr sz="2000" kern="1200">
+          <a:solidFill>
+            <a:schemeClr val="tx1"/>
+          </a:solidFill>
+          <a:latin typeface="+mn-lt"/>
+          <a:ea typeface="+mn-ea"/>
+          <a:cs typeface="+mn-cs"/>
+        </a:defRPr>
+      </a:lvl3pPr>
+      <a:lvl4pPr marL="1600200" indent="-228600" algn="l" defTabSz="914400" rtl="0" eaLnBrk="1" latinLnBrk="0" hangingPunct="1">
+        <a:lnSpc>
+          <a:spcPct val="90000"/>
+        </a:lnSpc>
+        <a:spcBef>
+          <a:spcPts val="500"/>
+        </a:spcBef>
+        <a:buFont typeface="Arial" panose="020B0604020202020204" pitchFamily="34" charset="0"/>
+        <a:buChar char="•"/>
+        <a:defRPr sz="1800" kern="1200">
+          <a:solidFill>
+            <a:schemeClr val="tx1"/>
+          </a:solidFill>
+          <a:latin typeface="+mn-lt"/>
+          <a:ea typeface="+mn-ea"/>
+          <a:cs typeface="+mn-cs"/>
+        </a:defRPr>
+      </a:lvl4pPr>
+      <a:lvl5pPr marL="2057400" indent="-228600" algn="l" defTabSz="914400" rtl="0" eaLnBrk="1" latinLnBrk="0" hangingPunct="1">
+        <a:lnSpc>
+          <a:spcPct val="90000"/>
+        </a:lnSpc>
+        <a:spcBef>
+          <a:spcPts val="500"/>
+        </a:spcBef>
+        <a:buFont typeface="Arial" panose="020B0604020202020204" pitchFamily="34" charset="0"/>
+        <a:buChar char="•"/>
+        <a:defRPr sz="1800" kern="1200">
+          <a:solidFill>
+            <a:schemeClr val="tx1"/>
+          </a:solidFill>
+          <a:latin typeface="+mn-lt"/>
+          <a:ea typeface="+mn-ea"/>
+          <a:cs typeface="+mn-cs"/>
+        </a:defRPr>
+      </a:lvl5pPr>
+      <a:lvl6pPr marL="2514600" indent="-228600" algn="l" defTabSz="914400" rtl="0" eaLnBrk="1" latinLnBrk="0" hangingPunct="1">
+        <a:lnSpc>
+          <a:spcPct val="90000"/>
+        </a:lnSpc>
+        <a:spcBef>
+          <a:spcPts val="500"/>
+        </a:spcBef>
+        <a:buFont typeface="Arial" panose="020B0604020202020204" pitchFamily="34" charset="0"/>
+        <a:buChar char="•"/>
+        <a:defRPr sz="1800" kern="1200">
+          <a:solidFill>
+            <a:schemeClr val="tx1"/>
+          </a:solidFill>
+          <a:latin typeface="+mn-lt"/>
+          <a:ea typeface="+mn-ea"/>
+          <a:cs typeface="+mn-cs"/>
+        </a:defRPr>
+      </a:lvl6pPr>
+      <a:lvl7pPr marL="2971800" indent="-228600" algn="l" defTabSz="914400" rtl="0" eaLnBrk="1" latinLnBrk="0" hangingPunct="1">
+        <a:lnSpc>
+          <a:spcPct val="90000"/>
+        </a:lnSpc>
+        <a:spcBef>
+          <a:spcPts val="500"/>
+        </a:spcBef>
+        <a:buFont typeface="Arial" panose="020B0604020202020204" pitchFamily="34" charset="0"/>
+        <a:buChar char="•"/>
+        <a:defRPr sz="1800" kern="1200">
+          <a:solidFill>
+            <a:schemeClr val="tx1"/>
+          </a:solidFill>
+          <a:latin typeface="+mn-lt"/>
+          <a:ea typeface="+mn-ea"/>
+          <a:cs typeface="+mn-cs"/>
+        </a:defRPr>
+      </a:lvl7pPr>
+      <a:lvl8pPr marL="3429000" indent="-228600" algn="l" defTabSz="914400" rtl="0" eaLnBrk="1" latinLnBrk="0" hangingPunct="1">
+        <a:lnSpc>
+          <a:spcPct val="90000"/>
+        </a:lnSpc>
+        <a:spcBef>
+          <a:spcPts val="500"/>
+        </a:spcBef>
+        <a:buFont typeface="Arial" panose="020B0604020202020204" pitchFamily="34" charset="0"/>
+        <a:buChar char="•"/>
+        <a:defRPr sz="1800" kern="1200">
+          <a:solidFill>
+            <a:schemeClr val="tx1"/>
+          </a:solidFill>
+          <a:latin typeface="+mn-lt"/>
+          <a:ea typeface="+mn-ea"/>
+          <a:cs typeface="+mn-cs"/>
+        </a:defRPr>
+      </a:lvl8pPr>
+      <a:lvl9pPr marL="3886200" indent="-228600" algn="l" defTabSz="914400" rtl="0" eaLnBrk="1" latinLnBrk="0" hangingPunct="1">
+        <a:lnSpc>
+          <a:spcPct val="90000"/>
+        </a:lnSpc>
+        <a:spcBef>
+          <a:spcPts val="500"/>
+        </a:spcBef>
+        <a:buFont typeface="Arial" panose="020B0604020202020204" pitchFamily="34" charset="0"/>
+        <a:buChar char="•"/>
+        <a:defRPr sz="1800" kern="1200">
+          <a:solidFill>
+            <a:schemeClr val="tx1"/>
+          </a:solidFill>
+          <a:latin typeface="+mn-lt"/>
+          <a:ea typeface="+mn-ea"/>
+          <a:cs typeface="+mn-cs"/>
+        </a:defRPr>
+      </a:lvl9pPr>
+    </p:bodyStyle>
+    <p:otherStyle>
+      <a:defPPr>
+        <a:defRPr lang="en-US"/>
+      </a:defPPr>
+      <a:lvl1pPr marL="0" algn="l" defTabSz="914400" rtl="0" eaLnBrk="1" latinLnBrk="0" hangingPunct="1">
+        <a:defRPr sz="1800" kern="1200">
+          <a:solidFill>
+            <a:schemeClr val="tx1"/>
+          </a:solidFill>
+          <a:latin typeface="+mn-lt"/>
+          <a:ea typeface="+mn-ea"/>
+          <a:cs typeface="+mn-cs"/>
+        </a:defRPr>
+      </a:lvl1pPr>
+      <a:lvl2pPr marL="457200" algn="l" defTabSz="914400" rtl="0" eaLnBrk="1" latinLnBrk="0" hangingPunct="1">
+        <a:defRPr sz="1800" kern="1200">
+          <a:solidFill>
+            <a:schemeClr val="tx1"/>
+          </a:solidFill>
+          <a:latin typeface="+mn-lt"/>
+          <a:ea typeface="+mn-ea"/>
+          <a:cs typeface="+mn-cs"/>
+        </a:defRPr>
+      </a:lvl2pPr>
+      <a:lvl3pPr marL="914400" algn="l" defTabSz="914400" rtl="0" eaLnBrk="1" latinLnBrk="0" hangingPunct="1">
+        <a:defRPr sz="1800" kern="1200">
+          <a:solidFill>
+            <a:schemeClr val="tx1"/>
+          </a:solidFill>
+          <a:latin typeface="+mn-lt"/>
+          <a:ea typeface="+mn-ea"/>
+          <a:cs typeface="+mn-cs"/>
+        </a:defRPr>
+      </a:lvl3pPr>
+      <a:lvl4pPr marL="1371600" algn="l" defTabSz="914400" rtl="0" eaLnBrk="1" latinLnBrk="0" hangingPunct="1">
+        <a:defRPr sz="1800" kern="1200">
+          <a:solidFill>
+            <a:schemeClr val="tx1"/>
+          </a:solidFill>
+          <a:latin typeface="+mn-lt"/>
+          <a:ea typeface="+mn-ea"/>
+          <a:cs typeface="+mn-cs"/>
+        </a:defRPr>
+      </a:lvl4pPr>
+      <a:lvl5pPr marL="1828800" algn="l" defTabSz="914400" rtl="0" eaLnBrk="1" latinLnBrk="0" hangingPunct="1">
+        <a:defRPr sz="1800" kern="1200">
+          <a:solidFill>
+            <a:schemeClr val="tx1"/>
+          </a:solidFill>
+          <a:latin typeface="+mn-lt"/>
+          <a:ea typeface="+mn-ea"/>
+          <a:cs typeface="+mn-cs"/>
+        </a:defRPr>
+      </a:lvl5pPr>
+      <a:lvl6pPr marL="2286000" algn="l" defTabSz="914400" rtl="0" eaLnBrk="1" latinLnBrk="0" hangingPunct="1">
+        <a:defRPr sz="1800" kern="1200">
+          <a:solidFill>
+            <a:schemeClr val="tx1"/>
+          </a:solidFill>
+          <a:latin typeface="+mn-lt"/>
+          <a:ea typeface="+mn-ea"/>
+          <a:cs typeface="+mn-cs"/>
+        </a:defRPr>
+      </a:lvl6pPr>
+      <a:lvl7pPr marL="2743200" algn="l" defTabSz="914400" rtl="0" eaLnBrk="1" latinLnBrk="0" hangingPunct="1">
+        <a:defRPr sz="1800" kern="1200">
+          <a:solidFill>
+            <a:schemeClr val="tx1"/>
+          </a:solidFill>
+          <a:latin typeface="+mn-lt"/>
+          <a:ea typeface="+mn-ea"/>
+          <a:cs typeface="+mn-cs"/>
+        </a:defRPr>
+      </a:lvl7pPr>
+      <a:lvl8pPr marL="3200400" algn="l" defTabSz="914400" rtl="0" eaLnBrk="1" latinLnBrk="0" hangingPunct="1">
+        <a:defRPr sz="1800" kern="1200">
+          <a:solidFill>
+            <a:schemeClr val="tx1"/>
+          </a:solidFill>
+          <a:latin typeface="+mn-lt"/>
+          <a:ea typeface="+mn-ea"/>
+          <a:cs typeface="+mn-cs"/>
+        </a:defRPr>
+      </a:lvl8pPr>
+      <a:lvl9pPr marL="3657600" algn="l" defTabSz="914400" rtl="0" eaLnBrk="1" latinLnBrk="0" hangingPunct="1">
+        <a:defRPr sz="1800" kern="1200">
+          <a:solidFill>
+            <a:schemeClr val="tx1"/>
+          </a:solidFill>
+          <a:latin typeface="+mn-lt"/>
+          <a:ea typeface="+mn-ea"/>
+          <a:cs typeface="+mn-cs"/>
+        </a:defRPr>
+      </a:lvl9pPr>
+    </p:otherStyle>
+  </p:txStyles>
 </p:sldMaster>
 </file>
 
 <file path=ppt/slides/slide1.xml><?xml version="1.0" encoding="utf-8"?>
-<p:sld xmlns:a="http://schemas.openxmlformats.org/drawingml/2006/main" xmlns:p="http://schemas.openxmlformats.org/presentationml/2006/main" xmlns:r="http://schemas.openxmlformats.org/officeDocument/2006/relationships" xmlns:p14="http://schemas.microsoft.com/office/powerpoint/2010/main" xmlns:p15="http://schemas.microsoft.com/office/powerpoint/2012/main" xmlns:mc="http://schemas.openxmlformats.org/markup-compatibility/2006">
+<p:sld xmlns:a="http://schemas.openxmlformats.org/drawingml/2006/main" xmlns:r="http://schemas.openxmlformats.org/officeDocument/2006/relationships" xmlns:p="http://schemas.openxmlformats.org/presentationml/2006/main">
   <p:cSld>
     <p:spTree>
       <p:nvGrpSpPr>
@@ -4473,7 +5205,7 @@
         </p:nvSpPr>
         <p:spPr>
           <a:xfrm>
-            <a:off x="503280" y="1474920"/>
+            <a:off x="503280" y="1949400"/>
             <a:ext cx="9070200" cy="1261440"/>
           </a:xfrm>
           <a:prstGeom prst="rect">
@@ -4485,13 +5217,20 @@
           </a:ln>
         </p:spPr>
         <p:style>
-          <a:lnRef idx="0"/>
-          <a:fillRef idx="0"/>
-          <a:effectRef idx="0"/>
+          <a:lnRef idx="0">
+            <a:scrgbClr r="0" g="0" b="0"/>
+          </a:lnRef>
+          <a:fillRef idx="0">
+            <a:scrgbClr r="0" g="0" b="0"/>
+          </a:fillRef>
+          <a:effectRef idx="0">
+            <a:scrgbClr r="0" g="0" b="0"/>
+          </a:effectRef>
           <a:fontRef idx="minor"/>
         </p:style>
         <p:txBody>
-          <a:bodyPr lIns="0" rIns="0" tIns="39240" bIns="0" anchor="ctr"/>
+          <a:bodyPr lIns="0" tIns="39240" rIns="0" bIns="0" anchor="ctr"/>
+          <a:lstStyle/>
           <a:p>
             <a:pPr algn="ctr">
               <a:lnSpc>
@@ -4499,13 +5238,13 @@
               </a:lnSpc>
             </a:pPr>
             <a:r>
-              <a:rPr b="0" lang="en-GB" sz="4400" spc="-1" strike="noStrike">
+              <a:rPr lang="en-GB" sz="4400" b="0" strike="noStrike" spc="-1" dirty="0">
                 <a:solidFill>
                   <a:srgbClr val="800000"/>
                 </a:solidFill>
                 <a:uFill>
                   <a:solidFill>
-                    <a:srgbClr val="ffffff"/>
+                    <a:srgbClr val="FFFFFF"/>
                   </a:solidFill>
                 </a:uFill>
                 <a:latin typeface="Arial"/>
@@ -4513,13 +5252,13 @@
               </a:rPr>
               <a:t>Binder</a:t>
             </a:r>
-            <a:endParaRPr b="0" lang="en-GB" sz="1800" spc="-1" strike="noStrike">
-              <a:solidFill>
-                <a:srgbClr val="000000"/>
-              </a:solidFill>
-              <a:uFill>
-                <a:solidFill>
-                  <a:srgbClr val="ffffff"/>
+            <a:endParaRPr lang="en-GB" sz="1800" b="0" strike="noStrike" spc="-1" dirty="0">
+              <a:solidFill>
+                <a:srgbClr val="000000"/>
+              </a:solidFill>
+              <a:uFill>
+                <a:solidFill>
+                  <a:srgbClr val="FFFFFF"/>
                 </a:solidFill>
               </a:uFill>
               <a:latin typeface="Arial"/>
@@ -4547,13 +5286,20 @@
           </a:ln>
         </p:spPr>
         <p:style>
-          <a:lnRef idx="0"/>
-          <a:fillRef idx="0"/>
-          <a:effectRef idx="0"/>
+          <a:lnRef idx="0">
+            <a:scrgbClr r="0" g="0" b="0"/>
+          </a:lnRef>
+          <a:fillRef idx="0">
+            <a:scrgbClr r="0" g="0" b="0"/>
+          </a:fillRef>
+          <a:effectRef idx="0">
+            <a:scrgbClr r="0" g="0" b="0"/>
+          </a:effectRef>
           <a:fontRef idx="minor"/>
         </p:style>
         <p:txBody>
-          <a:bodyPr lIns="0" rIns="0" tIns="28440" bIns="0" anchor="ctr"/>
+          <a:bodyPr lIns="0" tIns="28440" rIns="0" bIns="0" anchor="ctr"/>
+          <a:lstStyle/>
           <a:p>
             <a:pPr algn="ctr">
               <a:lnSpc>
@@ -4561,92 +5307,28 @@
               </a:lnSpc>
             </a:pPr>
             <a:r>
-              <a:rPr b="0" lang="en-GB" sz="3200" spc="-1" strike="noStrike">
-                <a:solidFill>
-                  <a:srgbClr val="0000ff"/>
-                </a:solidFill>
-                <a:uFill>
-                  <a:solidFill>
-                    <a:srgbClr val="ffffff"/>
+              <a:rPr lang="en-GB" sz="3200" b="0" strike="noStrike" spc="-1" dirty="0">
+                <a:solidFill>
+                  <a:srgbClr val="0000FF"/>
+                </a:solidFill>
+                <a:uFill>
+                  <a:solidFill>
+                    <a:srgbClr val="FFFFFF"/>
                   </a:solidFill>
                 </a:uFill>
                 <a:latin typeface="Arial"/>
                 <a:ea typeface="Noto Sans CJK SC Regular"/>
-                <a:hlinkClick r:id="rId1"/>
-              </a:rPr>
-              <a:t>http://mybinder.org</a:t>
-            </a:r>
-            <a:endParaRPr b="0" lang="en-GB" sz="1800" spc="-1" strike="noStrike">
-              <a:solidFill>
-                <a:srgbClr val="000000"/>
-              </a:solidFill>
-              <a:uFill>
-                <a:solidFill>
-                  <a:srgbClr val="ffffff"/>
-                </a:solidFill>
-              </a:uFill>
-              <a:latin typeface="Arial"/>
-            </a:endParaRPr>
-          </a:p>
-          <a:p>
-            <a:pPr algn="ctr">
-              <a:lnSpc>
-                <a:spcPct val="100000"/>
-              </a:lnSpc>
-            </a:pPr>
-            <a:r>
-              <a:rPr b="0" lang="en-GB" sz="3200" spc="-1" strike="noStrike">
-                <a:solidFill>
-                  <a:srgbClr val="0000ff"/>
-                </a:solidFill>
-                <a:uFill>
-                  <a:solidFill>
-                    <a:srgbClr val="ffffff"/>
-                  </a:solidFill>
-                </a:uFill>
-                <a:latin typeface="Arial"/>
-                <a:ea typeface="Noto Sans CJK SC Regular"/>
-              </a:rPr>
-              <a:t>(maybe </a:t>
-            </a:r>
-            <a:r>
-              <a:rPr b="0" lang="en-GB" sz="3200" spc="-1" strike="noStrike">
-                <a:solidFill>
-                  <a:srgbClr val="0000ff"/>
-                </a:solidFill>
-                <a:uFill>
-                  <a:solidFill>
-                    <a:srgbClr val="ffffff"/>
-                  </a:solidFill>
-                </a:uFill>
-                <a:latin typeface="Arial"/>
-                <a:ea typeface="Noto Sans CJK SC Regular"/>
-                <a:hlinkClick r:id="rId2"/>
-              </a:rPr>
-              <a:t>http://beta.mybinder.org</a:t>
-            </a:r>
-            <a:r>
-              <a:rPr b="0" lang="en-GB" sz="3200" spc="-1" strike="noStrike">
-                <a:solidFill>
-                  <a:srgbClr val="0000ff"/>
-                </a:solidFill>
-                <a:uFill>
-                  <a:solidFill>
-                    <a:srgbClr val="ffffff"/>
-                  </a:solidFill>
-                </a:uFill>
-                <a:latin typeface="Arial"/>
-                <a:ea typeface="Noto Sans CJK SC Regular"/>
-              </a:rPr>
-              <a:t>)</a:t>
-            </a:r>
-            <a:endParaRPr b="0" lang="en-GB" sz="1800" spc="-1" strike="noStrike">
-              <a:solidFill>
-                <a:srgbClr val="000000"/>
-              </a:solidFill>
-              <a:uFill>
-                <a:solidFill>
-                  <a:srgbClr val="ffffff"/>
+                <a:hlinkClick r:id="rId3"/>
+              </a:rPr>
+              <a:t>https://mybinder.org</a:t>
+            </a:r>
+            <a:endParaRPr lang="en-GB" sz="1800" b="0" strike="noStrike" spc="-1" dirty="0">
+              <a:solidFill>
+                <a:srgbClr val="000000"/>
+              </a:solidFill>
+              <a:uFill>
+                <a:solidFill>
+                  <a:srgbClr val="FFFFFF"/>
                 </a:solidFill>
               </a:uFill>
               <a:latin typeface="Arial"/>
@@ -4674,13 +5356,20 @@
           </a:ln>
         </p:spPr>
         <p:style>
-          <a:lnRef idx="0"/>
-          <a:fillRef idx="0"/>
-          <a:effectRef idx="0"/>
+          <a:lnRef idx="0">
+            <a:scrgbClr r="0" g="0" b="0"/>
+          </a:lnRef>
+          <a:fillRef idx="0">
+            <a:scrgbClr r="0" g="0" b="0"/>
+          </a:fillRef>
+          <a:effectRef idx="0">
+            <a:scrgbClr r="0" g="0" b="0"/>
+          </a:effectRef>
           <a:fontRef idx="minor"/>
         </p:style>
         <p:txBody>
-          <a:bodyPr lIns="0" rIns="0" tIns="35640" bIns="0" anchor="ctr"/>
+          <a:bodyPr lIns="0" tIns="35640" rIns="0" bIns="0" anchor="ctr"/>
+          <a:lstStyle/>
           <a:p>
             <a:pPr>
               <a:lnSpc>
@@ -4688,13 +5377,13 @@
               </a:lnSpc>
             </a:pPr>
             <a:r>
-              <a:rPr b="1" lang="en-GB" sz="1800" spc="-1" strike="noStrike">
+              <a:rPr lang="en-GB" sz="1800" b="1" strike="noStrike" spc="-1">
                 <a:solidFill>
                   <a:srgbClr val="808080"/>
                 </a:solidFill>
                 <a:uFill>
                   <a:solidFill>
-                    <a:srgbClr val="ffffff"/>
+                    <a:srgbClr val="FFFFFF"/>
                   </a:solidFill>
                 </a:uFill>
                 <a:latin typeface="Arial"/>
@@ -4702,13 +5391,13 @@
               </a:rPr>
               <a:t>Neuroinformatics tutorial</a:t>
             </a:r>
-            <a:endParaRPr b="0" lang="en-GB" sz="1800" spc="-1" strike="noStrike">
-              <a:solidFill>
-                <a:srgbClr val="000000"/>
-              </a:solidFill>
-              <a:uFill>
-                <a:solidFill>
-                  <a:srgbClr val="ffffff"/>
+            <a:endParaRPr lang="en-GB" sz="1800" b="0" strike="noStrike" spc="-1">
+              <a:solidFill>
+                <a:srgbClr val="000000"/>
+              </a:solidFill>
+              <a:uFill>
+                <a:solidFill>
+                  <a:srgbClr val="FFFFFF"/>
                 </a:solidFill>
               </a:uFill>
               <a:latin typeface="Arial"/>
@@ -4736,92 +5425,199 @@
           </a:ln>
         </p:spPr>
         <p:style>
-          <a:lnRef idx="0"/>
-          <a:fillRef idx="0"/>
-          <a:effectRef idx="0"/>
+          <a:lnRef idx="0">
+            <a:scrgbClr r="0" g="0" b="0"/>
+          </a:lnRef>
+          <a:fillRef idx="0">
+            <a:scrgbClr r="0" g="0" b="0"/>
+          </a:fillRef>
+          <a:effectRef idx="0">
+            <a:scrgbClr r="0" g="0" b="0"/>
+          </a:effectRef>
           <a:fontRef idx="minor"/>
         </p:style>
         <p:txBody>
-          <a:bodyPr lIns="90000" rIns="90000" tIns="60840" bIns="45000"/>
+          <a:bodyPr lIns="90000" tIns="60840" rIns="90000" bIns="45000"/>
+          <a:lstStyle/>
+          <a:p>
+            <a:pPr marL="285750" indent="-285750">
+              <a:lnSpc>
+                <a:spcPct val="100000"/>
+              </a:lnSpc>
+              <a:buFont typeface="Arial" panose="020B0604020202020204" pitchFamily="34" charset="0"/>
+              <a:buChar char="•"/>
+            </a:pPr>
+            <a:r>
+              <a:rPr lang="en-GB" spc="-1" dirty="0">
+                <a:solidFill>
+                  <a:srgbClr val="000000"/>
+                </a:solidFill>
+                <a:uFill>
+                  <a:solidFill>
+                    <a:srgbClr val="FFFFFF"/>
+                  </a:solidFill>
+                </a:uFill>
+                <a:latin typeface="Arial"/>
+              </a:rPr>
+              <a:t>Put code (e.g. </a:t>
+            </a:r>
+            <a:r>
+              <a:rPr lang="en-GB" spc="-1" dirty="0" err="1">
+                <a:solidFill>
+                  <a:srgbClr val="000000"/>
+                </a:solidFill>
+                <a:uFill>
+                  <a:solidFill>
+                    <a:srgbClr val="FFFFFF"/>
+                  </a:solidFill>
+                </a:uFill>
+                <a:latin typeface="Arial"/>
+              </a:rPr>
+              <a:t>Jupyter</a:t>
+            </a:r>
+            <a:r>
+              <a:rPr lang="en-GB" spc="-1" dirty="0">
+                <a:solidFill>
+                  <a:srgbClr val="000000"/>
+                </a:solidFill>
+                <a:uFill>
+                  <a:solidFill>
+                    <a:srgbClr val="FFFFFF"/>
+                  </a:solidFill>
+                </a:uFill>
+                <a:latin typeface="Arial"/>
+              </a:rPr>
+              <a:t> Notebooks) in a web repository (e.g., GitHub)</a:t>
+            </a:r>
+          </a:p>
+          <a:p>
+            <a:pPr marL="285750" indent="-285750">
+              <a:lnSpc>
+                <a:spcPct val="100000"/>
+              </a:lnSpc>
+              <a:buFont typeface="Arial" panose="020B0604020202020204" pitchFamily="34" charset="0"/>
+              <a:buChar char="•"/>
+            </a:pPr>
+            <a:r>
+              <a:rPr lang="en-GB" sz="1800" b="0" strike="noStrike" spc="-1" dirty="0">
+                <a:solidFill>
+                  <a:srgbClr val="000000"/>
+                </a:solidFill>
+                <a:uFill>
+                  <a:solidFill>
+                    <a:srgbClr val="FFFFFF"/>
+                  </a:solidFill>
+                </a:uFill>
+                <a:latin typeface="Arial"/>
+              </a:rPr>
+              <a:t>Use Binder to create a sharable link that lets others op</a:t>
+            </a:r>
+            <a:r>
+              <a:rPr lang="en-GB" sz="1800" b="0" strike="noStrike" spc="-1" dirty="0">
+                <a:solidFill>
+                  <a:srgbClr val="000000"/>
+                </a:solidFill>
+                <a:uFill>
+                  <a:solidFill>
+                    <a:srgbClr val="FFFFFF"/>
+                  </a:solidFill>
+                </a:uFill>
+                <a:latin typeface="Arial"/>
+                <a:ea typeface="Noto Sans CJK SC Regular"/>
+              </a:rPr>
+              <a:t>en those notebooks in an executable environment.</a:t>
+            </a:r>
+            <a:endParaRPr lang="en-GB" spc="-1" dirty="0">
+              <a:solidFill>
+                <a:srgbClr val="000000"/>
+              </a:solidFill>
+              <a:uFill>
+                <a:solidFill>
+                  <a:srgbClr val="FFFFFF"/>
+                </a:solidFill>
+              </a:uFill>
+              <a:latin typeface="Arial"/>
+              <a:ea typeface="Noto Sans CJK SC Regular"/>
+            </a:endParaRPr>
+          </a:p>
+          <a:p>
+            <a:pPr marL="285750" indent="-285750">
+              <a:lnSpc>
+                <a:spcPct val="100000"/>
+              </a:lnSpc>
+              <a:buFont typeface="Arial" panose="020B0604020202020204" pitchFamily="34" charset="0"/>
+              <a:buChar char="•"/>
+            </a:pPr>
+            <a:r>
+              <a:rPr lang="en-GB" sz="1800" b="0" strike="noStrike" spc="-1" dirty="0">
+                <a:solidFill>
+                  <a:srgbClr val="000000"/>
+                </a:solidFill>
+                <a:uFill>
+                  <a:solidFill>
+                    <a:srgbClr val="FFFFFF"/>
+                  </a:solidFill>
+                </a:uFill>
+                <a:latin typeface="Arial"/>
+                <a:ea typeface="Noto Sans CJK SC Regular"/>
+              </a:rPr>
+              <a:t>You</a:t>
+            </a:r>
+            <a:r>
+              <a:rPr lang="en-GB" spc="-1" dirty="0">
+                <a:solidFill>
+                  <a:srgbClr val="000000"/>
+                </a:solidFill>
+                <a:uFill>
+                  <a:solidFill>
+                    <a:srgbClr val="FFFFFF"/>
+                  </a:solidFill>
+                </a:uFill>
+                <a:latin typeface="Arial"/>
+                <a:ea typeface="Noto Sans CJK SC Regular"/>
+              </a:rPr>
+              <a:t>r code becomes </a:t>
+            </a:r>
+            <a:r>
+              <a:rPr lang="en-GB" sz="1800" b="0" strike="noStrike" spc="-1" dirty="0">
+                <a:solidFill>
+                  <a:srgbClr val="000000"/>
+                </a:solidFill>
+                <a:uFill>
+                  <a:solidFill>
+                    <a:srgbClr val="FFFFFF"/>
+                  </a:solidFill>
+                </a:uFill>
+                <a:latin typeface="Arial"/>
+                <a:ea typeface="Noto Sans CJK SC Regular"/>
+              </a:rPr>
+              <a:t>immediately reproducible by anyone, anywhere.</a:t>
+            </a:r>
+            <a:endParaRPr lang="en-GB" sz="1800" b="0" strike="noStrike" spc="-1" dirty="0">
+              <a:solidFill>
+                <a:srgbClr val="000000"/>
+              </a:solidFill>
+              <a:uFill>
+                <a:solidFill>
+                  <a:srgbClr val="FFFFFF"/>
+                </a:solidFill>
+              </a:uFill>
+              <a:latin typeface="Arial"/>
+            </a:endParaRPr>
+          </a:p>
           <a:p>
             <a:pPr>
               <a:lnSpc>
                 <a:spcPct val="100000"/>
               </a:lnSpc>
             </a:pPr>
-            <a:r>
-              <a:rPr b="0" lang="en-GB" sz="1800" spc="-1" strike="noStrike">
-                <a:solidFill>
-                  <a:srgbClr val="000000"/>
-                </a:solidFill>
-                <a:uFill>
-                  <a:solidFill>
-                    <a:srgbClr val="ffffff"/>
-                  </a:solidFill>
-                </a:uFill>
-                <a:latin typeface="Arial"/>
-                <a:ea typeface="Noto Sans CJK SC Regular"/>
-              </a:rPr>
-              <a:t>Turn a GitHub repo into a collection of interactive notebooks.</a:t>
-            </a:r>
-            <a:endParaRPr b="0" lang="en-GB" sz="1800" spc="-1" strike="noStrike">
-              <a:solidFill>
-                <a:srgbClr val="000000"/>
-              </a:solidFill>
-              <a:uFill>
-                <a:solidFill>
-                  <a:srgbClr val="ffffff"/>
-                </a:solidFill>
-              </a:uFill>
-              <a:latin typeface="Arial"/>
-            </a:endParaRPr>
-          </a:p>
-          <a:p>
-            <a:pPr>
-              <a:lnSpc>
-                <a:spcPct val="100000"/>
-              </a:lnSpc>
-            </a:pPr>
-            <a:r>
-              <a:rPr b="0" lang="en-GB" sz="1800" spc="-1" strike="noStrike">
-                <a:solidFill>
-                  <a:srgbClr val="000000"/>
-                </a:solidFill>
-                <a:uFill>
-                  <a:solidFill>
-                    <a:srgbClr val="ffffff"/>
-                  </a:solidFill>
-                </a:uFill>
-                <a:latin typeface="Arial"/>
-                <a:ea typeface="Noto Sans CJK SC Regular"/>
-              </a:rPr>
-              <a:t>Open those notebooks in an executable environment, making your code immediately reproducible by anyone, anywhere.</a:t>
-            </a:r>
-            <a:endParaRPr b="0" lang="en-GB" sz="1800" spc="-1" strike="noStrike">
-              <a:solidFill>
-                <a:srgbClr val="000000"/>
-              </a:solidFill>
-              <a:uFill>
-                <a:solidFill>
-                  <a:srgbClr val="ffffff"/>
-                </a:solidFill>
-              </a:uFill>
-              <a:latin typeface="Arial"/>
-            </a:endParaRPr>
-          </a:p>
-          <a:p>
-            <a:pPr>
-              <a:lnSpc>
-                <a:spcPct val="100000"/>
-              </a:lnSpc>
-            </a:pPr>
-            <a:endParaRPr b="0" lang="en-GB" sz="1800" spc="-1" strike="noStrike">
-              <a:solidFill>
-                <a:srgbClr val="000000"/>
-              </a:solidFill>
-              <a:uFill>
-                <a:solidFill>
-                  <a:srgbClr val="ffffff"/>
+            <a:endParaRPr lang="en-GB" sz="1800" b="0" strike="noStrike" spc="-1" dirty="0">
+              <a:solidFill>
+                <a:srgbClr val="000000"/>
+              </a:solidFill>
+              <a:uFill>
+                <a:solidFill>
+                  <a:srgbClr val="FFFFFF"/>
                 </a:solidFill>
               </a:uFill>
               <a:latin typeface="Arial"/>
@@ -4851,9 +5647,15 @@
           </a:ln>
         </p:spPr>
         <p:style>
-          <a:lnRef idx="0"/>
-          <a:fillRef idx="0"/>
-          <a:effectRef idx="0"/>
+          <a:lnRef idx="0">
+            <a:scrgbClr r="0" g="0" b="0"/>
+          </a:lnRef>
+          <a:fillRef idx="0">
+            <a:scrgbClr r="0" g="0" b="0"/>
+          </a:fillRef>
+          <a:effectRef idx="0">
+            <a:scrgbClr r="0" g="0" b="0"/>
+          </a:effectRef>
           <a:fontRef idx="minor"/>
         </p:style>
       </p:sp>
@@ -4877,13 +5679,20 @@
           </a:ln>
         </p:spPr>
         <p:style>
-          <a:lnRef idx="0"/>
-          <a:fillRef idx="0"/>
-          <a:effectRef idx="0"/>
+          <a:lnRef idx="0">
+            <a:scrgbClr r="0" g="0" b="0"/>
+          </a:lnRef>
+          <a:fillRef idx="0">
+            <a:scrgbClr r="0" g="0" b="0"/>
+          </a:fillRef>
+          <a:effectRef idx="0">
+            <a:scrgbClr r="0" g="0" b="0"/>
+          </a:effectRef>
           <a:fontRef idx="minor"/>
         </p:style>
         <p:txBody>
-          <a:bodyPr lIns="0" rIns="0" tIns="35640" bIns="0" anchor="ctr"/>
+          <a:bodyPr lIns="0" tIns="35640" rIns="0" bIns="0" anchor="ctr"/>
+          <a:lstStyle/>
           <a:p>
             <a:pPr algn="r">
               <a:lnSpc>
@@ -4891,13 +5700,13 @@
               </a:lnSpc>
             </a:pPr>
             <a:r>
-              <a:rPr b="0" lang="en-GB" sz="1800" spc="-1" strike="noStrike">
+              <a:rPr lang="en-GB" sz="1800" b="0" strike="noStrike" spc="-1">
                 <a:solidFill>
                   <a:srgbClr val="808080"/>
                 </a:solidFill>
                 <a:uFill>
                   <a:solidFill>
-                    <a:srgbClr val="ffffff"/>
+                    <a:srgbClr val="FFFFFF"/>
                   </a:solidFill>
                 </a:uFill>
                 <a:latin typeface="Arial"/>
@@ -4905,22 +5714,125 @@
               </a:rPr>
               <a:t>1.6 Computing infrastructure</a:t>
             </a:r>
-            <a:endParaRPr b="0" lang="en-GB" sz="1800" spc="-1" strike="noStrike">
-              <a:solidFill>
-                <a:srgbClr val="000000"/>
-              </a:solidFill>
-              <a:uFill>
-                <a:solidFill>
-                  <a:srgbClr val="ffffff"/>
-                </a:solidFill>
-              </a:uFill>
-              <a:latin typeface="Arial"/>
-            </a:endParaRPr>
+            <a:endParaRPr lang="en-GB" sz="1800" b="0" strike="noStrike" spc="-1">
+              <a:solidFill>
+                <a:srgbClr val="000000"/>
+              </a:solidFill>
+              <a:uFill>
+                <a:solidFill>
+                  <a:srgbClr val="FFFFFF"/>
+                </a:solidFill>
+              </a:uFill>
+              <a:latin typeface="Arial"/>
+            </a:endParaRPr>
+          </a:p>
+        </p:txBody>
+      </p:sp>
+      <p:pic>
+        <p:nvPicPr>
+          <p:cNvPr id="2" name="Picture 1">
+            <a:extLst>
+              <a:ext uri="{FF2B5EF4-FFF2-40B4-BE49-F238E27FC236}">
+                <a16:creationId xmlns:a16="http://schemas.microsoft.com/office/drawing/2014/main" id="{9FF6370D-F84B-4997-8B7D-181112FE6ACF}"/>
+              </a:ext>
+            </a:extLst>
+          </p:cNvPr>
+          <p:cNvPicPr>
+            <a:picLocks noChangeAspect="1"/>
+          </p:cNvPicPr>
+          <p:nvPr/>
+        </p:nvPicPr>
+        <p:blipFill>
+          <a:blip r:embed="rId4"/>
+          <a:stretch>
+            <a:fillRect/>
+          </a:stretch>
+        </p:blipFill>
+        <p:spPr>
+          <a:xfrm>
+            <a:off x="4280699" y="570138"/>
+            <a:ext cx="1515361" cy="1513431"/>
+          </a:xfrm>
+          <a:prstGeom prst="rect">
+            <a:avLst/>
+          </a:prstGeom>
+        </p:spPr>
+      </p:pic>
+      <p:sp>
+        <p:nvSpPr>
+          <p:cNvPr id="3" name="Rectangle 2">
+            <a:extLst>
+              <a:ext uri="{FF2B5EF4-FFF2-40B4-BE49-F238E27FC236}">
+                <a16:creationId xmlns:a16="http://schemas.microsoft.com/office/drawing/2014/main" id="{79C9955A-0776-467F-A267-45352B73868C}"/>
+              </a:ext>
+            </a:extLst>
+          </p:cNvPr>
+          <p:cNvSpPr/>
+          <p:nvPr/>
+        </p:nvSpPr>
+        <p:spPr>
+          <a:xfrm>
+            <a:off x="1981655" y="3744693"/>
+            <a:ext cx="6117316" cy="830997"/>
+          </a:xfrm>
+          <a:prstGeom prst="rect">
+            <a:avLst/>
+          </a:prstGeom>
+        </p:spPr>
+        <p:txBody>
+          <a:bodyPr wrap="square">
+            <a:spAutoFit/>
+          </a:bodyPr>
+          <a:lstStyle/>
+          <a:p>
+            <a:pPr algn="ctr">
+              <a:lnSpc>
+                <a:spcPct val="100000"/>
+              </a:lnSpc>
+            </a:pPr>
+            <a:r>
+              <a:rPr lang="en-GB" sz="2400" i="1" spc="-1" dirty="0">
+                <a:solidFill>
+                  <a:srgbClr val="000000"/>
+                </a:solidFill>
+                <a:uFill>
+                  <a:solidFill>
+                    <a:srgbClr val="FFFFFF"/>
+                  </a:solidFill>
+                </a:uFill>
+                <a:ea typeface="Noto Sans CJK SC Regular"/>
+              </a:rPr>
+              <a:t>Quickly create sharable, reproducible,</a:t>
+            </a:r>
+          </a:p>
+          <a:p>
+            <a:pPr algn="ctr">
+              <a:lnSpc>
+                <a:spcPct val="100000"/>
+              </a:lnSpc>
+            </a:pPr>
+            <a:r>
+              <a:rPr lang="en-GB" sz="2400" i="1" spc="-1" dirty="0">
+                <a:solidFill>
+                  <a:srgbClr val="000000"/>
+                </a:solidFill>
+                <a:uFill>
+                  <a:solidFill>
+                    <a:srgbClr val="FFFFFF"/>
+                  </a:solidFill>
+                </a:uFill>
+                <a:ea typeface="Noto Sans CJK SC Regular"/>
+              </a:rPr>
+              <a:t>interactive code repositories.</a:t>
+            </a:r>
           </a:p>
         </p:txBody>
       </p:sp>
     </p:spTree>
   </p:cSld>
+  <p:clrMapOvr>
+    <a:masterClrMapping/>
+  </p:clrMapOvr>
   <p:timing>
     <p:tnLst>
       <p:par>
@@ -4929,14 +5841,14 @@
             <p:seq>
               <p:cTn id="2" nodeType="mainSeq"/>
               <p:prevCondLst>
-                <p:cond delay="0" evt="onPrev">
+                <p:cond evt="onPrev" delay="0">
                   <p:tgtEl>
                     <p:sldTgt/>
                   </p:tgtEl>
                 </p:cond>
               </p:prevCondLst>
               <p:nextCondLst>
-                <p:cond delay="0" evt="onNext">
+                <p:cond evt="onNext" delay="0">
                   <p:tgtEl>
                     <p:sldTgt/>
                   </p:tgtEl>
@@ -4952,7 +5864,7 @@
 </file>
 
 <file path=ppt/slides/slide2.xml><?xml version="1.0" encoding="utf-8"?>
-<p:sld xmlns:a="http://schemas.openxmlformats.org/drawingml/2006/main" xmlns:p="http://schemas.openxmlformats.org/presentationml/2006/main" xmlns:r="http://schemas.openxmlformats.org/officeDocument/2006/relationships" xmlns:p14="http://schemas.microsoft.com/office/powerpoint/2010/main" xmlns:p15="http://schemas.microsoft.com/office/powerpoint/2012/main" xmlns:mc="http://schemas.openxmlformats.org/markup-compatibility/2006">
+<p:sld xmlns:a="http://schemas.openxmlformats.org/drawingml/2006/main" xmlns:r="http://schemas.openxmlformats.org/officeDocument/2006/relationships" xmlns:p="http://schemas.openxmlformats.org/presentationml/2006/main">
   <p:cSld>
     <p:spTree>
       <p:nvGrpSpPr>
@@ -4970,12 +5882,12 @@
       </p:grpSpPr>
       <p:pic>
         <p:nvPicPr>
-          <p:cNvPr id="83" name="Picture 1" descr=""/>
+          <p:cNvPr id="83" name="Picture 1"/>
           <p:cNvPicPr/>
           <p:nvPr/>
         </p:nvPicPr>
         <p:blipFill>
-          <a:blip r:embed="rId1"/>
+          <a:blip r:embed="rId3"/>
           <a:stretch/>
         </p:blipFill>
         <p:spPr>
@@ -5018,13 +5930,20 @@
           </a:ln>
         </p:spPr>
         <p:style>
-          <a:lnRef idx="0"/>
-          <a:fillRef idx="0"/>
-          <a:effectRef idx="0"/>
+          <a:lnRef idx="0">
+            <a:scrgbClr r="0" g="0" b="0"/>
+          </a:lnRef>
+          <a:fillRef idx="0">
+            <a:scrgbClr r="0" g="0" b="0"/>
+          </a:fillRef>
+          <a:effectRef idx="0">
+            <a:scrgbClr r="0" g="0" b="0"/>
+          </a:effectRef>
           <a:fontRef idx="minor"/>
         </p:style>
         <p:txBody>
-          <a:bodyPr lIns="90000" rIns="90000" tIns="45000" bIns="45000" anchor="ctr"/>
+          <a:bodyPr lIns="90000" tIns="45000" rIns="90000" bIns="45000" anchor="ctr"/>
+          <a:lstStyle/>
           <a:p>
             <a:pPr algn="ctr">
               <a:lnSpc>
@@ -5032,13 +5951,13 @@
               </a:lnSpc>
             </a:pPr>
             <a:r>
-              <a:rPr b="0" lang="en-GB" sz="2400" spc="-1" strike="noStrike">
+              <a:rPr lang="en-GB" sz="2400" b="1" strike="noStrike" spc="-1" dirty="0">
                 <a:solidFill>
                   <a:srgbClr val="000000"/>
                 </a:solidFill>
                 <a:uFill>
                   <a:solidFill>
-                    <a:srgbClr val="ffffff"/>
+                    <a:srgbClr val="FFFFFF"/>
                   </a:solidFill>
                 </a:uFill>
                 <a:latin typeface="Arial"/>
@@ -5046,13 +5965,13 @@
               </a:rPr>
               <a:t>CODE</a:t>
             </a:r>
-            <a:endParaRPr b="0" lang="en-GB" sz="1800" spc="-1" strike="noStrike">
-              <a:solidFill>
-                <a:srgbClr val="000000"/>
-              </a:solidFill>
-              <a:uFill>
-                <a:solidFill>
-                  <a:srgbClr val="ffffff"/>
+            <a:endParaRPr lang="en-GB" sz="1800" b="1" strike="noStrike" spc="-1" dirty="0">
+              <a:solidFill>
+                <a:srgbClr val="000000"/>
+              </a:solidFill>
+              <a:uFill>
+                <a:solidFill>
+                  <a:srgbClr val="FFFFFF"/>
                 </a:solidFill>
               </a:uFill>
               <a:latin typeface="Arial"/>
@@ -5087,13 +6006,20 @@
           </a:ln>
         </p:spPr>
         <p:style>
-          <a:lnRef idx="0"/>
-          <a:fillRef idx="0"/>
-          <a:effectRef idx="0"/>
+          <a:lnRef idx="0">
+            <a:scrgbClr r="0" g="0" b="0"/>
+          </a:lnRef>
+          <a:fillRef idx="0">
+            <a:scrgbClr r="0" g="0" b="0"/>
+          </a:fillRef>
+          <a:effectRef idx="0">
+            <a:scrgbClr r="0" g="0" b="0"/>
+          </a:effectRef>
           <a:fontRef idx="minor"/>
         </p:style>
         <p:txBody>
-          <a:bodyPr lIns="90000" rIns="90000" tIns="45000" bIns="45000" anchor="ctr"/>
+          <a:bodyPr lIns="90000" tIns="45000" rIns="90000" bIns="45000" anchor="ctr"/>
+          <a:lstStyle/>
           <a:p>
             <a:pPr algn="ctr">
               <a:lnSpc>
@@ -5101,13 +6027,13 @@
               </a:lnSpc>
             </a:pPr>
             <a:r>
-              <a:rPr b="0" lang="en-GB" sz="2400" spc="-1" strike="noStrike">
+              <a:rPr lang="en-GB" sz="2400" b="1" strike="noStrike" spc="-1" dirty="0">
                 <a:solidFill>
                   <a:srgbClr val="000000"/>
                 </a:solidFill>
                 <a:uFill>
                   <a:solidFill>
-                    <a:srgbClr val="ffffff"/>
+                    <a:srgbClr val="FFFFFF"/>
                   </a:solidFill>
                 </a:uFill>
                 <a:latin typeface="Arial"/>
@@ -5115,13 +6041,13 @@
               </a:rPr>
               <a:t>DATA</a:t>
             </a:r>
-            <a:endParaRPr b="0" lang="en-GB" sz="1800" spc="-1" strike="noStrike">
-              <a:solidFill>
-                <a:srgbClr val="000000"/>
-              </a:solidFill>
-              <a:uFill>
-                <a:solidFill>
-                  <a:srgbClr val="ffffff"/>
+            <a:endParaRPr lang="en-GB" sz="1800" b="1" strike="noStrike" spc="-1" dirty="0">
+              <a:solidFill>
+                <a:srgbClr val="000000"/>
+              </a:solidFill>
+              <a:uFill>
+                <a:solidFill>
+                  <a:srgbClr val="FFFFFF"/>
                 </a:solidFill>
               </a:uFill>
               <a:latin typeface="Arial"/>
@@ -5156,13 +6082,20 @@
           </a:ln>
         </p:spPr>
         <p:style>
-          <a:lnRef idx="0"/>
-          <a:fillRef idx="0"/>
-          <a:effectRef idx="0"/>
+          <a:lnRef idx="0">
+            <a:scrgbClr r="0" g="0" b="0"/>
+          </a:lnRef>
+          <a:fillRef idx="0">
+            <a:scrgbClr r="0" g="0" b="0"/>
+          </a:fillRef>
+          <a:effectRef idx="0">
+            <a:scrgbClr r="0" g="0" b="0"/>
+          </a:effectRef>
           <a:fontRef idx="minor"/>
         </p:style>
         <p:txBody>
-          <a:bodyPr lIns="90000" rIns="90000" tIns="45000" bIns="45000" anchor="ctr"/>
+          <a:bodyPr lIns="90000" tIns="45000" rIns="90000" bIns="45000" anchor="ctr"/>
+          <a:lstStyle/>
           <a:p>
             <a:pPr algn="ctr">
               <a:lnSpc>
@@ -5170,13 +6103,13 @@
               </a:lnSpc>
             </a:pPr>
             <a:r>
-              <a:rPr b="0" lang="en-GB" sz="1800" spc="-1" strike="noStrike">
+              <a:rPr lang="en-GB" sz="1800" b="1" strike="noStrike" spc="-1" dirty="0">
                 <a:solidFill>
                   <a:srgbClr val="000000"/>
                 </a:solidFill>
                 <a:uFill>
                   <a:solidFill>
-                    <a:srgbClr val="ffffff"/>
+                    <a:srgbClr val="FFFFFF"/>
                   </a:solidFill>
                 </a:uFill>
                 <a:latin typeface="Arial"/>
@@ -5184,13 +6117,13 @@
               </a:rPr>
               <a:t>DEPENDENCIES</a:t>
             </a:r>
-            <a:endParaRPr b="0" lang="en-GB" sz="1800" spc="-1" strike="noStrike">
-              <a:solidFill>
-                <a:srgbClr val="000000"/>
-              </a:solidFill>
-              <a:uFill>
-                <a:solidFill>
-                  <a:srgbClr val="ffffff"/>
+            <a:endParaRPr lang="en-GB" sz="1800" b="1" strike="noStrike" spc="-1" dirty="0">
+              <a:solidFill>
+                <a:srgbClr val="000000"/>
+              </a:solidFill>
+              <a:uFill>
+                <a:solidFill>
+                  <a:srgbClr val="FFFFFF"/>
                 </a:solidFill>
               </a:uFill>
               <a:latin typeface="Arial"/>
@@ -5213,6 +6146,7 @@
             <a:avLst/>
             <a:gdLst/>
             <a:ahLst/>
+            <a:cxnLst/>
             <a:rect l="l" t="t" r="r" b="b"/>
             <a:pathLst>
               <a:path w="21600" h="21600">
@@ -5226,20 +6160,26 @@
             </a:pathLst>
           </a:custGeom>
           <a:solidFill>
-            <a:srgbClr val="00b8ff"/>
+            <a:srgbClr val="00B8FF"/>
           </a:solidFill>
           <a:ln w="38160">
             <a:solidFill>
               <a:schemeClr val="tx1"/>
             </a:solidFill>
             <a:round/>
-            <a:tailEnd len="med" type="triangle" w="med"/>
+            <a:tailEnd type="triangle" w="med" len="med"/>
           </a:ln>
         </p:spPr>
         <p:style>
-          <a:lnRef idx="0"/>
-          <a:fillRef idx="0"/>
-          <a:effectRef idx="0"/>
+          <a:lnRef idx="0">
+            <a:scrgbClr r="0" g="0" b="0"/>
+          </a:lnRef>
+          <a:fillRef idx="0">
+            <a:scrgbClr r="0" g="0" b="0"/>
+          </a:fillRef>
+          <a:effectRef idx="0">
+            <a:scrgbClr r="0" g="0" b="0"/>
+          </a:effectRef>
           <a:fontRef idx="minor"/>
         </p:style>
       </p:sp>
@@ -5258,6 +6198,7 @@
             <a:avLst/>
             <a:gdLst/>
             <a:ahLst/>
+            <a:cxnLst/>
             <a:rect l="l" t="t" r="r" b="b"/>
             <a:pathLst>
               <a:path w="21600" h="21600">
@@ -5271,20 +6212,26 @@
             </a:pathLst>
           </a:custGeom>
           <a:solidFill>
-            <a:srgbClr val="00b8ff"/>
+            <a:srgbClr val="00B8FF"/>
           </a:solidFill>
           <a:ln w="38160">
             <a:solidFill>
               <a:schemeClr val="tx1"/>
             </a:solidFill>
             <a:round/>
-            <a:tailEnd len="med" type="triangle" w="med"/>
+            <a:tailEnd type="triangle" w="med" len="med"/>
           </a:ln>
         </p:spPr>
         <p:style>
-          <a:lnRef idx="0"/>
-          <a:fillRef idx="0"/>
-          <a:effectRef idx="0"/>
+          <a:lnRef idx="0">
+            <a:scrgbClr r="0" g="0" b="0"/>
+          </a:lnRef>
+          <a:fillRef idx="0">
+            <a:scrgbClr r="0" g="0" b="0"/>
+          </a:fillRef>
+          <a:effectRef idx="0">
+            <a:scrgbClr r="0" g="0" b="0"/>
+          </a:effectRef>
           <a:fontRef idx="minor"/>
         </p:style>
       </p:sp>
@@ -5303,6 +6250,7 @@
             <a:avLst/>
             <a:gdLst/>
             <a:ahLst/>
+            <a:cxnLst/>
             <a:rect l="l" t="t" r="r" b="b"/>
             <a:pathLst>
               <a:path w="21600" h="21600">
@@ -5316,47 +6264,29 @@
             </a:pathLst>
           </a:custGeom>
           <a:solidFill>
-            <a:srgbClr val="00b8ff"/>
+            <a:srgbClr val="00B8FF"/>
           </a:solidFill>
           <a:ln w="38160">
             <a:solidFill>
               <a:schemeClr val="tx1"/>
             </a:solidFill>
             <a:round/>
-            <a:tailEnd len="med" type="triangle" w="med"/>
+            <a:tailEnd type="triangle" w="med" len="med"/>
           </a:ln>
         </p:spPr>
         <p:style>
-          <a:lnRef idx="0"/>
-          <a:fillRef idx="0"/>
-          <a:effectRef idx="0"/>
+          <a:lnRef idx="0">
+            <a:scrgbClr r="0" g="0" b="0"/>
+          </a:lnRef>
+          <a:fillRef idx="0">
+            <a:scrgbClr r="0" g="0" b="0"/>
+          </a:fillRef>
+          <a:effectRef idx="0">
+            <a:scrgbClr r="0" g="0" b="0"/>
+          </a:effectRef>
           <a:fontRef idx="minor"/>
         </p:style>
       </p:sp>
-      <p:pic>
-        <p:nvPicPr>
-          <p:cNvPr id="90" name="Picture 11" descr=""/>
-          <p:cNvPicPr/>
-          <p:nvPr/>
-        </p:nvPicPr>
-        <p:blipFill>
-          <a:blip r:embed="rId2"/>
-          <a:srcRect l="24396" t="4150" r="24396" b="4150"/>
-          <a:stretch/>
-        </p:blipFill>
-        <p:spPr>
-          <a:xfrm>
-            <a:off x="4104360" y="1206360"/>
-            <a:ext cx="2015640" cy="1897560"/>
-          </a:xfrm>
-          <a:prstGeom prst="rect">
-            <a:avLst/>
-          </a:prstGeom>
-          <a:ln>
-            <a:noFill/>
-          </a:ln>
-        </p:spPr>
-      </p:pic>
       <p:sp>
         <p:nvSpPr>
           <p:cNvPr id="91" name="CustomShape 7"/>
@@ -5365,7 +6295,7 @@
         </p:nvSpPr>
         <p:spPr>
           <a:xfrm>
-            <a:off x="4446000" y="3298680"/>
+            <a:off x="4344840" y="1762789"/>
             <a:ext cx="1331280" cy="455760"/>
           </a:xfrm>
           <a:prstGeom prst="rect">
@@ -5377,13 +6307,20 @@
           </a:ln>
         </p:spPr>
         <p:style>
-          <a:lnRef idx="0"/>
-          <a:fillRef idx="0"/>
-          <a:effectRef idx="0"/>
+          <a:lnRef idx="0">
+            <a:scrgbClr r="0" g="0" b="0"/>
+          </a:lnRef>
+          <a:fillRef idx="0">
+            <a:scrgbClr r="0" g="0" b="0"/>
+          </a:fillRef>
+          <a:effectRef idx="0">
+            <a:scrgbClr r="0" g="0" b="0"/>
+          </a:effectRef>
           <a:fontRef idx="minor"/>
         </p:style>
         <p:txBody>
-          <a:bodyPr wrap="none" lIns="90000" rIns="90000" tIns="45000" bIns="45000"/>
+          <a:bodyPr wrap="none" lIns="90000" tIns="45000" rIns="90000" bIns="45000"/>
+          <a:lstStyle/>
           <a:p>
             <a:pPr>
               <a:lnSpc>
@@ -5391,13 +6328,13 @@
               </a:lnSpc>
             </a:pPr>
             <a:r>
-              <a:rPr b="0" lang="en-GB" sz="2400" spc="-1" strike="noStrike">
+              <a:rPr lang="en-GB" sz="2400" b="0" strike="noStrike" spc="-1" dirty="0">
                 <a:solidFill>
                   <a:srgbClr val="000000"/>
                 </a:solidFill>
                 <a:uFill>
                   <a:solidFill>
-                    <a:srgbClr val="ffffff"/>
+                    <a:srgbClr val="FFFFFF"/>
                   </a:solidFill>
                 </a:uFill>
                 <a:latin typeface="Arial"/>
@@ -5405,13 +6342,13 @@
               </a:rPr>
               <a:t>GITHUB</a:t>
             </a:r>
-            <a:endParaRPr b="0" lang="en-GB" sz="1800" spc="-1" strike="noStrike">
-              <a:solidFill>
-                <a:srgbClr val="000000"/>
-              </a:solidFill>
-              <a:uFill>
-                <a:solidFill>
-                  <a:srgbClr val="ffffff"/>
+            <a:endParaRPr lang="en-GB" sz="1800" b="0" strike="noStrike" spc="-1" dirty="0">
+              <a:solidFill>
+                <a:srgbClr val="000000"/>
+              </a:solidFill>
+              <a:uFill>
+                <a:solidFill>
+                  <a:srgbClr val="FFFFFF"/>
                 </a:solidFill>
               </a:uFill>
               <a:latin typeface="Arial"/>
@@ -5434,6 +6371,7 @@
             <a:avLst/>
             <a:gdLst/>
             <a:ahLst/>
+            <a:cxnLst/>
             <a:rect l="l" t="t" r="r" b="b"/>
             <a:pathLst>
               <a:path w="21600" h="21600">
@@ -5447,20 +6385,26 @@
             </a:pathLst>
           </a:custGeom>
           <a:solidFill>
-            <a:srgbClr val="00b8ff"/>
+            <a:srgbClr val="00B8FF"/>
           </a:solidFill>
           <a:ln w="38160">
             <a:solidFill>
               <a:schemeClr val="tx1"/>
             </a:solidFill>
             <a:round/>
-            <a:tailEnd len="med" type="triangle" w="med"/>
+            <a:tailEnd type="triangle" w="med" len="med"/>
           </a:ln>
         </p:spPr>
         <p:style>
-          <a:lnRef idx="0"/>
-          <a:fillRef idx="0"/>
-          <a:effectRef idx="0"/>
+          <a:lnRef idx="0">
+            <a:scrgbClr r="0" g="0" b="0"/>
+          </a:lnRef>
+          <a:fillRef idx="0">
+            <a:scrgbClr r="0" g="0" b="0"/>
+          </a:fillRef>
+          <a:effectRef idx="0">
+            <a:scrgbClr r="0" g="0" b="0"/>
+          </a:effectRef>
           <a:fontRef idx="minor"/>
         </p:style>
       </p:sp>
@@ -5484,13 +6428,20 @@
           </a:ln>
         </p:spPr>
         <p:style>
-          <a:lnRef idx="0"/>
-          <a:fillRef idx="0"/>
-          <a:effectRef idx="0"/>
+          <a:lnRef idx="0">
+            <a:scrgbClr r="0" g="0" b="0"/>
+          </a:lnRef>
+          <a:fillRef idx="0">
+            <a:scrgbClr r="0" g="0" b="0"/>
+          </a:fillRef>
+          <a:effectRef idx="0">
+            <a:scrgbClr r="0" g="0" b="0"/>
+          </a:effectRef>
           <a:fontRef idx="minor"/>
         </p:style>
         <p:txBody>
-          <a:bodyPr wrap="none" lIns="90000" rIns="90000" tIns="45000" bIns="45000"/>
+          <a:bodyPr wrap="none" lIns="90000" tIns="45000" rIns="90000" bIns="45000"/>
+          <a:lstStyle/>
           <a:p>
             <a:pPr>
               <a:lnSpc>
@@ -5498,13 +6449,13 @@
               </a:lnSpc>
             </a:pPr>
             <a:r>
-              <a:rPr b="0" lang="en-GB" sz="1800" spc="-1" strike="noStrike">
+              <a:rPr lang="en-GB" sz="1800" b="0" strike="noStrike" spc="-1" dirty="0">
                 <a:solidFill>
                   <a:srgbClr val="000000"/>
                 </a:solidFill>
                 <a:uFill>
                   <a:solidFill>
-                    <a:srgbClr val="ffffff"/>
+                    <a:srgbClr val="FFFFFF"/>
                   </a:solidFill>
                 </a:uFill>
                 <a:latin typeface="Arial"/>
@@ -5512,13 +6463,13 @@
               </a:rPr>
               <a:t>BINDER LINKS</a:t>
             </a:r>
-            <a:endParaRPr b="0" lang="en-GB" sz="1800" spc="-1" strike="noStrike">
-              <a:solidFill>
-                <a:srgbClr val="000000"/>
-              </a:solidFill>
-              <a:uFill>
-                <a:solidFill>
-                  <a:srgbClr val="ffffff"/>
+            <a:endParaRPr lang="en-GB" sz="1800" b="0" strike="noStrike" spc="-1" dirty="0">
+              <a:solidFill>
+                <a:srgbClr val="000000"/>
+              </a:solidFill>
+              <a:uFill>
+                <a:solidFill>
+                  <a:srgbClr val="FFFFFF"/>
                 </a:solidFill>
               </a:uFill>
               <a:latin typeface="Arial"/>
@@ -5548,9 +6499,15 @@
           </a:ln>
         </p:spPr>
         <p:style>
-          <a:lnRef idx="0"/>
-          <a:fillRef idx="0"/>
-          <a:effectRef idx="0"/>
+          <a:lnRef idx="0">
+            <a:scrgbClr r="0" g="0" b="0"/>
+          </a:lnRef>
+          <a:fillRef idx="0">
+            <a:scrgbClr r="0" g="0" b="0"/>
+          </a:fillRef>
+          <a:effectRef idx="0">
+            <a:scrgbClr r="0" g="0" b="0"/>
+          </a:effectRef>
           <a:fontRef idx="minor"/>
         </p:style>
       </p:sp>
@@ -5574,13 +6531,20 @@
           </a:ln>
         </p:spPr>
         <p:style>
-          <a:lnRef idx="0"/>
-          <a:fillRef idx="0"/>
-          <a:effectRef idx="0"/>
+          <a:lnRef idx="0">
+            <a:scrgbClr r="0" g="0" b="0"/>
+          </a:lnRef>
+          <a:fillRef idx="0">
+            <a:scrgbClr r="0" g="0" b="0"/>
+          </a:fillRef>
+          <a:effectRef idx="0">
+            <a:scrgbClr r="0" g="0" b="0"/>
+          </a:effectRef>
           <a:fontRef idx="minor"/>
         </p:style>
         <p:txBody>
-          <a:bodyPr lIns="90000" rIns="90000" tIns="45000" bIns="45000"/>
+          <a:bodyPr lIns="90000" tIns="45000" rIns="90000" bIns="45000"/>
+          <a:lstStyle/>
           <a:p>
             <a:pPr marL="285840" indent="-285120">
               <a:lnSpc>
@@ -5593,13 +6557,13 @@
               <a:buChar char="•"/>
             </a:pPr>
             <a:r>
-              <a:rPr b="0" lang="en-GB" sz="2400" spc="-1" strike="noStrike">
+              <a:rPr lang="en-GB" sz="2400" b="0" strike="noStrike" spc="-1" dirty="0">
                 <a:solidFill>
                   <a:srgbClr val="000000"/>
                 </a:solidFill>
                 <a:uFill>
                   <a:solidFill>
-                    <a:srgbClr val="ffffff"/>
+                    <a:srgbClr val="FFFFFF"/>
                   </a:solidFill>
                 </a:uFill>
                 <a:latin typeface="Arial"/>
@@ -5607,17 +6571,6 @@
               </a:rPr>
               <a:t>Reproduce figures</a:t>
             </a:r>
-            <a:endParaRPr b="0" lang="en-GB" sz="1800" spc="-1" strike="noStrike">
-              <a:solidFill>
-                <a:srgbClr val="000000"/>
-              </a:solidFill>
-              <a:uFill>
-                <a:solidFill>
-                  <a:srgbClr val="ffffff"/>
-                </a:solidFill>
-              </a:uFill>
-              <a:latin typeface="Arial"/>
-            </a:endParaRPr>
           </a:p>
           <a:p>
             <a:pPr marL="285840" indent="-285120">
@@ -5631,27 +6584,26 @@
               <a:buChar char="•"/>
             </a:pPr>
             <a:r>
-              <a:rPr b="0" lang="en-GB" sz="2400" spc="-1" strike="noStrike">
+              <a:rPr lang="en-GB" sz="2400" b="0" strike="noStrike" spc="-1" dirty="0">
                 <a:solidFill>
                   <a:srgbClr val="000000"/>
                 </a:solidFill>
                 <a:uFill>
                   <a:solidFill>
-                    <a:srgbClr val="ffffff"/>
+                    <a:srgbClr val="FFFFFF"/>
                   </a:solidFill>
                 </a:uFill>
                 <a:latin typeface="Arial"/>
-                <a:ea typeface="Noto Sans CJK SC Regular"/>
-              </a:rPr>
-              <a:t>Share code with collaborators</a:t>
-            </a:r>
-            <a:endParaRPr b="0" lang="en-GB" sz="1800" spc="-1" strike="noStrike">
-              <a:solidFill>
-                <a:srgbClr val="000000"/>
-              </a:solidFill>
-              <a:uFill>
-                <a:solidFill>
-                  <a:srgbClr val="ffffff"/>
+              </a:rPr>
+              <a:t>Create interactive documents</a:t>
+            </a:r>
+            <a:endParaRPr lang="en-GB" sz="1800" b="0" strike="noStrike" spc="-1" dirty="0">
+              <a:solidFill>
+                <a:srgbClr val="000000"/>
+              </a:solidFill>
+              <a:uFill>
+                <a:solidFill>
+                  <a:srgbClr val="FFFFFF"/>
                 </a:solidFill>
               </a:uFill>
               <a:latin typeface="Arial"/>
@@ -5669,27 +6621,27 @@
               <a:buChar char="•"/>
             </a:pPr>
             <a:r>
-              <a:rPr b="0" lang="en-GB" sz="2400" spc="-1" strike="noStrike">
+              <a:rPr lang="en-GB" sz="2400" b="0" strike="noStrike" spc="-1" dirty="0">
                 <a:solidFill>
                   <a:srgbClr val="000000"/>
                 </a:solidFill>
                 <a:uFill>
                   <a:solidFill>
-                    <a:srgbClr val="ffffff"/>
+                    <a:srgbClr val="FFFFFF"/>
                   </a:solidFill>
                 </a:uFill>
                 <a:latin typeface="Arial"/>
                 <a:ea typeface="Noto Sans CJK SC Regular"/>
               </a:rPr>
-              <a:t>Highlight an analysis</a:t>
-            </a:r>
-            <a:endParaRPr b="0" lang="en-GB" sz="1800" spc="-1" strike="noStrike">
-              <a:solidFill>
-                <a:srgbClr val="000000"/>
-              </a:solidFill>
-              <a:uFill>
-                <a:solidFill>
-                  <a:srgbClr val="ffffff"/>
+              <a:t>Share code with collaborators</a:t>
+            </a:r>
+            <a:endParaRPr lang="en-GB" sz="1800" b="0" strike="noStrike" spc="-1" dirty="0">
+              <a:solidFill>
+                <a:srgbClr val="000000"/>
+              </a:solidFill>
+              <a:uFill>
+                <a:solidFill>
+                  <a:srgbClr val="FFFFFF"/>
                 </a:solidFill>
               </a:uFill>
               <a:latin typeface="Arial"/>
@@ -5707,27 +6659,27 @@
               <a:buChar char="•"/>
             </a:pPr>
             <a:r>
-              <a:rPr b="0" lang="en-GB" sz="2400" spc="-1" strike="noStrike">
+              <a:rPr lang="en-GB" sz="2400" b="0" strike="noStrike" spc="-1" dirty="0">
                 <a:solidFill>
                   <a:srgbClr val="000000"/>
                 </a:solidFill>
                 <a:uFill>
                   <a:solidFill>
-                    <a:srgbClr val="ffffff"/>
+                    <a:srgbClr val="FFFFFF"/>
                   </a:solidFill>
                 </a:uFill>
                 <a:latin typeface="Arial"/>
                 <a:ea typeface="Noto Sans CJK SC Regular"/>
               </a:rPr>
-              <a:t>Show off your codebase</a:t>
-            </a:r>
-            <a:endParaRPr b="0" lang="en-GB" sz="1800" spc="-1" strike="noStrike">
-              <a:solidFill>
-                <a:srgbClr val="000000"/>
-              </a:solidFill>
-              <a:uFill>
-                <a:solidFill>
-                  <a:srgbClr val="ffffff"/>
+              <a:t>Highlight an analysis</a:t>
+            </a:r>
+            <a:endParaRPr lang="en-GB" sz="1800" b="0" strike="noStrike" spc="-1" dirty="0">
+              <a:solidFill>
+                <a:srgbClr val="000000"/>
+              </a:solidFill>
+              <a:uFill>
+                <a:solidFill>
+                  <a:srgbClr val="FFFFFF"/>
                 </a:solidFill>
               </a:uFill>
               <a:latin typeface="Arial"/>
@@ -5755,13 +6707,20 @@
           </a:ln>
         </p:spPr>
         <p:style>
-          <a:lnRef idx="0"/>
-          <a:fillRef idx="0"/>
-          <a:effectRef idx="0"/>
+          <a:lnRef idx="0">
+            <a:scrgbClr r="0" g="0" b="0"/>
+          </a:lnRef>
+          <a:fillRef idx="0">
+            <a:scrgbClr r="0" g="0" b="0"/>
+          </a:fillRef>
+          <a:effectRef idx="0">
+            <a:scrgbClr r="0" g="0" b="0"/>
+          </a:effectRef>
           <a:fontRef idx="minor"/>
         </p:style>
         <p:txBody>
-          <a:bodyPr wrap="none" lIns="90000" rIns="90000" tIns="45000" bIns="45000"/>
+          <a:bodyPr wrap="none" lIns="90000" tIns="45000" rIns="90000" bIns="45000"/>
+          <a:lstStyle/>
           <a:p>
             <a:pPr algn="ctr">
               <a:lnSpc>
@@ -5769,13 +6728,13 @@
               </a:lnSpc>
             </a:pPr>
             <a:r>
-              <a:rPr b="0" i="1" lang="en-GB" sz="2800" spc="-1" strike="noStrike">
+              <a:rPr lang="en-GB" sz="2800" b="0" i="1" strike="noStrike" spc="-1">
                 <a:solidFill>
                   <a:srgbClr val="000000"/>
                 </a:solidFill>
                 <a:uFill>
                   <a:solidFill>
-                    <a:srgbClr val="ffffff"/>
+                    <a:srgbClr val="FFFFFF"/>
                   </a:solidFill>
                 </a:uFill>
                 <a:latin typeface="Arial"/>
@@ -5783,13 +6742,13 @@
               </a:rPr>
               <a:t>Running live, in the cloud, for free</a:t>
             </a:r>
-            <a:endParaRPr b="0" lang="en-GB" sz="1800" spc="-1" strike="noStrike">
-              <a:solidFill>
-                <a:srgbClr val="000000"/>
-              </a:solidFill>
-              <a:uFill>
-                <a:solidFill>
-                  <a:srgbClr val="ffffff"/>
+            <a:endParaRPr lang="en-GB" sz="1800" b="0" strike="noStrike" spc="-1">
+              <a:solidFill>
+                <a:srgbClr val="000000"/>
+              </a:solidFill>
+              <a:uFill>
+                <a:solidFill>
+                  <a:srgbClr val="FFFFFF"/>
                 </a:solidFill>
               </a:uFill>
               <a:latin typeface="Arial"/>
@@ -5822,13 +6781,20 @@
           </a:ln>
         </p:spPr>
         <p:style>
-          <a:lnRef idx="0"/>
-          <a:fillRef idx="0"/>
-          <a:effectRef idx="0"/>
+          <a:lnRef idx="0">
+            <a:scrgbClr r="0" g="0" b="0"/>
+          </a:lnRef>
+          <a:fillRef idx="0">
+            <a:scrgbClr r="0" g="0" b="0"/>
+          </a:fillRef>
+          <a:effectRef idx="0">
+            <a:scrgbClr r="0" g="0" b="0"/>
+          </a:effectRef>
           <a:fontRef idx="minor"/>
         </p:style>
         <p:txBody>
-          <a:bodyPr lIns="90000" rIns="90000" tIns="45000" bIns="45000" anchor="ctr"/>
+          <a:bodyPr lIns="90000" tIns="45000" rIns="90000" bIns="45000" anchor="ctr"/>
+          <a:lstStyle/>
           <a:p>
             <a:pPr algn="ctr">
               <a:lnSpc>
@@ -5836,13 +6802,13 @@
               </a:lnSpc>
             </a:pPr>
             <a:r>
-              <a:rPr b="0" lang="en-GB" sz="1800" spc="-1" strike="noStrike">
+              <a:rPr lang="en-GB" sz="1800" b="0" strike="noStrike" spc="-1">
                 <a:solidFill>
                   <a:srgbClr val="000000"/>
                 </a:solidFill>
                 <a:uFill>
                   <a:solidFill>
-                    <a:srgbClr val="ffffff"/>
+                    <a:srgbClr val="FFFFFF"/>
                   </a:solidFill>
                 </a:uFill>
                 <a:latin typeface="Arial"/>
@@ -5850,13 +6816,13 @@
               </a:rPr>
               <a:t>THE CLOUD</a:t>
             </a:r>
-            <a:endParaRPr b="0" lang="en-GB" sz="1800" spc="-1" strike="noStrike">
-              <a:solidFill>
-                <a:srgbClr val="000000"/>
-              </a:solidFill>
-              <a:uFill>
-                <a:solidFill>
-                  <a:srgbClr val="ffffff"/>
+            <a:endParaRPr lang="en-GB" sz="1800" b="0" strike="noStrike" spc="-1">
+              <a:solidFill>
+                <a:srgbClr val="000000"/>
+              </a:solidFill>
+              <a:uFill>
+                <a:solidFill>
+                  <a:srgbClr val="FFFFFF"/>
                 </a:solidFill>
               </a:uFill>
               <a:latin typeface="Arial"/>
@@ -5879,6 +6845,7 @@
             <a:avLst/>
             <a:gdLst/>
             <a:ahLst/>
+            <a:cxnLst/>
             <a:rect l="l" t="t" r="r" b="b"/>
             <a:pathLst>
               <a:path w="21600" h="21600">
@@ -5892,20 +6859,26 @@
             </a:pathLst>
           </a:custGeom>
           <a:solidFill>
-            <a:srgbClr val="00b8ff"/>
+            <a:srgbClr val="00B8FF"/>
           </a:solidFill>
           <a:ln w="57240">
             <a:solidFill>
               <a:schemeClr val="tx1"/>
             </a:solidFill>
             <a:round/>
-            <a:tailEnd len="med" type="triangle" w="med"/>
+            <a:tailEnd type="triangle" w="med" len="med"/>
           </a:ln>
         </p:spPr>
         <p:style>
-          <a:lnRef idx="0"/>
-          <a:fillRef idx="0"/>
-          <a:effectRef idx="0"/>
+          <a:lnRef idx="0">
+            <a:scrgbClr r="0" g="0" b="0"/>
+          </a:lnRef>
+          <a:fillRef idx="0">
+            <a:scrgbClr r="0" g="0" b="0"/>
+          </a:fillRef>
+          <a:effectRef idx="0">
+            <a:scrgbClr r="0" g="0" b="0"/>
+          </a:effectRef>
           <a:fontRef idx="minor"/>
         </p:style>
       </p:sp>
@@ -5924,6 +6897,7 @@
             <a:avLst/>
             <a:gdLst/>
             <a:ahLst/>
+            <a:cxnLst/>
             <a:rect l="l" t="t" r="r" b="b"/>
             <a:pathLst>
               <a:path w="21600" h="21600">
@@ -5937,41 +6911,246 @@
             </a:pathLst>
           </a:custGeom>
           <a:solidFill>
-            <a:srgbClr val="00b8ff"/>
+            <a:srgbClr val="00B8FF"/>
           </a:solidFill>
           <a:ln w="57240">
             <a:solidFill>
               <a:schemeClr val="tx1"/>
             </a:solidFill>
             <a:round/>
-            <a:tailEnd len="med" type="triangle" w="med"/>
+            <a:tailEnd type="triangle" w="med" len="med"/>
           </a:ln>
         </p:spPr>
         <p:style>
-          <a:lnRef idx="0"/>
-          <a:fillRef idx="0"/>
-          <a:effectRef idx="0"/>
+          <a:lnRef idx="0">
+            <a:scrgbClr r="0" g="0" b="0"/>
+          </a:lnRef>
+          <a:fillRef idx="0">
+            <a:scrgbClr r="0" g="0" b="0"/>
+          </a:fillRef>
+          <a:effectRef idx="0">
+            <a:scrgbClr r="0" g="0" b="0"/>
+          </a:effectRef>
           <a:fontRef idx="minor"/>
         </p:style>
       </p:sp>
+      <p:pic>
+        <p:nvPicPr>
+          <p:cNvPr id="1027" name="Picture 3" descr="https://lh4.googleusercontent.com/Fl9nac_63C4T_HnqoEwsKGUFkjU4u2mG5E8eJLEciUKrgeRreRcrANUmJaWccRNIokpsRVKj0rkMJRjYXn-Iwzhw2AfNGubQVIibV9-hdA_zQWk3CKJ26M5cOFGrn-rVj2TSylRULCo">
+            <a:extLst>
+              <a:ext uri="{FF2B5EF4-FFF2-40B4-BE49-F238E27FC236}">
+                <a16:creationId xmlns:a16="http://schemas.microsoft.com/office/drawing/2014/main" id="{BE792A8D-97C8-4327-801F-B668FD30BE87}"/>
+              </a:ext>
+            </a:extLst>
+          </p:cNvPr>
+          <p:cNvPicPr>
+            <a:picLocks noChangeAspect="1" noChangeArrowheads="1"/>
+          </p:cNvPicPr>
+          <p:nvPr/>
+        </p:nvPicPr>
+        <p:blipFill>
+          <a:blip r:embed="rId4">
+            <a:extLst>
+              <a:ext uri="{28A0092B-C50C-407E-A947-70E740481C1C}">
+                <a14:useLocalDpi xmlns:a14="http://schemas.microsoft.com/office/drawing/2010/main" val="0"/>
+              </a:ext>
+            </a:extLst>
+          </a:blip>
+          <a:srcRect/>
+          <a:stretch>
+            <a:fillRect/>
+          </a:stretch>
+        </p:blipFill>
+        <p:spPr bwMode="auto">
+          <a:xfrm>
+            <a:off x="4482035" y="2378790"/>
+            <a:ext cx="1002898" cy="926487"/>
+          </a:xfrm>
+          <a:prstGeom prst="rect">
+            <a:avLst/>
+          </a:prstGeom>
+          <a:noFill/>
+          <a:extLst>
+            <a:ext uri="{909E8E84-426E-40DD-AFC4-6F175D3DCCD1}">
+              <a14:hiddenFill xmlns:a14="http://schemas.microsoft.com/office/drawing/2010/main">
+                <a:solidFill>
+                  <a:srgbClr val="FFFFFF"/>
+                </a:solidFill>
+              </a14:hiddenFill>
+            </a:ext>
+          </a:extLst>
+        </p:spPr>
+      </p:pic>
+      <p:pic>
+        <p:nvPicPr>
+          <p:cNvPr id="1026" name="Picture 2" descr="https://lh4.googleusercontent.com/v1kldY8GLRUO43BYIZyiuvGN96dUhpPwLrs3jHumMHFPJBlG8PRxbwrB4kA-yjxYLDHOHVC2vrVnyVe5U5FKIMUj-8octPCacFUojk4jcKboTEO71-DzXCFbvvmai0tqWuHCPduHHbQ">
+            <a:extLst>
+              <a:ext uri="{FF2B5EF4-FFF2-40B4-BE49-F238E27FC236}">
+                <a16:creationId xmlns:a16="http://schemas.microsoft.com/office/drawing/2014/main" id="{4BEA0E3E-61E7-43AD-9FE6-64992B145C1B}"/>
+              </a:ext>
+            </a:extLst>
+          </p:cNvPr>
+          <p:cNvPicPr>
+            <a:picLocks noChangeAspect="1" noChangeArrowheads="1"/>
+          </p:cNvPicPr>
+          <p:nvPr/>
+        </p:nvPicPr>
+        <p:blipFill rotWithShape="1">
+          <a:blip r:embed="rId5">
+            <a:extLst>
+              <a:ext uri="{BEBA8EAE-BF5A-486C-A8C5-ECC9F3942E4B}">
+                <a14:imgProps xmlns:a14="http://schemas.microsoft.com/office/drawing/2010/main">
+                  <a14:imgLayer r:embed="rId6">
+                    <a14:imgEffect>
+                      <a14:backgroundRemoval t="4762" b="95556" l="10000" r="90000">
+                        <a14:foregroundMark x1="41917" y1="92857" x2="39500" y2="89365"/>
+                        <a14:foregroundMark x1="57833" y1="93492" x2="59333" y2="90317"/>
+                        <a14:foregroundMark x1="42083" y1="94286" x2="40250" y2="92222"/>
+                        <a14:foregroundMark x1="57250" y1="94921" x2="57417" y2="92222"/>
+                        <a14:foregroundMark x1="42500" y1="95397" x2="41750" y2="93333"/>
+                        <a14:foregroundMark x1="57167" y1="95714" x2="58250" y2="93968"/>
+                        <a14:foregroundMark x1="38750" y1="9683" x2="51333" y2="4762"/>
+                        <a14:foregroundMark x1="51333" y1="4762" x2="61333" y2="9524"/>
+                        <a14:foregroundMark x1="36250" y1="75873" x2="36250" y2="75873"/>
+                        <a14:foregroundMark x1="39083" y1="80635" x2="39083" y2="80635"/>
+                        <a14:foregroundMark x1="41500" y1="81270" x2="41500" y2="81270"/>
+                        <a14:foregroundMark x1="43167" y1="80952" x2="43167" y2="80952"/>
+                        <a14:foregroundMark x1="34083" y1="71429" x2="34083" y2="71429"/>
+                        <a14:backgroundMark x1="63083" y1="8889" x2="63083" y2="8889"/>
+                        <a14:backgroundMark x1="63000" y1="9524" x2="63000" y2="9524"/>
+                        <a14:backgroundMark x1="62750" y1="9841" x2="62750" y2="9841"/>
+                        <a14:backgroundMark x1="62917" y1="10000" x2="62917" y2="10000"/>
+                        <a14:backgroundMark x1="62167" y1="9365" x2="62167" y2="9365"/>
+                        <a14:backgroundMark x1="62000" y1="8413" x2="63000" y2="10000"/>
+                      </a14:backgroundRemoval>
+                    </a14:imgEffect>
+                  </a14:imgLayer>
+                </a14:imgProps>
+              </a:ext>
+              <a:ext uri="{28A0092B-C50C-407E-A947-70E740481C1C}">
+                <a14:useLocalDpi xmlns:a14="http://schemas.microsoft.com/office/drawing/2010/main" val="0"/>
+              </a:ext>
+            </a:extLst>
+          </a:blip>
+          <a:srcRect l="23583" r="23583"/>
+          <a:stretch/>
+        </p:blipFill>
+        <p:spPr bwMode="auto">
+          <a:xfrm>
+            <a:off x="4402466" y="599030"/>
+            <a:ext cx="1216028" cy="1208354"/>
+          </a:xfrm>
+          <a:prstGeom prst="rect">
+            <a:avLst/>
+          </a:prstGeom>
+          <a:noFill/>
+          <a:extLst>
+            <a:ext uri="{909E8E84-426E-40DD-AFC4-6F175D3DCCD1}">
+              <a14:hiddenFill xmlns:a14="http://schemas.microsoft.com/office/drawing/2010/main">
+                <a:solidFill>
+                  <a:srgbClr val="FFFFFF"/>
+                </a:solidFill>
+              </a14:hiddenFill>
+            </a:ext>
+          </a:extLst>
+        </p:spPr>
+      </p:pic>
+      <p:sp>
+        <p:nvSpPr>
+          <p:cNvPr id="21" name="CustomShape 7">
+            <a:extLst>
+              <a:ext uri="{FF2B5EF4-FFF2-40B4-BE49-F238E27FC236}">
+                <a16:creationId xmlns:a16="http://schemas.microsoft.com/office/drawing/2014/main" id="{297C2F43-B2C2-4BC9-890B-18FA2DDDE169}"/>
+              </a:ext>
+            </a:extLst>
+          </p:cNvPr>
+          <p:cNvSpPr/>
+          <p:nvPr/>
+        </p:nvSpPr>
+        <p:spPr>
+          <a:xfrm>
+            <a:off x="4317844" y="3312232"/>
+            <a:ext cx="1331280" cy="455760"/>
+          </a:xfrm>
+          <a:prstGeom prst="rect">
+            <a:avLst/>
+          </a:prstGeom>
+          <a:noFill/>
+          <a:ln>
+            <a:noFill/>
+          </a:ln>
+        </p:spPr>
+        <p:style>
+          <a:lnRef idx="0">
+            <a:scrgbClr r="0" g="0" b="0"/>
+          </a:lnRef>
+          <a:fillRef idx="0">
+            <a:scrgbClr r="0" g="0" b="0"/>
+          </a:fillRef>
+          <a:effectRef idx="0">
+            <a:scrgbClr r="0" g="0" b="0"/>
+          </a:effectRef>
+          <a:fontRef idx="minor"/>
+        </p:style>
+        <p:txBody>
+          <a:bodyPr wrap="none" lIns="90000" tIns="45000" rIns="90000" bIns="45000"/>
+          <a:lstStyle/>
+          <a:p>
+            <a:pPr algn="ctr">
+              <a:lnSpc>
+                <a:spcPct val="100000"/>
+              </a:lnSpc>
+            </a:pPr>
+            <a:r>
+              <a:rPr lang="en-GB" sz="2400" b="0" strike="noStrike" spc="-1" dirty="0">
+                <a:solidFill>
+                  <a:srgbClr val="000000"/>
+                </a:solidFill>
+                <a:uFill>
+                  <a:solidFill>
+                    <a:srgbClr val="FFFFFF"/>
+                  </a:solidFill>
+                </a:uFill>
+                <a:latin typeface="Arial"/>
+                <a:ea typeface="Noto Sans CJK SC Regular"/>
+              </a:rPr>
+              <a:t>GITLAB</a:t>
+            </a:r>
+            <a:endParaRPr lang="en-GB" sz="1800" b="0" strike="noStrike" spc="-1" dirty="0">
+              <a:solidFill>
+                <a:srgbClr val="000000"/>
+              </a:solidFill>
+              <a:uFill>
+                <a:solidFill>
+                  <a:srgbClr val="FFFFFF"/>
+                </a:solidFill>
+              </a:uFill>
+              <a:latin typeface="Arial"/>
+            </a:endParaRPr>
+          </a:p>
+        </p:txBody>
+      </p:sp>
     </p:spTree>
   </p:cSld>
+  <p:clrMapOvr>
+    <a:masterClrMapping/>
+  </p:clrMapOvr>
   <p:timing>
     <p:tnLst>
       <p:par>
-        <p:cTn id="3" dur="indefinite" restart="never" nodeType="tmRoot">
+        <p:cTn id="1" dur="indefinite" restart="never" nodeType="tmRoot">
           <p:childTnLst>
             <p:seq>
-              <p:cTn id="4" nodeType="mainSeq"/>
+              <p:cTn id="2" nodeType="mainSeq"/>
               <p:prevCondLst>
-                <p:cond delay="0" evt="onPrev">
+                <p:cond evt="onPrev" delay="0">
                   <p:tgtEl>
                     <p:sldTgt/>
                   </p:tgtEl>
                 </p:cond>
               </p:prevCondLst>
               <p:nextCondLst>
-                <p:cond delay="0" evt="onNext">
+                <p:cond evt="onNext" delay="0">
                   <p:tgtEl>
                     <p:sldTgt/>
                   </p:tgtEl>
@@ -5987,7 +7166,7 @@
 </file>
 
 <file path=ppt/slides/slide3.xml><?xml version="1.0" encoding="utf-8"?>
-<p:sld xmlns:a="http://schemas.openxmlformats.org/drawingml/2006/main" xmlns:p="http://schemas.openxmlformats.org/presentationml/2006/main" xmlns:r="http://schemas.openxmlformats.org/officeDocument/2006/relationships" xmlns:p14="http://schemas.microsoft.com/office/powerpoint/2010/main" xmlns:p15="http://schemas.microsoft.com/office/powerpoint/2012/main" xmlns:mc="http://schemas.openxmlformats.org/markup-compatibility/2006">
+<p:sld xmlns:a="http://schemas.openxmlformats.org/drawingml/2006/main" xmlns:r="http://schemas.openxmlformats.org/officeDocument/2006/relationships" xmlns:p="http://schemas.openxmlformats.org/presentationml/2006/main">
   <p:cSld>
     <p:spTree>
       <p:nvGrpSpPr>
@@ -6011,7 +7190,7 @@
         </p:nvSpPr>
         <p:spPr>
           <a:xfrm>
-            <a:off x="503280" y="971640"/>
+            <a:off x="503280" y="407760"/>
             <a:ext cx="9068760" cy="4382280"/>
           </a:xfrm>
           <a:prstGeom prst="rect">
@@ -6023,426 +7202,1081 @@
           </a:ln>
         </p:spPr>
         <p:style>
-          <a:lnRef idx="0"/>
-          <a:fillRef idx="0"/>
-          <a:effectRef idx="0"/>
+          <a:lnRef idx="0">
+            <a:scrgbClr r="0" g="0" b="0"/>
+          </a:lnRef>
+          <a:fillRef idx="0">
+            <a:scrgbClr r="0" g="0" b="0"/>
+          </a:fillRef>
+          <a:effectRef idx="0">
+            <a:scrgbClr r="0" g="0" b="0"/>
+          </a:effectRef>
           <a:fontRef idx="minor"/>
         </p:style>
         <p:txBody>
-          <a:bodyPr lIns="0" rIns="0" tIns="28440" bIns="0"/>
-          <a:p>
-            <a:pPr marL="457200" indent="-456480">
+          <a:bodyPr lIns="0" tIns="28440" rIns="0" bIns="0"/>
+          <a:lstStyle/>
+          <a:p>
+            <a:pPr marL="720">
               <a:lnSpc>
                 <a:spcPct val="100000"/>
               </a:lnSpc>
               <a:buClr>
                 <a:srgbClr val="000000"/>
               </a:buClr>
-              <a:buFont typeface="Arial"/>
+            </a:pPr>
+            <a:r>
+              <a:rPr lang="en-GB" sz="3200" b="1" strike="noStrike" spc="-1" dirty="0">
+                <a:solidFill>
+                  <a:srgbClr val="000000"/>
+                </a:solidFill>
+                <a:uFill>
+                  <a:solidFill>
+                    <a:srgbClr val="FFFFFF"/>
+                  </a:solidFill>
+                </a:uFill>
+                <a:latin typeface="Arial"/>
+                <a:ea typeface="Noto Sans CJK SC Regular"/>
+              </a:rPr>
+              <a:t>Binder</a:t>
+            </a:r>
+            <a:r>
+              <a:rPr lang="en-GB" sz="3200" b="0" strike="noStrike" spc="-1" dirty="0">
+                <a:solidFill>
+                  <a:srgbClr val="000000"/>
+                </a:solidFill>
+                <a:uFill>
+                  <a:solidFill>
+                    <a:srgbClr val="FFFFFF"/>
+                  </a:solidFill>
+                </a:uFill>
+                <a:latin typeface="Arial"/>
+                <a:ea typeface="Noto Sans CJK SC Regular"/>
+              </a:rPr>
+              <a:t> is…</a:t>
+            </a:r>
+            <a:endParaRPr lang="en-GB" sz="1800" b="0" strike="noStrike" spc="-1" dirty="0">
+              <a:solidFill>
+                <a:srgbClr val="000000"/>
+              </a:solidFill>
+              <a:uFill>
+                <a:solidFill>
+                  <a:srgbClr val="FFFFFF"/>
+                </a:solidFill>
+              </a:uFill>
+              <a:latin typeface="Arial"/>
+            </a:endParaRPr>
+          </a:p>
+          <a:p>
+            <a:pPr marL="342900" indent="-342900">
+              <a:buClr>
+                <a:srgbClr val="000000"/>
+              </a:buClr>
+              <a:buFont typeface="Arial" panose="020B0604020202020204" pitchFamily="34" charset="0"/>
               <a:buChar char="•"/>
             </a:pPr>
             <a:r>
-              <a:rPr b="0" lang="en-GB" sz="3200" spc="-1" strike="noStrike">
+              <a:rPr lang="en-GB" sz="2200" spc="-1" dirty="0">
                 <a:solidFill>
                   <a:srgbClr val="000000"/>
                 </a:solidFill>
                 <a:uFill>
                   <a:solidFill>
-                    <a:srgbClr val="ffffff"/>
+                    <a:srgbClr val="FFFFFF"/>
                   </a:solidFill>
                 </a:uFill>
                 <a:latin typeface="Arial"/>
                 <a:ea typeface="Noto Sans CJK SC Regular"/>
               </a:rPr>
-              <a:t>Current work</a:t>
-            </a:r>
-            <a:endParaRPr b="0" lang="en-GB" sz="1800" spc="-1" strike="noStrike">
-              <a:solidFill>
-                <a:srgbClr val="000000"/>
-              </a:solidFill>
-              <a:uFill>
-                <a:solidFill>
-                  <a:srgbClr val="ffffff"/>
-                </a:solidFill>
-              </a:uFill>
-              <a:latin typeface="Arial"/>
-            </a:endParaRPr>
-          </a:p>
-          <a:p>
-            <a:pPr lvl="1" marL="857160" indent="-456480">
+              <a:t>Available as a public service / tech demo at mybinder.org, but is deployable anywhere</a:t>
+            </a:r>
+          </a:p>
+          <a:p>
+            <a:pPr marL="342900" indent="-342900">
+              <a:buClr>
+                <a:srgbClr val="000000"/>
+              </a:buClr>
+              <a:buFont typeface="Arial" panose="020B0604020202020204" pitchFamily="34" charset="0"/>
+              <a:buChar char="•"/>
+            </a:pPr>
+            <a:r>
+              <a:rPr lang="en-GB" sz="2200" b="0" strike="noStrike" spc="-1" dirty="0">
+                <a:solidFill>
+                  <a:srgbClr val="000000"/>
+                </a:solidFill>
+                <a:uFill>
+                  <a:solidFill>
+                    <a:srgbClr val="FFFFFF"/>
+                  </a:solidFill>
+                </a:uFill>
+                <a:latin typeface="Arial"/>
+              </a:rPr>
+              <a:t>Support</a:t>
+            </a:r>
+            <a:r>
+              <a:rPr lang="en-GB" sz="2200" spc="-1" dirty="0">
+                <a:solidFill>
+                  <a:srgbClr val="000000"/>
+                </a:solidFill>
+                <a:uFill>
+                  <a:solidFill>
+                    <a:srgbClr val="FFFFFF"/>
+                  </a:solidFill>
+                </a:uFill>
+                <a:latin typeface="Arial"/>
+              </a:rPr>
+              <a:t>s </a:t>
+            </a:r>
+            <a:r>
+              <a:rPr lang="en-GB" sz="2200" spc="-1" dirty="0">
+                <a:solidFill>
+                  <a:schemeClr val="accent6"/>
+                </a:solidFill>
+                <a:uFill>
+                  <a:solidFill>
+                    <a:srgbClr val="FFFFFF"/>
+                  </a:solidFill>
+                </a:uFill>
+                <a:latin typeface="Arial"/>
+              </a:rPr>
+              <a:t>Python</a:t>
+            </a:r>
+            <a:r>
+              <a:rPr lang="en-GB" sz="2200" spc="-1" dirty="0">
+                <a:solidFill>
+                  <a:srgbClr val="000000"/>
+                </a:solidFill>
+                <a:uFill>
+                  <a:solidFill>
+                    <a:srgbClr val="FFFFFF"/>
+                  </a:solidFill>
+                </a:uFill>
+                <a:latin typeface="Arial"/>
+              </a:rPr>
+              <a:t>, </a:t>
+            </a:r>
+            <a:r>
+              <a:rPr lang="en-GB" sz="2200" spc="-1" dirty="0">
+                <a:solidFill>
+                  <a:schemeClr val="accent6"/>
+                </a:solidFill>
+                <a:uFill>
+                  <a:solidFill>
+                    <a:srgbClr val="FFFFFF"/>
+                  </a:solidFill>
+                </a:uFill>
+                <a:latin typeface="Arial"/>
+              </a:rPr>
+              <a:t>R</a:t>
+            </a:r>
+            <a:r>
+              <a:rPr lang="en-GB" sz="2200" spc="-1" dirty="0">
+                <a:solidFill>
+                  <a:srgbClr val="000000"/>
+                </a:solidFill>
+                <a:uFill>
+                  <a:solidFill>
+                    <a:srgbClr val="FFFFFF"/>
+                  </a:solidFill>
+                </a:uFill>
+                <a:latin typeface="Arial"/>
+              </a:rPr>
+              <a:t>, </a:t>
+            </a:r>
+            <a:r>
+              <a:rPr lang="en-GB" sz="2200" spc="-1" dirty="0">
+                <a:solidFill>
+                  <a:schemeClr val="accent6"/>
+                </a:solidFill>
+                <a:uFill>
+                  <a:solidFill>
+                    <a:srgbClr val="FFFFFF"/>
+                  </a:solidFill>
+                </a:uFill>
+                <a:latin typeface="Arial"/>
+              </a:rPr>
+              <a:t>Julia</a:t>
+            </a:r>
+            <a:r>
+              <a:rPr lang="en-GB" sz="2200" spc="-1" dirty="0">
+                <a:solidFill>
+                  <a:srgbClr val="000000"/>
+                </a:solidFill>
+                <a:uFill>
+                  <a:solidFill>
+                    <a:srgbClr val="FFFFFF"/>
+                  </a:solidFill>
+                </a:uFill>
+                <a:latin typeface="Arial"/>
+              </a:rPr>
+              <a:t> natively</a:t>
+            </a:r>
+          </a:p>
+          <a:p>
+            <a:pPr marL="342900" indent="-342900">
+              <a:buClr>
+                <a:srgbClr val="000000"/>
+              </a:buClr>
+              <a:buFont typeface="Arial" panose="020B0604020202020204" pitchFamily="34" charset="0"/>
+              <a:buChar char="•"/>
+            </a:pPr>
+            <a:r>
+              <a:rPr lang="en-GB" sz="2200" b="0" strike="noStrike" spc="-1" dirty="0">
+                <a:solidFill>
+                  <a:srgbClr val="000000"/>
+                </a:solidFill>
+                <a:uFill>
+                  <a:solidFill>
+                    <a:srgbClr val="FFFFFF"/>
+                  </a:solidFill>
+                </a:uFill>
+                <a:latin typeface="Arial"/>
+              </a:rPr>
+              <a:t>Support for many other languages / workflows via “configuration files”</a:t>
+            </a:r>
+          </a:p>
+          <a:p>
+            <a:pPr marL="342900" indent="-342900">
+              <a:buClr>
+                <a:srgbClr val="000000"/>
+              </a:buClr>
+              <a:buFont typeface="Arial" panose="020B0604020202020204" pitchFamily="34" charset="0"/>
+              <a:buChar char="•"/>
+            </a:pPr>
+            <a:r>
+              <a:rPr lang="en-GB" sz="2200" spc="-1" dirty="0">
+                <a:solidFill>
+                  <a:srgbClr val="000000"/>
+                </a:solidFill>
+                <a:uFill>
+                  <a:solidFill>
+                    <a:srgbClr val="FFFFFF"/>
+                  </a:solidFill>
+                </a:uFill>
+                <a:latin typeface="Arial"/>
+              </a:rPr>
+              <a:t>Allows interfaces such as </a:t>
+            </a:r>
+            <a:r>
+              <a:rPr lang="en-GB" sz="2200" spc="-1" dirty="0" err="1">
+                <a:solidFill>
+                  <a:srgbClr val="000000"/>
+                </a:solidFill>
+                <a:uFill>
+                  <a:solidFill>
+                    <a:srgbClr val="FFFFFF"/>
+                  </a:solidFill>
+                </a:uFill>
+                <a:latin typeface="Arial"/>
+              </a:rPr>
+              <a:t>JupyterLab</a:t>
+            </a:r>
+            <a:r>
+              <a:rPr lang="en-GB" sz="2200" spc="-1" dirty="0">
+                <a:solidFill>
+                  <a:srgbClr val="000000"/>
+                </a:solidFill>
+                <a:uFill>
+                  <a:solidFill>
+                    <a:srgbClr val="FFFFFF"/>
+                  </a:solidFill>
+                </a:uFill>
+                <a:latin typeface="Arial"/>
+              </a:rPr>
+              <a:t> and </a:t>
+            </a:r>
+            <a:r>
+              <a:rPr lang="en-GB" sz="2200" spc="-1" dirty="0" err="1">
+                <a:solidFill>
+                  <a:srgbClr val="000000"/>
+                </a:solidFill>
+                <a:uFill>
+                  <a:solidFill>
+                    <a:srgbClr val="FFFFFF"/>
+                  </a:solidFill>
+                </a:uFill>
+                <a:latin typeface="Arial"/>
+              </a:rPr>
+              <a:t>Rstudio</a:t>
+            </a:r>
+            <a:endParaRPr lang="en-GB" sz="2200" spc="-1" dirty="0">
+              <a:solidFill>
+                <a:srgbClr val="000000"/>
+              </a:solidFill>
+              <a:uFill>
+                <a:solidFill>
+                  <a:srgbClr val="FFFFFF"/>
+                </a:solidFill>
+              </a:uFill>
+              <a:latin typeface="Arial"/>
+            </a:endParaRPr>
+          </a:p>
+          <a:p>
+            <a:pPr marL="457920" indent="-457200">
               <a:lnSpc>
                 <a:spcPct val="100000"/>
               </a:lnSpc>
               <a:buClr>
                 <a:srgbClr val="000000"/>
               </a:buClr>
-              <a:buFont typeface="Arial"/>
+              <a:buFont typeface="Arial" panose="020B0604020202020204" pitchFamily="34" charset="0"/>
               <a:buChar char="•"/>
             </a:pPr>
-            <a:r>
-              <a:rPr b="0" lang="en-GB" sz="2800" spc="-1" strike="noStrike">
-                <a:solidFill>
-                  <a:srgbClr val="000000"/>
-                </a:solidFill>
-                <a:uFill>
-                  <a:solidFill>
-                    <a:srgbClr val="ffffff"/>
-                  </a:solidFill>
-                </a:uFill>
-                <a:latin typeface="Arial"/>
-                <a:ea typeface="Noto Sans CJK SC Regular"/>
-              </a:rPr>
-              <a:t>Rebuilt Binder from the ground up.</a:t>
-            </a:r>
-            <a:endParaRPr b="0" lang="en-GB" sz="1800" spc="-1" strike="noStrike">
-              <a:solidFill>
-                <a:srgbClr val="000000"/>
-              </a:solidFill>
-              <a:uFill>
-                <a:solidFill>
-                  <a:srgbClr val="ffffff"/>
-                </a:solidFill>
-              </a:uFill>
-              <a:latin typeface="Arial"/>
-            </a:endParaRPr>
-          </a:p>
-          <a:p>
-            <a:pPr lvl="1" marL="857160" indent="-456480">
+            <a:endParaRPr lang="en-GB" sz="3200" spc="-1" dirty="0">
+              <a:solidFill>
+                <a:srgbClr val="000000"/>
+              </a:solidFill>
+              <a:uFill>
+                <a:solidFill>
+                  <a:srgbClr val="FFFFFF"/>
+                </a:solidFill>
+              </a:uFill>
+              <a:latin typeface="Arial"/>
+              <a:ea typeface="Noto Sans CJK SC Regular"/>
+            </a:endParaRPr>
+          </a:p>
+          <a:p>
+            <a:pPr marL="720">
               <a:lnSpc>
                 <a:spcPct val="100000"/>
               </a:lnSpc>
               <a:buClr>
                 <a:srgbClr val="000000"/>
               </a:buClr>
-              <a:buFont typeface="Arial"/>
-              <a:buChar char="•"/>
             </a:pPr>
             <a:r>
-              <a:rPr b="0" lang="en-GB" sz="2800" spc="-1" strike="noStrike">
+              <a:rPr lang="en-GB" sz="3200" spc="-1" dirty="0">
                 <a:solidFill>
                   <a:srgbClr val="000000"/>
                 </a:solidFill>
                 <a:uFill>
                   <a:solidFill>
-                    <a:srgbClr val="ffffff"/>
+                    <a:srgbClr val="FFFFFF"/>
                   </a:solidFill>
                 </a:uFill>
                 <a:latin typeface="Arial"/>
                 <a:ea typeface="Noto Sans CJK SC Regular"/>
               </a:rPr>
-              <a:t>More stable + faster.</a:t>
-            </a:r>
-            <a:endParaRPr b="0" lang="en-GB" sz="1800" spc="-1" strike="noStrike">
-              <a:solidFill>
-                <a:srgbClr val="000000"/>
-              </a:solidFill>
-              <a:uFill>
-                <a:solidFill>
-                  <a:srgbClr val="ffffff"/>
-                </a:solidFill>
-              </a:uFill>
-              <a:latin typeface="Arial"/>
-            </a:endParaRPr>
-          </a:p>
-          <a:p>
-            <a:pPr lvl="1" marL="857160" indent="-456480">
+              <a:t>Example Binder repositories:</a:t>
+            </a:r>
+          </a:p>
+          <a:p>
+            <a:pPr marL="457920" indent="-457200">
               <a:lnSpc>
                 <a:spcPct val="100000"/>
               </a:lnSpc>
               <a:buClr>
                 <a:srgbClr val="000000"/>
               </a:buClr>
-              <a:buFont typeface="Arial"/>
+              <a:buFont typeface="Arial" panose="020B0604020202020204" pitchFamily="34" charset="0"/>
               <a:buChar char="•"/>
             </a:pPr>
             <a:r>
-              <a:rPr b="0" lang="en-GB" sz="2800" spc="-1" strike="noStrike">
+              <a:rPr lang="en-GB" spc="-1" dirty="0" err="1">
                 <a:solidFill>
                   <a:srgbClr val="000000"/>
                 </a:solidFill>
                 <a:uFill>
                   <a:solidFill>
-                    <a:srgbClr val="ffffff"/>
-                  </a:solidFill>
-                </a:uFill>
-                <a:latin typeface="Arial"/>
-                <a:ea typeface="Noto Sans CJK SC Regular"/>
-              </a:rPr>
-              <a:t>Support for Python and Julia</a:t>
-            </a:r>
-            <a:endParaRPr b="0" lang="en-GB" sz="1800" spc="-1" strike="noStrike">
-              <a:solidFill>
-                <a:srgbClr val="000000"/>
-              </a:solidFill>
-              <a:uFill>
-                <a:solidFill>
-                  <a:srgbClr val="ffffff"/>
-                </a:solidFill>
-              </a:uFill>
-              <a:latin typeface="Arial"/>
-            </a:endParaRPr>
-          </a:p>
-          <a:p>
-            <a:pPr lvl="1" marL="857160" indent="-456480">
+                    <a:srgbClr val="FFFFFF"/>
+                  </a:solidFill>
+                </a:uFill>
+              </a:rPr>
+              <a:t>JupyterLab</a:t>
+            </a:r>
+            <a:r>
+              <a:rPr lang="en-GB" spc="-1" dirty="0">
+                <a:solidFill>
+                  <a:srgbClr val="000000"/>
+                </a:solidFill>
+                <a:uFill>
+                  <a:solidFill>
+                    <a:srgbClr val="FFFFFF"/>
+                  </a:solidFill>
+                </a:uFill>
+              </a:rPr>
+              <a:t> running Python</a:t>
+            </a:r>
+            <a:br>
+              <a:rPr lang="en-GB" spc="-1" dirty="0">
+                <a:solidFill>
+                  <a:srgbClr val="000000"/>
+                </a:solidFill>
+                <a:uFill>
+                  <a:solidFill>
+                    <a:srgbClr val="FFFFFF"/>
+                  </a:solidFill>
+                </a:uFill>
+              </a:rPr>
+            </a:br>
+            <a:r>
+              <a:rPr lang="en-GB" spc="-1" dirty="0">
+                <a:solidFill>
+                  <a:schemeClr val="tx2">
+                    <a:lumMod val="60000"/>
+                    <a:lumOff val="40000"/>
+                  </a:schemeClr>
+                </a:solidFill>
+                <a:uFill>
+                  <a:solidFill>
+                    <a:srgbClr val="FFFFFF"/>
+                  </a:solidFill>
+                </a:uFill>
+              </a:rPr>
+              <a:t>mybinder.org/v2/</a:t>
+            </a:r>
+            <a:r>
+              <a:rPr lang="en-GB" spc="-1" dirty="0" err="1">
+                <a:solidFill>
+                  <a:schemeClr val="tx2">
+                    <a:lumMod val="60000"/>
+                    <a:lumOff val="40000"/>
+                  </a:schemeClr>
+                </a:solidFill>
+                <a:uFill>
+                  <a:solidFill>
+                    <a:srgbClr val="FFFFFF"/>
+                  </a:solidFill>
+                </a:uFill>
+              </a:rPr>
+              <a:t>gh</a:t>
+            </a:r>
+            <a:r>
+              <a:rPr lang="en-GB" spc="-1" dirty="0">
+                <a:solidFill>
+                  <a:schemeClr val="tx2">
+                    <a:lumMod val="60000"/>
+                    <a:lumOff val="40000"/>
+                  </a:schemeClr>
+                </a:solidFill>
+                <a:uFill>
+                  <a:solidFill>
+                    <a:srgbClr val="FFFFFF"/>
+                  </a:solidFill>
+                </a:uFill>
+              </a:rPr>
+              <a:t>/</a:t>
+            </a:r>
+            <a:r>
+              <a:rPr lang="en-GB" spc="-1" dirty="0" err="1">
+                <a:solidFill>
+                  <a:schemeClr val="tx2">
+                    <a:lumMod val="60000"/>
+                    <a:lumOff val="40000"/>
+                  </a:schemeClr>
+                </a:solidFill>
+                <a:uFill>
+                  <a:solidFill>
+                    <a:srgbClr val="FFFFFF"/>
+                  </a:solidFill>
+                </a:uFill>
+              </a:rPr>
+              <a:t>jupyterlab</a:t>
+            </a:r>
+            <a:r>
+              <a:rPr lang="en-GB" spc="-1" dirty="0">
+                <a:solidFill>
+                  <a:schemeClr val="tx2">
+                    <a:lumMod val="60000"/>
+                    <a:lumOff val="40000"/>
+                  </a:schemeClr>
+                </a:solidFill>
+                <a:uFill>
+                  <a:solidFill>
+                    <a:srgbClr val="FFFFFF"/>
+                  </a:solidFill>
+                </a:uFill>
+              </a:rPr>
+              <a:t>/</a:t>
+            </a:r>
+            <a:r>
+              <a:rPr lang="en-GB" spc="-1" dirty="0" err="1">
+                <a:solidFill>
+                  <a:schemeClr val="tx2">
+                    <a:lumMod val="60000"/>
+                    <a:lumOff val="40000"/>
+                  </a:schemeClr>
+                </a:solidFill>
+                <a:uFill>
+                  <a:solidFill>
+                    <a:srgbClr val="FFFFFF"/>
+                  </a:solidFill>
+                </a:uFill>
+              </a:rPr>
+              <a:t>jupyterlab</a:t>
+            </a:r>
+            <a:r>
+              <a:rPr lang="en-GB" spc="-1" dirty="0">
+                <a:solidFill>
+                  <a:schemeClr val="tx2">
+                    <a:lumMod val="60000"/>
+                    <a:lumOff val="40000"/>
+                  </a:schemeClr>
+                </a:solidFill>
+                <a:uFill>
+                  <a:solidFill>
+                    <a:srgbClr val="FFFFFF"/>
+                  </a:solidFill>
+                </a:uFill>
+              </a:rPr>
+              <a:t>-demo/</a:t>
+            </a:r>
+            <a:r>
+              <a:rPr lang="en-GB" spc="-1" dirty="0" err="1">
+                <a:solidFill>
+                  <a:schemeClr val="tx2">
+                    <a:lumMod val="60000"/>
+                    <a:lumOff val="40000"/>
+                  </a:schemeClr>
+                </a:solidFill>
+                <a:uFill>
+                  <a:solidFill>
+                    <a:srgbClr val="FFFFFF"/>
+                  </a:solidFill>
+                </a:uFill>
+              </a:rPr>
+              <a:t>master?urlpath</a:t>
+            </a:r>
+            <a:r>
+              <a:rPr lang="en-GB" spc="-1" dirty="0">
+                <a:solidFill>
+                  <a:schemeClr val="tx2">
+                    <a:lumMod val="60000"/>
+                    <a:lumOff val="40000"/>
+                  </a:schemeClr>
+                </a:solidFill>
+                <a:uFill>
+                  <a:solidFill>
+                    <a:srgbClr val="FFFFFF"/>
+                  </a:solidFill>
+                </a:uFill>
+              </a:rPr>
+              <a:t>=lab/tree/demo</a:t>
+            </a:r>
+          </a:p>
+          <a:p>
+            <a:pPr marL="457920" indent="-457200">
               <a:lnSpc>
                 <a:spcPct val="100000"/>
               </a:lnSpc>
               <a:buClr>
                 <a:srgbClr val="000000"/>
               </a:buClr>
-              <a:buFont typeface="Arial"/>
+              <a:buFont typeface="Arial" panose="020B0604020202020204" pitchFamily="34" charset="0"/>
               <a:buChar char="•"/>
             </a:pPr>
             <a:r>
-              <a:rPr b="0" lang="en-GB" sz="2800" spc="-1" strike="noStrike">
+              <a:rPr lang="en-GB" spc="-1" dirty="0">
                 <a:solidFill>
                   <a:srgbClr val="000000"/>
                 </a:solidFill>
                 <a:uFill>
                   <a:solidFill>
-                    <a:srgbClr val="ffffff"/>
-                  </a:solidFill>
-                </a:uFill>
-                <a:latin typeface="Arial"/>
-                <a:ea typeface="Noto Sans CJK SC Regular"/>
-              </a:rPr>
-              <a:t>Support interactive widgets and javascript</a:t>
-            </a:r>
-            <a:endParaRPr b="0" lang="en-GB" sz="1800" spc="-1" strike="noStrike">
-              <a:solidFill>
-                <a:srgbClr val="000000"/>
-              </a:solidFill>
-              <a:uFill>
-                <a:solidFill>
-                  <a:srgbClr val="ffffff"/>
-                </a:solidFill>
-              </a:uFill>
-              <a:latin typeface="Arial"/>
-            </a:endParaRPr>
-          </a:p>
-          <a:p>
-            <a:pPr lvl="1" marL="857160" indent="-456480">
+                    <a:srgbClr val="FFFFFF"/>
+                  </a:solidFill>
+                </a:uFill>
+              </a:rPr>
+              <a:t>Reproducible publications</a:t>
+            </a:r>
+            <a:br>
+              <a:rPr lang="en-GB" spc="-1" dirty="0">
+                <a:solidFill>
+                  <a:srgbClr val="000000"/>
+                </a:solidFill>
+                <a:uFill>
+                  <a:solidFill>
+                    <a:srgbClr val="FFFFFF"/>
+                  </a:solidFill>
+                </a:uFill>
+              </a:rPr>
+            </a:br>
+            <a:r>
+              <a:rPr lang="en-GB" spc="-1" dirty="0">
+                <a:solidFill>
+                  <a:schemeClr val="tx2">
+                    <a:lumMod val="60000"/>
+                    <a:lumOff val="40000"/>
+                  </a:schemeClr>
+                </a:solidFill>
+                <a:uFill>
+                  <a:solidFill>
+                    <a:srgbClr val="FFFFFF"/>
+                  </a:solidFill>
+                </a:uFill>
+              </a:rPr>
+              <a:t>mybinder.org/v2/</a:t>
+            </a:r>
+            <a:r>
+              <a:rPr lang="en-GB" spc="-1" dirty="0" err="1">
+                <a:solidFill>
+                  <a:schemeClr val="tx2">
+                    <a:lumMod val="60000"/>
+                    <a:lumOff val="40000"/>
+                  </a:schemeClr>
+                </a:solidFill>
+                <a:uFill>
+                  <a:solidFill>
+                    <a:srgbClr val="FFFFFF"/>
+                  </a:solidFill>
+                </a:uFill>
+              </a:rPr>
+              <a:t>gh</a:t>
+            </a:r>
+            <a:r>
+              <a:rPr lang="en-GB" spc="-1" dirty="0">
+                <a:solidFill>
+                  <a:schemeClr val="tx2">
+                    <a:lumMod val="60000"/>
+                    <a:lumOff val="40000"/>
+                  </a:schemeClr>
+                </a:solidFill>
+                <a:uFill>
+                  <a:solidFill>
+                    <a:srgbClr val="FFFFFF"/>
+                  </a:solidFill>
+                </a:uFill>
+              </a:rPr>
+              <a:t>/</a:t>
+            </a:r>
+            <a:r>
+              <a:rPr lang="en-GB" spc="-1" dirty="0" err="1">
+                <a:solidFill>
+                  <a:schemeClr val="tx2">
+                    <a:lumMod val="60000"/>
+                    <a:lumOff val="40000"/>
+                  </a:schemeClr>
+                </a:solidFill>
+                <a:uFill>
+                  <a:solidFill>
+                    <a:srgbClr val="FFFFFF"/>
+                  </a:solidFill>
+                </a:uFill>
+              </a:rPr>
+              <a:t>choldgraf</a:t>
+            </a:r>
+            <a:r>
+              <a:rPr lang="en-GB" spc="-1" dirty="0">
+                <a:solidFill>
+                  <a:schemeClr val="tx2">
+                    <a:lumMod val="60000"/>
+                    <a:lumOff val="40000"/>
+                  </a:schemeClr>
+                </a:solidFill>
+                <a:uFill>
+                  <a:solidFill>
+                    <a:srgbClr val="FFFFFF"/>
+                  </a:solidFill>
+                </a:uFill>
+              </a:rPr>
+              <a:t>/paper-</a:t>
+            </a:r>
+            <a:r>
+              <a:rPr lang="en-GB" spc="-1" dirty="0" err="1">
+                <a:solidFill>
+                  <a:schemeClr val="tx2">
+                    <a:lumMod val="60000"/>
+                    <a:lumOff val="40000"/>
+                  </a:schemeClr>
+                </a:solidFill>
+                <a:uFill>
+                  <a:solidFill>
+                    <a:srgbClr val="FFFFFF"/>
+                  </a:solidFill>
+                </a:uFill>
+              </a:rPr>
+              <a:t>encoding_decoding_electrophysiology</a:t>
+            </a:r>
+            <a:r>
+              <a:rPr lang="en-GB" spc="-1" dirty="0">
+                <a:solidFill>
+                  <a:schemeClr val="tx2">
+                    <a:lumMod val="60000"/>
+                    <a:lumOff val="40000"/>
+                  </a:schemeClr>
+                </a:solidFill>
+                <a:uFill>
+                  <a:solidFill>
+                    <a:srgbClr val="FFFFFF"/>
+                  </a:solidFill>
+                </a:uFill>
+              </a:rPr>
+              <a:t>/f2d32d5?filepath=</a:t>
+            </a:r>
+            <a:r>
+              <a:rPr lang="en-GB" spc="-1" dirty="0" err="1">
+                <a:solidFill>
+                  <a:schemeClr val="tx2">
+                    <a:lumMod val="60000"/>
+                    <a:lumOff val="40000"/>
+                  </a:schemeClr>
+                </a:solidFill>
+                <a:uFill>
+                  <a:solidFill>
+                    <a:srgbClr val="FFFFFF"/>
+                  </a:solidFill>
+                </a:uFill>
+              </a:rPr>
+              <a:t>index.ipynb</a:t>
+            </a:r>
+            <a:endParaRPr lang="en-GB" spc="-1" dirty="0">
+              <a:solidFill>
+                <a:schemeClr val="tx2">
+                  <a:lumMod val="60000"/>
+                  <a:lumOff val="40000"/>
+                </a:schemeClr>
+              </a:solidFill>
+              <a:uFill>
+                <a:solidFill>
+                  <a:srgbClr val="FFFFFF"/>
+                </a:solidFill>
+              </a:uFill>
+            </a:endParaRPr>
+          </a:p>
+          <a:p>
+            <a:pPr marL="457920" indent="-457200">
               <a:lnSpc>
                 <a:spcPct val="100000"/>
               </a:lnSpc>
               <a:buClr>
                 <a:srgbClr val="000000"/>
               </a:buClr>
-              <a:buFont typeface="Arial"/>
+              <a:buFont typeface="Arial" panose="020B0604020202020204" pitchFamily="34" charset="0"/>
               <a:buChar char="•"/>
             </a:pPr>
             <a:r>
-              <a:rPr b="0" lang="en-GB" sz="2800" spc="-1" strike="noStrike">
+              <a:rPr lang="en-GB" spc="-1" dirty="0" err="1">
                 <a:solidFill>
                   <a:srgbClr val="000000"/>
                 </a:solidFill>
                 <a:uFill>
                   <a:solidFill>
-                    <a:srgbClr val="ffffff"/>
-                  </a:solidFill>
-                </a:uFill>
-                <a:latin typeface="Arial"/>
-                <a:ea typeface="Noto Sans CJK SC Regular"/>
-              </a:rPr>
-              <a:t> </a:t>
-            </a:r>
-            <a:endParaRPr b="0" lang="en-GB" sz="1800" spc="-1" strike="noStrike">
-              <a:solidFill>
-                <a:srgbClr val="000000"/>
-              </a:solidFill>
-              <a:uFill>
-                <a:solidFill>
-                  <a:srgbClr val="ffffff"/>
-                </a:solidFill>
-              </a:uFill>
-              <a:latin typeface="Arial"/>
-            </a:endParaRPr>
-          </a:p>
-          <a:p>
-            <a:pPr marL="457200" indent="-456480">
+                    <a:srgbClr val="FFFFFF"/>
+                  </a:solidFill>
+                </a:uFill>
+              </a:rPr>
+              <a:t>Rstudio</a:t>
+            </a:r>
+            <a:r>
+              <a:rPr lang="en-GB" spc="-1" dirty="0">
+                <a:solidFill>
+                  <a:srgbClr val="000000"/>
+                </a:solidFill>
+                <a:uFill>
+                  <a:solidFill>
+                    <a:srgbClr val="FFFFFF"/>
+                  </a:solidFill>
+                </a:uFill>
+              </a:rPr>
+              <a:t> and Shiny</a:t>
+            </a:r>
+            <a:br>
+              <a:rPr lang="en-GB" spc="-1" dirty="0">
+                <a:solidFill>
+                  <a:srgbClr val="000000"/>
+                </a:solidFill>
+                <a:uFill>
+                  <a:solidFill>
+                    <a:srgbClr val="FFFFFF"/>
+                  </a:solidFill>
+                </a:uFill>
+              </a:rPr>
+            </a:br>
+            <a:r>
+              <a:rPr lang="en-GB" spc="-1" dirty="0">
+                <a:solidFill>
+                  <a:schemeClr val="tx2">
+                    <a:lumMod val="60000"/>
+                    <a:lumOff val="40000"/>
+                  </a:schemeClr>
+                </a:solidFill>
+                <a:uFill>
+                  <a:solidFill>
+                    <a:srgbClr val="FFFFFF"/>
+                  </a:solidFill>
+                </a:uFill>
+              </a:rPr>
+              <a:t>mybinder.org/v2/</a:t>
+            </a:r>
+            <a:r>
+              <a:rPr lang="en-GB" spc="-1" dirty="0" err="1">
+                <a:solidFill>
+                  <a:schemeClr val="tx2">
+                    <a:lumMod val="60000"/>
+                    <a:lumOff val="40000"/>
+                  </a:schemeClr>
+                </a:solidFill>
+                <a:uFill>
+                  <a:solidFill>
+                    <a:srgbClr val="FFFFFF"/>
+                  </a:solidFill>
+                </a:uFill>
+              </a:rPr>
+              <a:t>gh</a:t>
+            </a:r>
+            <a:r>
+              <a:rPr lang="en-GB" spc="-1" dirty="0">
+                <a:solidFill>
+                  <a:schemeClr val="tx2">
+                    <a:lumMod val="60000"/>
+                    <a:lumOff val="40000"/>
+                  </a:schemeClr>
+                </a:solidFill>
+                <a:uFill>
+                  <a:solidFill>
+                    <a:srgbClr val="FFFFFF"/>
+                  </a:solidFill>
+                </a:uFill>
+              </a:rPr>
+              <a:t>/binder-examples/r/</a:t>
+            </a:r>
+            <a:r>
+              <a:rPr lang="en-GB" spc="-1" dirty="0" err="1">
+                <a:solidFill>
+                  <a:schemeClr val="tx2">
+                    <a:lumMod val="60000"/>
+                    <a:lumOff val="40000"/>
+                  </a:schemeClr>
+                </a:solidFill>
+                <a:uFill>
+                  <a:solidFill>
+                    <a:srgbClr val="FFFFFF"/>
+                  </a:solidFill>
+                </a:uFill>
+              </a:rPr>
+              <a:t>master?urlpath</a:t>
+            </a:r>
+            <a:r>
+              <a:rPr lang="en-GB" spc="-1" dirty="0">
+                <a:solidFill>
+                  <a:schemeClr val="tx2">
+                    <a:lumMod val="60000"/>
+                    <a:lumOff val="40000"/>
+                  </a:schemeClr>
+                </a:solidFill>
+                <a:uFill>
+                  <a:solidFill>
+                    <a:srgbClr val="FFFFFF"/>
+                  </a:solidFill>
+                </a:uFill>
+              </a:rPr>
+              <a:t>=</a:t>
+            </a:r>
+            <a:r>
+              <a:rPr lang="en-GB" spc="-1" dirty="0" err="1">
+                <a:solidFill>
+                  <a:schemeClr val="tx2">
+                    <a:lumMod val="60000"/>
+                    <a:lumOff val="40000"/>
+                  </a:schemeClr>
+                </a:solidFill>
+                <a:uFill>
+                  <a:solidFill>
+                    <a:srgbClr val="FFFFFF"/>
+                  </a:solidFill>
+                </a:uFill>
+              </a:rPr>
+              <a:t>rstudio</a:t>
+            </a:r>
+            <a:endParaRPr lang="en-GB" spc="-1" dirty="0">
+              <a:solidFill>
+                <a:schemeClr val="tx2">
+                  <a:lumMod val="60000"/>
+                  <a:lumOff val="40000"/>
+                </a:schemeClr>
+              </a:solidFill>
+              <a:uFill>
+                <a:solidFill>
+                  <a:srgbClr val="FFFFFF"/>
+                </a:solidFill>
+              </a:uFill>
+            </a:endParaRPr>
+          </a:p>
+          <a:p>
+            <a:pPr marL="457920" indent="-457200">
               <a:lnSpc>
                 <a:spcPct val="100000"/>
               </a:lnSpc>
               <a:buClr>
                 <a:srgbClr val="000000"/>
               </a:buClr>
-              <a:buFont typeface="Arial"/>
+              <a:buFont typeface="Arial" panose="020B0604020202020204" pitchFamily="34" charset="0"/>
               <a:buChar char="•"/>
             </a:pPr>
             <a:r>
-              <a:rPr b="0" lang="en-GB" sz="3200" spc="-1" strike="noStrike">
+              <a:rPr lang="en-GB" spc="-1" dirty="0">
                 <a:solidFill>
                   <a:srgbClr val="000000"/>
                 </a:solidFill>
                 <a:uFill>
                   <a:solidFill>
-                    <a:srgbClr val="ffffff"/>
-                  </a:solidFill>
-                </a:uFill>
-                <a:latin typeface="Arial"/>
-                <a:ea typeface="Noto Sans CJK SC Regular"/>
-              </a:rPr>
-              <a:t>(near) future work</a:t>
-            </a:r>
-            <a:endParaRPr b="0" lang="en-GB" sz="1800" spc="-1" strike="noStrike">
-              <a:solidFill>
-                <a:srgbClr val="000000"/>
-              </a:solidFill>
-              <a:uFill>
-                <a:solidFill>
-                  <a:srgbClr val="ffffff"/>
-                </a:solidFill>
-              </a:uFill>
-              <a:latin typeface="Arial"/>
-            </a:endParaRPr>
-          </a:p>
-          <a:p>
-            <a:pPr lvl="1" marL="857160" indent="-456480">
+                    <a:srgbClr val="FFFFFF"/>
+                  </a:solidFill>
+                </a:uFill>
+              </a:rPr>
+              <a:t>Open and interactive textbooks</a:t>
+            </a:r>
+            <a:br>
+              <a:rPr lang="en-GB" spc="-1" dirty="0">
+                <a:solidFill>
+                  <a:srgbClr val="000000"/>
+                </a:solidFill>
+                <a:uFill>
+                  <a:solidFill>
+                    <a:srgbClr val="FFFFFF"/>
+                  </a:solidFill>
+                </a:uFill>
+              </a:rPr>
+            </a:br>
+            <a:r>
+              <a:rPr lang="en-GB" spc="-1" dirty="0">
+                <a:solidFill>
+                  <a:schemeClr val="tx2">
+                    <a:lumMod val="60000"/>
+                    <a:lumOff val="40000"/>
+                  </a:schemeClr>
+                </a:solidFill>
+                <a:uFill>
+                  <a:solidFill>
+                    <a:srgbClr val="FFFFFF"/>
+                  </a:solidFill>
+                </a:uFill>
+              </a:rPr>
+              <a:t>mybinder.org/v2/</a:t>
+            </a:r>
+            <a:r>
+              <a:rPr lang="en-GB" spc="-1" dirty="0" err="1">
+                <a:solidFill>
+                  <a:schemeClr val="tx2">
+                    <a:lumMod val="60000"/>
+                    <a:lumOff val="40000"/>
+                  </a:schemeClr>
+                </a:solidFill>
+                <a:uFill>
+                  <a:solidFill>
+                    <a:srgbClr val="FFFFFF"/>
+                  </a:solidFill>
+                </a:uFill>
+              </a:rPr>
+              <a:t>gh</a:t>
+            </a:r>
+            <a:r>
+              <a:rPr lang="en-GB" spc="-1" dirty="0">
+                <a:solidFill>
+                  <a:schemeClr val="tx2">
+                    <a:lumMod val="60000"/>
+                    <a:lumOff val="40000"/>
+                  </a:schemeClr>
+                </a:solidFill>
+                <a:uFill>
+                  <a:solidFill>
+                    <a:srgbClr val="FFFFFF"/>
+                  </a:solidFill>
+                </a:uFill>
+              </a:rPr>
+              <a:t>/</a:t>
+            </a:r>
+            <a:r>
+              <a:rPr lang="en-GB" spc="-1" dirty="0" err="1">
+                <a:solidFill>
+                  <a:schemeClr val="tx2">
+                    <a:lumMod val="60000"/>
+                    <a:lumOff val="40000"/>
+                  </a:schemeClr>
+                </a:solidFill>
+                <a:uFill>
+                  <a:solidFill>
+                    <a:srgbClr val="FFFFFF"/>
+                  </a:solidFill>
+                </a:uFill>
+              </a:rPr>
+              <a:t>AllenDowney</a:t>
+            </a:r>
+            <a:r>
+              <a:rPr lang="en-GB" spc="-1" dirty="0">
+                <a:solidFill>
+                  <a:schemeClr val="tx2">
+                    <a:lumMod val="60000"/>
+                    <a:lumOff val="40000"/>
+                  </a:schemeClr>
+                </a:solidFill>
+                <a:uFill>
+                  <a:solidFill>
+                    <a:srgbClr val="FFFFFF"/>
+                  </a:solidFill>
+                </a:uFill>
+              </a:rPr>
+              <a:t>/</a:t>
+            </a:r>
+            <a:r>
+              <a:rPr lang="en-GB" spc="-1" dirty="0" err="1">
+                <a:solidFill>
+                  <a:schemeClr val="tx2">
+                    <a:lumMod val="60000"/>
+                    <a:lumOff val="40000"/>
+                  </a:schemeClr>
+                </a:solidFill>
+                <a:uFill>
+                  <a:solidFill>
+                    <a:srgbClr val="FFFFFF"/>
+                  </a:solidFill>
+                </a:uFill>
+              </a:rPr>
+              <a:t>ThinkDSP</a:t>
+            </a:r>
+            <a:r>
+              <a:rPr lang="en-GB" spc="-1" dirty="0">
+                <a:solidFill>
+                  <a:schemeClr val="tx2">
+                    <a:lumMod val="60000"/>
+                    <a:lumOff val="40000"/>
+                  </a:schemeClr>
+                </a:solidFill>
+                <a:uFill>
+                  <a:solidFill>
+                    <a:srgbClr val="FFFFFF"/>
+                  </a:solidFill>
+                </a:uFill>
+              </a:rPr>
+              <a:t>/master</a:t>
+            </a:r>
+          </a:p>
+          <a:p>
+            <a:pPr marL="457920" indent="-457200">
               <a:lnSpc>
                 <a:spcPct val="100000"/>
               </a:lnSpc>
               <a:buClr>
                 <a:srgbClr val="000000"/>
               </a:buClr>
-              <a:buFont typeface="Arial"/>
+              <a:buFont typeface="Arial" panose="020B0604020202020204" pitchFamily="34" charset="0"/>
               <a:buChar char="•"/>
             </a:pPr>
-            <a:r>
-              <a:rPr b="0" lang="en-GB" sz="2800" spc="-1" strike="noStrike">
-                <a:solidFill>
-                  <a:srgbClr val="000000"/>
-                </a:solidFill>
-                <a:uFill>
-                  <a:solidFill>
-                    <a:srgbClr val="ffffff"/>
-                  </a:solidFill>
-                </a:uFill>
-                <a:latin typeface="Arial"/>
-                <a:ea typeface="Noto Sans CJK SC Regular"/>
-              </a:rPr>
-              <a:t>Adding support for R</a:t>
-            </a:r>
-            <a:endParaRPr b="0" lang="en-GB" sz="1800" spc="-1" strike="noStrike">
-              <a:solidFill>
-                <a:srgbClr val="000000"/>
-              </a:solidFill>
-              <a:uFill>
-                <a:solidFill>
-                  <a:srgbClr val="ffffff"/>
-                </a:solidFill>
-              </a:uFill>
-              <a:latin typeface="Arial"/>
-            </a:endParaRPr>
-          </a:p>
-          <a:p>
-            <a:pPr lvl="1" marL="857160" indent="-456480">
-              <a:lnSpc>
-                <a:spcPct val="100000"/>
-              </a:lnSpc>
+            <a:endParaRPr lang="en-GB" spc="-1" dirty="0">
+              <a:solidFill>
+                <a:srgbClr val="000000"/>
+              </a:solidFill>
+              <a:uFill>
+                <a:solidFill>
+                  <a:srgbClr val="FFFFFF"/>
+                </a:solidFill>
+              </a:uFill>
+            </a:endParaRPr>
+          </a:p>
+          <a:p>
+            <a:pPr marL="914400" lvl="1" indent="-456480">
               <a:buClr>
                 <a:srgbClr val="000000"/>
               </a:buClr>
               <a:buFont typeface="Arial"/>
               <a:buChar char="•"/>
             </a:pPr>
-            <a:r>
-              <a:rPr b="0" lang="en-GB" sz="2800" spc="-1" strike="noStrike">
-                <a:solidFill>
-                  <a:srgbClr val="000000"/>
-                </a:solidFill>
-                <a:uFill>
-                  <a:solidFill>
-                    <a:srgbClr val="ffffff"/>
-                  </a:solidFill>
-                </a:uFill>
-                <a:latin typeface="Arial"/>
-                <a:ea typeface="Noto Sans CJK SC Regular"/>
-              </a:rPr>
-              <a:t>Support multiple languages simultaneously</a:t>
-            </a:r>
-            <a:endParaRPr b="0" lang="en-GB" sz="1800" spc="-1" strike="noStrike">
-              <a:solidFill>
-                <a:srgbClr val="000000"/>
-              </a:solidFill>
-              <a:uFill>
-                <a:solidFill>
-                  <a:srgbClr val="ffffff"/>
-                </a:solidFill>
-              </a:uFill>
-              <a:latin typeface="Arial"/>
-            </a:endParaRPr>
-          </a:p>
-          <a:p>
-            <a:pPr lvl="1" marL="857160" indent="-456480">
-              <a:lnSpc>
-                <a:spcPct val="100000"/>
-              </a:lnSpc>
-              <a:buClr>
-                <a:srgbClr val="000000"/>
-              </a:buClr>
-              <a:buFont typeface="Arial"/>
-              <a:buChar char="•"/>
-            </a:pPr>
-            <a:r>
-              <a:rPr b="0" lang="en-GB" sz="2800" spc="-1" strike="noStrike">
-                <a:solidFill>
-                  <a:srgbClr val="000000"/>
-                </a:solidFill>
-                <a:uFill>
-                  <a:solidFill>
-                    <a:srgbClr val="ffffff"/>
-                  </a:solidFill>
-                </a:uFill>
-                <a:latin typeface="Arial"/>
-                <a:ea typeface="Noto Sans CJK SC Regular"/>
-              </a:rPr>
-              <a:t>Make it easier to deploy your own Binder server</a:t>
-            </a:r>
-            <a:endParaRPr b="0" lang="en-GB" sz="1800" spc="-1" strike="noStrike">
-              <a:solidFill>
-                <a:srgbClr val="000000"/>
-              </a:solidFill>
-              <a:uFill>
-                <a:solidFill>
-                  <a:srgbClr val="ffffff"/>
-                </a:solidFill>
-              </a:uFill>
-              <a:latin typeface="Arial"/>
-            </a:endParaRPr>
-          </a:p>
-          <a:p>
-            <a:pPr lvl="1" marL="857160" indent="-456480">
-              <a:lnSpc>
-                <a:spcPct val="100000"/>
-              </a:lnSpc>
-              <a:buClr>
-                <a:srgbClr val="000000"/>
-              </a:buClr>
-              <a:buFont typeface="Arial"/>
-              <a:buChar char="•"/>
-            </a:pPr>
-            <a:r>
-              <a:rPr b="0" lang="en-GB" sz="2800" spc="-1" strike="noStrike">
-                <a:solidFill>
-                  <a:srgbClr val="000000"/>
-                </a:solidFill>
-                <a:uFill>
-                  <a:solidFill>
-                    <a:srgbClr val="ffffff"/>
-                  </a:solidFill>
-                </a:uFill>
-                <a:latin typeface="Arial"/>
-                <a:ea typeface="Noto Sans CJK SC Regular"/>
-              </a:rPr>
-              <a:t>Support new user interfaces (RStudio, JupyterLab)</a:t>
-            </a:r>
-            <a:endParaRPr b="0" lang="en-GB" sz="1800" spc="-1" strike="noStrike">
-              <a:solidFill>
-                <a:srgbClr val="000000"/>
-              </a:solidFill>
-              <a:uFill>
-                <a:solidFill>
-                  <a:srgbClr val="ffffff"/>
+            <a:endParaRPr lang="en-GB" b="0" strike="noStrike" spc="-1" dirty="0">
+              <a:solidFill>
+                <a:srgbClr val="000000"/>
+              </a:solidFill>
+              <a:uFill>
+                <a:solidFill>
+                  <a:srgbClr val="FFFFFF"/>
                 </a:solidFill>
               </a:uFill>
               <a:latin typeface="Arial"/>
@@ -6454,13 +8288,13 @@
                 <a:spcPct val="100000"/>
               </a:lnSpc>
             </a:pPr>
-            <a:endParaRPr b="0" lang="en-GB" sz="1800" spc="-1" strike="noStrike">
-              <a:solidFill>
-                <a:srgbClr val="000000"/>
-              </a:solidFill>
-              <a:uFill>
-                <a:solidFill>
-                  <a:srgbClr val="ffffff"/>
+            <a:endParaRPr lang="en-GB" sz="1800" b="0" strike="noStrike" spc="-1" dirty="0">
+              <a:solidFill>
+                <a:srgbClr val="000000"/>
+              </a:solidFill>
+              <a:uFill>
+                <a:solidFill>
+                  <a:srgbClr val="FFFFFF"/>
                 </a:solidFill>
               </a:uFill>
               <a:latin typeface="Arial"/>
@@ -6472,38 +8306,140 @@
                 <a:spcPct val="100000"/>
               </a:lnSpc>
             </a:pPr>
-            <a:endParaRPr b="0" lang="en-GB" sz="1800" spc="-1" strike="noStrike">
-              <a:solidFill>
-                <a:srgbClr val="000000"/>
-              </a:solidFill>
-              <a:uFill>
-                <a:solidFill>
-                  <a:srgbClr val="ffffff"/>
-                </a:solidFill>
-              </a:uFill>
-              <a:latin typeface="Arial"/>
+            <a:endParaRPr lang="en-GB" sz="1800" b="0" strike="noStrike" spc="-1" dirty="0">
+              <a:solidFill>
+                <a:srgbClr val="000000"/>
+              </a:solidFill>
+              <a:uFill>
+                <a:solidFill>
+                  <a:srgbClr val="FFFFFF"/>
+                </a:solidFill>
+              </a:uFill>
+              <a:latin typeface="Arial"/>
+            </a:endParaRPr>
+          </a:p>
+        </p:txBody>
+      </p:sp>
+      <p:sp>
+        <p:nvSpPr>
+          <p:cNvPr id="3" name="Rectangle 2">
+            <a:extLst>
+              <a:ext uri="{FF2B5EF4-FFF2-40B4-BE49-F238E27FC236}">
+                <a16:creationId xmlns:a16="http://schemas.microsoft.com/office/drawing/2014/main" id="{A2446B24-E951-4010-9610-CA7625A11C54}"/>
+              </a:ext>
+            </a:extLst>
+          </p:cNvPr>
+          <p:cNvSpPr/>
+          <p:nvPr/>
+        </p:nvSpPr>
+        <p:spPr>
+          <a:xfrm>
+            <a:off x="2117090" y="6328569"/>
+            <a:ext cx="5038725" cy="1231106"/>
+          </a:xfrm>
+          <a:prstGeom prst="rect">
+            <a:avLst/>
+          </a:prstGeom>
+        </p:spPr>
+        <p:txBody>
+          <a:bodyPr>
+            <a:spAutoFit/>
+          </a:bodyPr>
+          <a:lstStyle/>
+          <a:p>
+            <a:pPr marL="400680" lvl="1" algn="ctr">
+              <a:lnSpc>
+                <a:spcPct val="100000"/>
+              </a:lnSpc>
+              <a:buClr>
+                <a:srgbClr val="000000"/>
+              </a:buClr>
+            </a:pPr>
+            <a:r>
+              <a:rPr lang="en-GB" sz="2800" spc="-1" dirty="0">
+                <a:solidFill>
+                  <a:srgbClr val="000000"/>
+                </a:solidFill>
+                <a:uFill>
+                  <a:solidFill>
+                    <a:srgbClr val="FFFFFF"/>
+                  </a:solidFill>
+                </a:uFill>
+              </a:rPr>
+              <a:t>See </a:t>
+            </a:r>
+            <a:r>
+              <a:rPr lang="en-GB" sz="2800" spc="-1" dirty="0">
+                <a:solidFill>
+                  <a:schemeClr val="accent6"/>
+                </a:solidFill>
+                <a:uFill>
+                  <a:solidFill>
+                    <a:srgbClr val="FFFFFF"/>
+                  </a:solidFill>
+                </a:uFill>
+              </a:rPr>
+              <a:t>docs.mybinder.org </a:t>
+            </a:r>
+            <a:r>
+              <a:rPr lang="en-GB" sz="2800" spc="-1" dirty="0">
+                <a:solidFill>
+                  <a:srgbClr val="000000"/>
+                </a:solidFill>
+                <a:uFill>
+                  <a:solidFill>
+                    <a:srgbClr val="FFFFFF"/>
+                  </a:solidFill>
+                </a:uFill>
+              </a:rPr>
+              <a:t>for more information</a:t>
+            </a:r>
+            <a:br>
+              <a:rPr lang="en-GB" sz="2800" spc="-1" dirty="0">
+                <a:solidFill>
+                  <a:srgbClr val="000000"/>
+                </a:solidFill>
+                <a:uFill>
+                  <a:solidFill>
+                    <a:srgbClr val="FFFFFF"/>
+                  </a:solidFill>
+                </a:uFill>
+              </a:rPr>
+            </a:br>
+            <a:endParaRPr lang="en-GB" spc="-1" dirty="0">
+              <a:solidFill>
+                <a:srgbClr val="000000"/>
+              </a:solidFill>
+              <a:uFill>
+                <a:solidFill>
+                  <a:srgbClr val="FFFFFF"/>
+                </a:solidFill>
+              </a:uFill>
             </a:endParaRPr>
           </a:p>
         </p:txBody>
       </p:sp>
     </p:spTree>
   </p:cSld>
+  <p:clrMapOvr>
+    <a:masterClrMapping/>
+  </p:clrMapOvr>
   <p:timing>
     <p:tnLst>
       <p:par>
-        <p:cTn id="5" dur="indefinite" restart="never" nodeType="tmRoot">
+        <p:cTn id="1" dur="indefinite" restart="never" nodeType="tmRoot">
           <p:childTnLst>
             <p:seq>
-              <p:cTn id="6" nodeType="mainSeq"/>
+              <p:cTn id="2" nodeType="mainSeq"/>
               <p:prevCondLst>
-                <p:cond delay="0" evt="onPrev">
+                <p:cond evt="onPrev" delay="0">
                   <p:tgtEl>
                     <p:sldTgt/>
                   </p:tgtEl>
                 </p:cond>
               </p:prevCondLst>
               <p:nextCondLst>
-                <p:cond delay="0" evt="onNext">
+                <p:cond evt="onNext" delay="0">
                   <p:tgtEl>
                     <p:sldTgt/>
                   </p:tgtEl>
@@ -6519,7 +8455,7 @@
 </file>
 
 <file path=ppt/slides/slide4.xml><?xml version="1.0" encoding="utf-8"?>
-<p:sld xmlns:a="http://schemas.openxmlformats.org/drawingml/2006/main" xmlns:p="http://schemas.openxmlformats.org/presentationml/2006/main" xmlns:r="http://schemas.openxmlformats.org/officeDocument/2006/relationships" xmlns:p14="http://schemas.microsoft.com/office/powerpoint/2010/main" xmlns:p15="http://schemas.microsoft.com/office/powerpoint/2012/main" xmlns:mc="http://schemas.openxmlformats.org/markup-compatibility/2006">
+<p:sld xmlns:a="http://schemas.openxmlformats.org/drawingml/2006/main" xmlns:r="http://schemas.openxmlformats.org/officeDocument/2006/relationships" xmlns:p="http://schemas.openxmlformats.org/presentationml/2006/main">
   <p:cSld>
     <p:spTree>
       <p:nvGrpSpPr>
@@ -6555,13 +8491,20 @@
           </a:ln>
         </p:spPr>
         <p:style>
-          <a:lnRef idx="0"/>
-          <a:fillRef idx="0"/>
-          <a:effectRef idx="0"/>
+          <a:lnRef idx="0">
+            <a:scrgbClr r="0" g="0" b="0"/>
+          </a:lnRef>
+          <a:fillRef idx="0">
+            <a:scrgbClr r="0" g="0" b="0"/>
+          </a:fillRef>
+          <a:effectRef idx="0">
+            <a:scrgbClr r="0" g="0" b="0"/>
+          </a:effectRef>
           <a:fontRef idx="minor"/>
         </p:style>
         <p:txBody>
-          <a:bodyPr lIns="0" rIns="0" tIns="0" bIns="0" anchor="ctr"/>
+          <a:bodyPr lIns="0" tIns="0" rIns="0" bIns="0" anchor="ctr"/>
+          <a:lstStyle/>
           <a:p>
             <a:pPr algn="ctr">
               <a:lnSpc>
@@ -6569,13 +8512,13 @@
               </a:lnSpc>
             </a:pPr>
             <a:r>
-              <a:rPr b="0" lang="en-GB" sz="4400" spc="-1" strike="noStrike">
+              <a:rPr lang="en-GB" sz="4400" b="0" strike="noStrike" spc="-1">
                 <a:solidFill>
                   <a:srgbClr val="000000"/>
                 </a:solidFill>
                 <a:uFill>
                   <a:solidFill>
-                    <a:srgbClr val="ffffff"/>
+                    <a:srgbClr val="FFFFFF"/>
                   </a:solidFill>
                 </a:uFill>
                 <a:latin typeface="Arial"/>
@@ -6583,13 +8526,13 @@
               </a:rPr>
               <a:t>Useful links</a:t>
             </a:r>
-            <a:endParaRPr b="0" lang="en-GB" sz="1800" spc="-1" strike="noStrike">
-              <a:solidFill>
-                <a:srgbClr val="000000"/>
-              </a:solidFill>
-              <a:uFill>
-                <a:solidFill>
-                  <a:srgbClr val="ffffff"/>
+            <a:endParaRPr lang="en-GB" sz="1800" b="0" strike="noStrike" spc="-1">
+              <a:solidFill>
+                <a:srgbClr val="000000"/>
+              </a:solidFill>
+              <a:uFill>
+                <a:solidFill>
+                  <a:srgbClr val="FFFFFF"/>
                 </a:solidFill>
               </a:uFill>
               <a:latin typeface="Arial"/>
@@ -6617,13 +8560,20 @@
           </a:ln>
         </p:spPr>
         <p:style>
-          <a:lnRef idx="0"/>
-          <a:fillRef idx="0"/>
-          <a:effectRef idx="0"/>
+          <a:lnRef idx="0">
+            <a:scrgbClr r="0" g="0" b="0"/>
+          </a:lnRef>
+          <a:fillRef idx="0">
+            <a:scrgbClr r="0" g="0" b="0"/>
+          </a:fillRef>
+          <a:effectRef idx="0">
+            <a:scrgbClr r="0" g="0" b="0"/>
+          </a:effectRef>
           <a:fontRef idx="minor"/>
         </p:style>
         <p:txBody>
-          <a:bodyPr lIns="0" rIns="0" tIns="28440" bIns="0"/>
+          <a:bodyPr lIns="0" tIns="28440" rIns="0" bIns="0"/>
+          <a:lstStyle/>
           <a:p>
             <a:pPr marL="343080" indent="-342360" algn="ctr">
               <a:lnSpc>
@@ -6631,27 +8581,27 @@
               </a:lnSpc>
             </a:pPr>
             <a:r>
-              <a:rPr b="1" lang="en-GB" sz="3200" spc="-1" strike="noStrike">
+              <a:rPr lang="en-GB" sz="3200" b="1" strike="noStrike" spc="-1" dirty="0">
                 <a:solidFill>
                   <a:srgbClr val="000000"/>
                 </a:solidFill>
                 <a:uFill>
                   <a:solidFill>
-                    <a:srgbClr val="ffffff"/>
+                    <a:srgbClr val="FFFFFF"/>
                   </a:solidFill>
                 </a:uFill>
                 <a:latin typeface="Arial"/>
                 <a:ea typeface="Noto Sans CJK SC Regular"/>
               </a:rPr>
-              <a:t>Use mybinder</a:t>
-            </a:r>
-            <a:endParaRPr b="0" lang="en-GB" sz="1800" spc="-1" strike="noStrike">
-              <a:solidFill>
-                <a:srgbClr val="000000"/>
-              </a:solidFill>
-              <a:uFill>
-                <a:solidFill>
-                  <a:srgbClr val="ffffff"/>
+              <a:t>Use Binder</a:t>
+            </a:r>
+            <a:endParaRPr lang="en-GB" sz="1800" b="0" strike="noStrike" spc="-1" dirty="0">
+              <a:solidFill>
+                <a:srgbClr val="000000"/>
+              </a:solidFill>
+              <a:uFill>
+                <a:solidFill>
+                  <a:srgbClr val="FFFFFF"/>
                 </a:solidFill>
               </a:uFill>
               <a:latin typeface="Arial"/>
@@ -6664,27 +8614,41 @@
               </a:lnSpc>
             </a:pPr>
             <a:r>
-              <a:rPr b="0" lang="en-GB" sz="2400" spc="-1" strike="noStrike">
+              <a:rPr lang="en-GB" sz="2400" b="0" strike="noStrike" spc="-1" dirty="0">
                 <a:solidFill>
                   <a:srgbClr val="000000"/>
                 </a:solidFill>
                 <a:uFill>
                   <a:solidFill>
-                    <a:srgbClr val="ffffff"/>
+                    <a:srgbClr val="FFFFFF"/>
                   </a:solidFill>
                 </a:uFill>
                 <a:latin typeface="Arial"/>
                 <a:ea typeface="Noto Sans CJK SC Regular"/>
               </a:rPr>
-              <a:t>beta.mybinder.org</a:t>
-            </a:r>
-            <a:endParaRPr b="0" lang="en-GB" sz="1800" spc="-1" strike="noStrike">
-              <a:solidFill>
-                <a:srgbClr val="000000"/>
-              </a:solidFill>
-              <a:uFill>
-                <a:solidFill>
-                  <a:srgbClr val="ffffff"/>
+              <a:t>mybinder.org</a:t>
+            </a:r>
+            <a:br>
+              <a:rPr lang="en-GB" sz="2400" b="0" strike="noStrike" spc="-1" dirty="0">
+                <a:solidFill>
+                  <a:srgbClr val="000000"/>
+                </a:solidFill>
+                <a:uFill>
+                  <a:solidFill>
+                    <a:srgbClr val="FFFFFF"/>
+                  </a:solidFill>
+                </a:uFill>
+                <a:latin typeface="Arial"/>
+                <a:ea typeface="Noto Sans CJK SC Regular"/>
+              </a:rPr>
+            </a:br>
+            <a:endParaRPr lang="en-GB" sz="1800" b="0" strike="noStrike" spc="-1" dirty="0">
+              <a:solidFill>
+                <a:srgbClr val="000000"/>
+              </a:solidFill>
+              <a:uFill>
+                <a:solidFill>
+                  <a:srgbClr val="FFFFFF"/>
                 </a:solidFill>
               </a:uFill>
               <a:latin typeface="Arial"/>
@@ -6697,27 +8661,42 @@
               </a:lnSpc>
             </a:pPr>
             <a:r>
-              <a:rPr b="1" lang="en-GB" sz="3200" spc="-1" strike="noStrike">
+              <a:rPr lang="en-GB" sz="3200" b="1" strike="noStrike" spc="-1" dirty="0">
                 <a:solidFill>
                   <a:srgbClr val="000000"/>
                 </a:solidFill>
                 <a:uFill>
                   <a:solidFill>
-                    <a:srgbClr val="ffffff"/>
+                    <a:srgbClr val="FFFFFF"/>
                   </a:solidFill>
                 </a:uFill>
                 <a:latin typeface="Arial"/>
                 <a:ea typeface="Noto Sans CJK SC Regular"/>
               </a:rPr>
-              <a:t>Deploy your own Binder</a:t>
-            </a:r>
-            <a:endParaRPr b="0" lang="en-GB" sz="1800" spc="-1" strike="noStrike">
-              <a:solidFill>
-                <a:srgbClr val="000000"/>
-              </a:solidFill>
-              <a:uFill>
-                <a:solidFill>
-                  <a:srgbClr val="ffffff"/>
+              <a:t>Deploy your own </a:t>
+            </a:r>
+            <a:r>
+              <a:rPr lang="en-GB" sz="3200" b="1" strike="noStrike" spc="-1" dirty="0" err="1">
+                <a:solidFill>
+                  <a:srgbClr val="000000"/>
+                </a:solidFill>
+                <a:uFill>
+                  <a:solidFill>
+                    <a:srgbClr val="FFFFFF"/>
+                  </a:solidFill>
+                </a:uFill>
+                <a:latin typeface="Arial"/>
+                <a:ea typeface="Noto Sans CJK SC Regular"/>
+              </a:rPr>
+              <a:t>BinderHub</a:t>
+            </a:r>
+            <a:endParaRPr lang="en-GB" sz="1800" b="0" strike="noStrike" spc="-1" dirty="0">
+              <a:solidFill>
+                <a:srgbClr val="000000"/>
+              </a:solidFill>
+              <a:uFill>
+                <a:solidFill>
+                  <a:srgbClr val="FFFFFF"/>
                 </a:solidFill>
               </a:uFill>
               <a:latin typeface="Arial"/>
@@ -6730,27 +8709,40 @@
               </a:lnSpc>
             </a:pPr>
             <a:r>
-              <a:rPr b="0" lang="en-GB" sz="2400" spc="-1" strike="noStrike">
+              <a:rPr lang="en-GB" sz="2400" spc="-1" dirty="0">
                 <a:solidFill>
                   <a:srgbClr val="000000"/>
                 </a:solidFill>
                 <a:uFill>
                   <a:solidFill>
-                    <a:srgbClr val="ffffff"/>
+                    <a:srgbClr val="FFFFFF"/>
+                  </a:solidFill>
+                </a:uFill>
+                <a:ea typeface="Noto Sans CJK SC Regular"/>
+              </a:rPr>
+              <a:t>binderhub.readthedocs.io/en/latest/</a:t>
+            </a:r>
+            <a:br>
+              <a:rPr lang="en-GB" sz="2400" b="0" strike="noStrike" spc="-1" dirty="0">
+                <a:solidFill>
+                  <a:srgbClr val="000000"/>
+                </a:solidFill>
+                <a:uFill>
+                  <a:solidFill>
+                    <a:srgbClr val="FFFFFF"/>
                   </a:solidFill>
                 </a:uFill>
                 <a:latin typeface="Arial"/>
                 <a:ea typeface="Noto Sans CJK SC Regular"/>
               </a:rPr>
-              <a:t>binderhub.jupyter.org</a:t>
-            </a:r>
-            <a:endParaRPr b="0" lang="en-GB" sz="1800" spc="-1" strike="noStrike">
-              <a:solidFill>
-                <a:srgbClr val="000000"/>
-              </a:solidFill>
-              <a:uFill>
-                <a:solidFill>
-                  <a:srgbClr val="ffffff"/>
+            </a:br>
+            <a:endParaRPr lang="en-GB" sz="1800" b="0" strike="noStrike" spc="-1" dirty="0">
+              <a:solidFill>
+                <a:srgbClr val="000000"/>
+              </a:solidFill>
+              <a:uFill>
+                <a:solidFill>
+                  <a:srgbClr val="FFFFFF"/>
                 </a:solidFill>
               </a:uFill>
               <a:latin typeface="Arial"/>
@@ -6763,13 +8755,13 @@
               </a:lnSpc>
             </a:pPr>
             <a:r>
-              <a:rPr b="1" lang="en-GB" sz="3200" spc="-1" strike="noStrike">
+              <a:rPr lang="en-GB" sz="3200" b="1" strike="noStrike" spc="-1" dirty="0">
                 <a:solidFill>
                   <a:srgbClr val="000000"/>
                 </a:solidFill>
                 <a:uFill>
                   <a:solidFill>
-                    <a:srgbClr val="ffffff"/>
+                    <a:srgbClr val="FFFFFF"/>
                   </a:solidFill>
                 </a:uFill>
                 <a:latin typeface="Arial"/>
@@ -6777,13 +8769,13 @@
               </a:rPr>
               <a:t>Get in touch</a:t>
             </a:r>
-            <a:endParaRPr b="0" lang="en-GB" sz="1800" spc="-1" strike="noStrike">
-              <a:solidFill>
-                <a:srgbClr val="000000"/>
-              </a:solidFill>
-              <a:uFill>
-                <a:solidFill>
-                  <a:srgbClr val="ffffff"/>
+            <a:endParaRPr lang="en-GB" sz="1800" b="0" strike="noStrike" spc="-1" dirty="0">
+              <a:solidFill>
+                <a:srgbClr val="000000"/>
+              </a:solidFill>
+              <a:uFill>
+                <a:solidFill>
+                  <a:srgbClr val="FFFFFF"/>
                 </a:solidFill>
               </a:uFill>
               <a:latin typeface="Arial"/>
@@ -6796,27 +8788,71 @@
               </a:lnSpc>
             </a:pPr>
             <a:r>
-              <a:rPr b="0" lang="en-GB" sz="2400" spc="-1" strike="noStrike">
+              <a:rPr lang="en-GB" sz="2400" b="0" strike="noStrike" spc="-1" dirty="0">
                 <a:solidFill>
                   <a:srgbClr val="000000"/>
                 </a:solidFill>
                 <a:uFill>
                   <a:solidFill>
-                    <a:srgbClr val="ffffff"/>
+                    <a:srgbClr val="FFFFFF"/>
                   </a:solidFill>
                 </a:uFill>
                 <a:latin typeface="Arial"/>
                 <a:ea typeface="Noto Sans CJK SC Regular"/>
               </a:rPr>
-              <a:t>gitter.im/binder-project/binder</a:t>
-            </a:r>
-            <a:endParaRPr b="0" lang="en-GB" sz="1800" spc="-1" strike="noStrike">
-              <a:solidFill>
-                <a:srgbClr val="000000"/>
-              </a:solidFill>
-              <a:uFill>
-                <a:solidFill>
-                  <a:srgbClr val="ffffff"/>
+              <a:t>gitter.im/</a:t>
+            </a:r>
+            <a:r>
+              <a:rPr lang="en-GB" sz="2400" spc="-1" dirty="0" err="1">
+                <a:solidFill>
+                  <a:srgbClr val="000000"/>
+                </a:solidFill>
+                <a:uFill>
+                  <a:solidFill>
+                    <a:srgbClr val="FFFFFF"/>
+                  </a:solidFill>
+                </a:uFill>
+                <a:latin typeface="Arial"/>
+                <a:ea typeface="Noto Sans CJK SC Regular"/>
+              </a:rPr>
+              <a:t>jupyterhub</a:t>
+            </a:r>
+            <a:r>
+              <a:rPr lang="en-GB" sz="2400" b="0" strike="noStrike" spc="-1" dirty="0">
+                <a:solidFill>
+                  <a:srgbClr val="000000"/>
+                </a:solidFill>
+                <a:uFill>
+                  <a:solidFill>
+                    <a:srgbClr val="FFFFFF"/>
+                  </a:solidFill>
+                </a:uFill>
+                <a:latin typeface="Arial"/>
+                <a:ea typeface="Noto Sans CJK SC Regular"/>
+              </a:rPr>
+              <a:t>/binder</a:t>
+            </a:r>
+            <a:br>
+              <a:rPr lang="en-GB" sz="2400" b="0" strike="noStrike" spc="-1" dirty="0">
+                <a:solidFill>
+                  <a:srgbClr val="000000"/>
+                </a:solidFill>
+                <a:uFill>
+                  <a:solidFill>
+                    <a:srgbClr val="FFFFFF"/>
+                  </a:solidFill>
+                </a:uFill>
+                <a:latin typeface="Arial"/>
+                <a:ea typeface="Noto Sans CJK SC Regular"/>
+              </a:rPr>
+            </a:br>
+            <a:endParaRPr lang="en-GB" sz="1800" b="0" strike="noStrike" spc="-1" dirty="0">
+              <a:solidFill>
+                <a:srgbClr val="000000"/>
+              </a:solidFill>
+              <a:uFill>
+                <a:solidFill>
+                  <a:srgbClr val="FFFFFF"/>
                 </a:solidFill>
               </a:uFill>
               <a:latin typeface="Arial"/>
@@ -6829,13 +8865,13 @@
               </a:lnSpc>
             </a:pPr>
             <a:r>
-              <a:rPr b="1" lang="en-GB" sz="3200" spc="-1" strike="noStrike">
+              <a:rPr lang="en-GB" sz="3200" b="1" strike="noStrike" spc="-1" dirty="0">
                 <a:solidFill>
                   <a:srgbClr val="000000"/>
                 </a:solidFill>
                 <a:uFill>
                   <a:solidFill>
-                    <a:srgbClr val="ffffff"/>
+                    <a:srgbClr val="FFFFFF"/>
                   </a:solidFill>
                 </a:uFill>
                 <a:latin typeface="Arial"/>
@@ -6843,17 +8879,6 @@
               </a:rPr>
               <a:t>Get involved</a:t>
             </a:r>
-            <a:endParaRPr b="0" lang="en-GB" sz="1800" spc="-1" strike="noStrike">
-              <a:solidFill>
-                <a:srgbClr val="000000"/>
-              </a:solidFill>
-              <a:uFill>
-                <a:solidFill>
-                  <a:srgbClr val="ffffff"/>
-                </a:solidFill>
-              </a:uFill>
-              <a:latin typeface="Arial"/>
-            </a:endParaRPr>
           </a:p>
           <a:p>
             <a:pPr marL="343080" indent="-342360" algn="ctr">
@@ -6862,27 +8887,184 @@
               </a:lnSpc>
             </a:pPr>
             <a:r>
-              <a:rPr b="0" lang="en-GB" sz="2400" spc="-1" strike="noStrike">
+              <a:rPr lang="en-GB" sz="2400" spc="-1" dirty="0">
                 <a:solidFill>
                   <a:srgbClr val="000000"/>
                 </a:solidFill>
                 <a:uFill>
                   <a:solidFill>
-                    <a:srgbClr val="ffffff"/>
+                    <a:srgbClr val="FFFFFF"/>
+                  </a:solidFill>
+                </a:uFill>
+                <a:ea typeface="Noto Sans CJK SC Regular"/>
+              </a:rPr>
+              <a:t>github.com/</a:t>
+            </a:r>
+            <a:r>
+              <a:rPr lang="en-GB" sz="2400" spc="-1" dirty="0" err="1">
+                <a:solidFill>
+                  <a:srgbClr val="000000"/>
+                </a:solidFill>
+                <a:uFill>
+                  <a:solidFill>
+                    <a:srgbClr val="FFFFFF"/>
+                  </a:solidFill>
+                </a:uFill>
+                <a:ea typeface="Noto Sans CJK SC Regular"/>
+              </a:rPr>
+              <a:t>jupyterhub</a:t>
+            </a:r>
+            <a:r>
+              <a:rPr lang="en-GB" sz="2400" spc="-1" dirty="0">
+                <a:solidFill>
+                  <a:srgbClr val="000000"/>
+                </a:solidFill>
+                <a:uFill>
+                  <a:solidFill>
+                    <a:srgbClr val="FFFFFF"/>
+                  </a:solidFill>
+                </a:uFill>
+                <a:ea typeface="Noto Sans CJK SC Regular"/>
+              </a:rPr>
+              <a:t>/binder (user information)</a:t>
+            </a:r>
+            <a:endParaRPr lang="en-GB" sz="2400" b="0" strike="noStrike" spc="-1" dirty="0">
+              <a:solidFill>
+                <a:srgbClr val="000000"/>
+              </a:solidFill>
+              <a:uFill>
+                <a:solidFill>
+                  <a:srgbClr val="FFFFFF"/>
+                </a:solidFill>
+              </a:uFill>
+              <a:latin typeface="Arial"/>
+            </a:endParaRPr>
+          </a:p>
+          <a:p>
+            <a:pPr marL="343080" indent="-342360" algn="ctr">
+              <a:lnSpc>
+                <a:spcPct val="100000"/>
+              </a:lnSpc>
+            </a:pPr>
+            <a:r>
+              <a:rPr lang="en-GB" sz="2400" b="0" strike="noStrike" spc="-1" dirty="0">
+                <a:solidFill>
+                  <a:srgbClr val="000000"/>
+                </a:solidFill>
+                <a:uFill>
+                  <a:solidFill>
+                    <a:srgbClr val="FFFFFF"/>
                   </a:solidFill>
                 </a:uFill>
                 <a:latin typeface="Arial"/>
                 <a:ea typeface="Noto Sans CJK SC Regular"/>
               </a:rPr>
-              <a:t>github.com/jupyterhub/binderhub</a:t>
-            </a:r>
-            <a:endParaRPr b="0" lang="en-GB" sz="1800" spc="-1" strike="noStrike">
-              <a:solidFill>
-                <a:srgbClr val="000000"/>
-              </a:solidFill>
-              <a:uFill>
-                <a:solidFill>
-                  <a:srgbClr val="ffffff"/>
+              <a:t>github.com/</a:t>
+            </a:r>
+            <a:r>
+              <a:rPr lang="en-GB" sz="2400" b="0" strike="noStrike" spc="-1" dirty="0" err="1">
+                <a:solidFill>
+                  <a:srgbClr val="000000"/>
+                </a:solidFill>
+                <a:uFill>
+                  <a:solidFill>
+                    <a:srgbClr val="FFFFFF"/>
+                  </a:solidFill>
+                </a:uFill>
+                <a:latin typeface="Arial"/>
+                <a:ea typeface="Noto Sans CJK SC Regular"/>
+              </a:rPr>
+              <a:t>jupyterhub</a:t>
+            </a:r>
+            <a:r>
+              <a:rPr lang="en-GB" sz="2400" b="0" strike="noStrike" spc="-1" dirty="0">
+                <a:solidFill>
+                  <a:srgbClr val="000000"/>
+                </a:solidFill>
+                <a:uFill>
+                  <a:solidFill>
+                    <a:srgbClr val="FFFFFF"/>
+                  </a:solidFill>
+                </a:uFill>
+                <a:latin typeface="Arial"/>
+                <a:ea typeface="Noto Sans CJK SC Regular"/>
+              </a:rPr>
+              <a:t>/</a:t>
+            </a:r>
+            <a:r>
+              <a:rPr lang="en-GB" sz="2400" b="0" strike="noStrike" spc="-1" dirty="0" err="1">
+                <a:solidFill>
+                  <a:srgbClr val="000000"/>
+                </a:solidFill>
+                <a:uFill>
+                  <a:solidFill>
+                    <a:srgbClr val="FFFFFF"/>
+                  </a:solidFill>
+                </a:uFill>
+                <a:latin typeface="Arial"/>
+                <a:ea typeface="Noto Sans CJK SC Regular"/>
+              </a:rPr>
+              <a:t>binderhub</a:t>
+            </a:r>
+            <a:r>
+              <a:rPr lang="en-GB" sz="2400" b="0" strike="noStrike" spc="-1" dirty="0">
+                <a:solidFill>
+                  <a:srgbClr val="000000"/>
+                </a:solidFill>
+                <a:uFill>
+                  <a:solidFill>
+                    <a:srgbClr val="FFFFFF"/>
+                  </a:solidFill>
+                </a:uFill>
+                <a:latin typeface="Arial"/>
+                <a:ea typeface="Noto Sans CJK SC Regular"/>
+              </a:rPr>
+              <a:t> (</a:t>
+            </a:r>
+            <a:r>
+              <a:rPr lang="en-GB" sz="2400" b="0" strike="noStrike" spc="-1" dirty="0" err="1">
+                <a:solidFill>
+                  <a:srgbClr val="000000"/>
+                </a:solidFill>
+                <a:uFill>
+                  <a:solidFill>
+                    <a:srgbClr val="FFFFFF"/>
+                  </a:solidFill>
+                </a:uFill>
+                <a:latin typeface="Arial"/>
+                <a:ea typeface="Noto Sans CJK SC Regular"/>
+              </a:rPr>
+              <a:t>binderhub</a:t>
+            </a:r>
+            <a:r>
+              <a:rPr lang="en-GB" sz="2400" b="0" strike="noStrike" spc="-1" dirty="0">
+                <a:solidFill>
+                  <a:srgbClr val="000000"/>
+                </a:solidFill>
+                <a:uFill>
+                  <a:solidFill>
+                    <a:srgbClr val="FFFFFF"/>
+                  </a:solidFill>
+                </a:uFill>
+                <a:latin typeface="Arial"/>
+                <a:ea typeface="Noto Sans CJK SC Regular"/>
+              </a:rPr>
+              <a:t> server)</a:t>
+            </a:r>
+          </a:p>
+          <a:p>
+            <a:pPr marL="343080" indent="-342360" algn="ctr">
+              <a:lnSpc>
+                <a:spcPct val="100000"/>
+              </a:lnSpc>
+            </a:pPr>
+            <a:endParaRPr lang="en-GB" sz="1800" b="0" strike="noStrike" spc="-1" dirty="0">
+              <a:solidFill>
+                <a:srgbClr val="000000"/>
+              </a:solidFill>
+              <a:uFill>
+                <a:solidFill>
+                  <a:srgbClr val="FFFFFF"/>
                 </a:solidFill>
               </a:uFill>
               <a:latin typeface="Arial"/>
@@ -6892,22 +9074,25 @@
       </p:sp>
     </p:spTree>
   </p:cSld>
+  <p:clrMapOvr>
+    <a:masterClrMapping/>
+  </p:clrMapOvr>
   <p:timing>
     <p:tnLst>
       <p:par>
-        <p:cTn id="7" dur="indefinite" restart="never" nodeType="tmRoot">
+        <p:cTn id="1" dur="indefinite" restart="never" nodeType="tmRoot">
           <p:childTnLst>
             <p:seq>
-              <p:cTn id="8" nodeType="mainSeq"/>
+              <p:cTn id="2" nodeType="mainSeq"/>
               <p:prevCondLst>
-                <p:cond delay="0" evt="onPrev">
+                <p:cond evt="onPrev" delay="0">
                   <p:tgtEl>
                     <p:sldTgt/>
                   </p:tgtEl>
                 </p:cond>
               </p:prevCondLst>
               <p:nextCondLst>
-                <p:cond delay="0" evt="onNext">
+                <p:cond evt="onNext" delay="0">
                   <p:tgtEl>
                     <p:sldTgt/>
                   </p:tgtEl>
@@ -7142,6 +9327,8 @@
       </a:bgFillStyleLst>
     </a:fmtScheme>
   </a:themeElements>
+  <a:objectDefaults/>
+  <a:extraClrSchemeLst/>
 </a:theme>
 </file>
 
@@ -7365,6 +9552,8 @@
       </a:bgFillStyleLst>
     </a:fmtScheme>
   </a:themeElements>
+  <a:objectDefaults/>
+  <a:extraClrSchemeLst/>
 </a:theme>
 </file>
 
@@ -7588,5 +9777,7 @@
       </a:bgFillStyleLst>
     </a:fmtScheme>
   </a:themeElements>
+  <a:objectDefaults/>
+  <a:extraClrSchemeLst/>
 </a:theme>
 </file>